--- a/Slides/3 - Natural Language Processing and LUIS.pptx
+++ b/Slides/3 - Natural Language Processing and LUIS.pptx
@@ -5,10 +5,10 @@
     <p:sldMasterId id="2147484082" r:id="rId34"/>
   </p:sldMasterIdLst>
   <p:notesMasterIdLst>
-    <p:notesMasterId r:id="rId58"/>
+    <p:notesMasterId r:id="rId59"/>
   </p:notesMasterIdLst>
   <p:handoutMasterIdLst>
-    <p:handoutMasterId r:id="rId59"/>
+    <p:handoutMasterId r:id="rId60"/>
   </p:handoutMasterIdLst>
   <p:sldIdLst>
     <p:sldId id="283" r:id="rId35"/>
@@ -32,8 +32,9 @@
     <p:sldId id="300" r:id="rId53"/>
     <p:sldId id="301" r:id="rId54"/>
     <p:sldId id="302" r:id="rId55"/>
-    <p:sldId id="311" r:id="rId56"/>
-    <p:sldId id="257" r:id="rId57"/>
+    <p:sldId id="312" r:id="rId56"/>
+    <p:sldId id="311" r:id="rId57"/>
+    <p:sldId id="257" r:id="rId58"/>
   </p:sldIdLst>
   <p:sldSz cx="12436475" cy="6994525"/>
   <p:notesSz cx="6858000" cy="9144000"/>
@@ -158,6 +159,7 @@
             <p14:sldId id="300"/>
             <p14:sldId id="301"/>
             <p14:sldId id="302"/>
+            <p14:sldId id="312"/>
             <p14:sldId id="311"/>
             <p14:sldId id="257"/>
           </p14:sldIdLst>
@@ -299,7 +301,7 @@
               <a:rPr lang="en-US" smtClean="0">
                 <a:latin typeface="Segoe UI" pitchFamily="34" charset="0"/>
               </a:rPr>
-              <a:t>6/12/2017 8:19 AM</a:t>
+              <a:t>6/12/2017 10:42 AM</a:t>
             </a:fld>
             <a:endParaRPr lang="en-US" dirty="0">
               <a:latin typeface="Segoe UI" pitchFamily="34" charset="0"/>
@@ -1483,7 +1485,7 @@
           <a:p>
             <a:fld id="{38EEC551-8CDA-4EB6-89BB-2A86C9F091C8}" type="datetime8">
               <a:rPr lang="en-US" smtClean="0"/>
-              <a:t>6/12/2017 8:18 AM</a:t>
+              <a:t>6/12/2017 10:41 AM</a:t>
             </a:fld>
             <a:endParaRPr lang="en-US" dirty="0"/>
           </a:p>
@@ -1817,7 +1819,7 @@
           <a:p>
             <a:fld id="{6108602D-D426-4C00-B215-BFA18C076426}" type="datetime8">
               <a:rPr lang="en-US" smtClean="0"/>
-              <a:t>6/12/2017 8:19 AM</a:t>
+              <a:t>6/12/2017 10:41 AM</a:t>
             </a:fld>
             <a:endParaRPr lang="en-US" dirty="0"/>
           </a:p>
@@ -2153,7 +2155,7 @@
                 <a:tabLst/>
                 <a:defRPr/>
               </a:pPr>
-              <a:t>6/12/2017 8:19 AM</a:t>
+              <a:t>6/12/2017 10:41 AM</a:t>
             </a:fld>
             <a:endParaRPr kumimoji="0" lang="en-US" sz="1200" b="0" i="0" u="none" strike="noStrike" kern="1200" cap="none" spc="0" normalizeH="0" baseline="0" noProof="0" dirty="0">
               <a:ln>
@@ -2430,7 +2432,7 @@
           <a:p>
             <a:fld id="{38EEC551-8CDA-4EB6-89BB-2A86C9F091C8}" type="datetime8">
               <a:rPr lang="en-US" smtClean="0"/>
-              <a:t>6/12/2017 8:19 AM</a:t>
+              <a:t>6/12/2017 10:41 AM</a:t>
             </a:fld>
             <a:endParaRPr lang="en-US" dirty="0"/>
           </a:p>
@@ -2668,7 +2670,7 @@
                 <a:tabLst/>
                 <a:defRPr/>
               </a:pPr>
-              <a:t>6/12/2017 8:19 AM</a:t>
+              <a:t>6/12/2017 10:41 AM</a:t>
             </a:fld>
             <a:endParaRPr kumimoji="0" lang="en-US" sz="1200" b="0" i="0" u="none" strike="noStrike" kern="1200" cap="none" spc="0" normalizeH="0" baseline="0" noProof="0" dirty="0">
               <a:ln>
@@ -2955,7 +2957,7 @@
           <a:p>
             <a:fld id="{38EEC551-8CDA-4EB6-89BB-2A86C9F091C8}" type="datetime8">
               <a:rPr lang="en-US" smtClean="0"/>
-              <a:t>6/12/2017 8:19 AM</a:t>
+              <a:t>6/12/2017 10:41 AM</a:t>
             </a:fld>
             <a:endParaRPr lang="en-US" dirty="0"/>
           </a:p>
@@ -3129,7 +3131,7 @@
                 </a:solidFill>
               </a:rPr>
               <a:pPr/>
-              <a:t>6/12/2017 8:19 AM</a:t>
+              <a:t>6/12/2017 10:41 AM</a:t>
             </a:fld>
             <a:endParaRPr lang="en-US" dirty="0">
               <a:solidFill>
@@ -43278,13 +43280,27 @@
         <p:spPr>
           <a:xfrm>
             <a:off x="365760" y="1371600"/>
-            <a:ext cx="11704320" cy="3382464"/>
+            <a:ext cx="11704320" cy="3847207"/>
           </a:xfrm>
         </p:spPr>
         <p:txBody>
           <a:bodyPr/>
           <a:lstStyle/>
           <a:p>
+            <a:r>
+              <a:rPr lang="en-US" dirty="0"/>
+              <a:t>The more your bot pretends to be a human, the more the human will expect</a:t>
+            </a:r>
+          </a:p>
+          <a:p>
+            <a:pPr lvl="1"/>
+            <a:r>
+              <a:rPr lang="en-US" dirty="0"/>
+              <a:t>Humans will "down-level" to the bot</a:t>
+            </a:r>
+          </a:p>
+          <a:p>
+            <a:pPr lvl="1"/>
             <a:r>
               <a:rPr lang="en-US" dirty="0"/>
               <a:t>Don't try to solve the </a:t>
@@ -43296,13 +43312,6 @@
               <a:t>Turning test</a:t>
             </a:r>
             <a:endParaRPr lang="en-US" dirty="0"/>
-          </a:p>
-          <a:p>
-            <a:pPr lvl="1"/>
-            <a:r>
-              <a:rPr lang="en-US" dirty="0"/>
-              <a:t>Humans will "down-level" to the bot</a:t>
-            </a:r>
           </a:p>
           <a:p>
             <a:r>
@@ -43464,33 +43473,15 @@
                                   </p:childTnLst>
                                 </p:cTn>
                               </p:par>
-                            </p:childTnLst>
-                          </p:cTn>
-                        </p:par>
-                      </p:childTnLst>
-                    </p:cTn>
-                  </p:par>
-                  <p:par>
-                    <p:cTn id="11" fill="hold">
-                      <p:stCondLst>
-                        <p:cond delay="indefinite"/>
-                      </p:stCondLst>
-                      <p:childTnLst>
-                        <p:par>
-                          <p:cTn id="12" fill="hold">
-                            <p:stCondLst>
-                              <p:cond delay="0"/>
-                            </p:stCondLst>
-                            <p:childTnLst>
                               <p:par>
-                                <p:cTn id="13" presetID="10" presetClass="entr" presetSubtype="0" fill="hold" grpId="0" nodeType="clickEffect">
+                                <p:cTn id="11" presetID="10" presetClass="entr" presetSubtype="0" fill="hold" grpId="0" nodeType="withEffect">
                                   <p:stCondLst>
                                     <p:cond delay="0"/>
                                   </p:stCondLst>
                                   <p:childTnLst>
                                     <p:set>
                                       <p:cBhvr>
-                                        <p:cTn id="14" dur="1" fill="hold">
+                                        <p:cTn id="12" dur="1" fill="hold">
                                           <p:stCondLst>
                                             <p:cond delay="0"/>
                                           </p:stCondLst>
@@ -43512,7 +43503,7 @@
                                     </p:set>
                                     <p:animEffect transition="in" filter="fade">
                                       <p:cBhvr>
-                                        <p:cTn id="15" dur="500"/>
+                                        <p:cTn id="13" dur="500"/>
                                         <p:tgtEl>
                                           <p:spTgt spid="5">
                                             <p:txEl>
@@ -43525,8 +43516,26 @@
                                   </p:childTnLst>
                                 </p:cTn>
                               </p:par>
+                            </p:childTnLst>
+                          </p:cTn>
+                        </p:par>
+                      </p:childTnLst>
+                    </p:cTn>
+                  </p:par>
+                  <p:par>
+                    <p:cTn id="14" fill="hold">
+                      <p:stCondLst>
+                        <p:cond delay="indefinite"/>
+                      </p:stCondLst>
+                      <p:childTnLst>
+                        <p:par>
+                          <p:cTn id="15" fill="hold">
+                            <p:stCondLst>
+                              <p:cond delay="0"/>
+                            </p:stCondLst>
+                            <p:childTnLst>
                               <p:par>
-                                <p:cTn id="16" presetID="10" presetClass="entr" presetSubtype="0" fill="hold" grpId="0" nodeType="withEffect">
+                                <p:cTn id="16" presetID="10" presetClass="entr" presetSubtype="0" fill="hold" grpId="0" nodeType="clickEffect">
                                   <p:stCondLst>
                                     <p:cond delay="0"/>
                                   </p:stCondLst>
@@ -43568,33 +43577,15 @@
                                   </p:childTnLst>
                                 </p:cTn>
                               </p:par>
-                            </p:childTnLst>
-                          </p:cTn>
-                        </p:par>
-                      </p:childTnLst>
-                    </p:cTn>
-                  </p:par>
-                  <p:par>
-                    <p:cTn id="19" fill="hold">
-                      <p:stCondLst>
-                        <p:cond delay="indefinite"/>
-                      </p:stCondLst>
-                      <p:childTnLst>
-                        <p:par>
-                          <p:cTn id="20" fill="hold">
-                            <p:stCondLst>
-                              <p:cond delay="0"/>
-                            </p:stCondLst>
-                            <p:childTnLst>
                               <p:par>
-                                <p:cTn id="21" presetID="10" presetClass="entr" presetSubtype="0" fill="hold" grpId="0" nodeType="clickEffect">
+                                <p:cTn id="19" presetID="10" presetClass="entr" presetSubtype="0" fill="hold" grpId="0" nodeType="withEffect">
                                   <p:stCondLst>
                                     <p:cond delay="0"/>
                                   </p:stCondLst>
                                   <p:childTnLst>
                                     <p:set>
                                       <p:cBhvr>
-                                        <p:cTn id="22" dur="1" fill="hold">
+                                        <p:cTn id="20" dur="1" fill="hold">
                                           <p:stCondLst>
                                             <p:cond delay="0"/>
                                           </p:stCondLst>
@@ -43616,7 +43607,7 @@
                                     </p:set>
                                     <p:animEffect transition="in" filter="fade">
                                       <p:cBhvr>
-                                        <p:cTn id="23" dur="500"/>
+                                        <p:cTn id="21" dur="500"/>
                                         <p:tgtEl>
                                           <p:spTgt spid="5">
                                             <p:txEl>
@@ -43629,8 +43620,26 @@
                                   </p:childTnLst>
                                 </p:cTn>
                               </p:par>
+                            </p:childTnLst>
+                          </p:cTn>
+                        </p:par>
+                      </p:childTnLst>
+                    </p:cTn>
+                  </p:par>
+                  <p:par>
+                    <p:cTn id="22" fill="hold">
+                      <p:stCondLst>
+                        <p:cond delay="indefinite"/>
+                      </p:stCondLst>
+                      <p:childTnLst>
+                        <p:par>
+                          <p:cTn id="23" fill="hold">
+                            <p:stCondLst>
+                              <p:cond delay="0"/>
+                            </p:stCondLst>
+                            <p:childTnLst>
                               <p:par>
-                                <p:cTn id="24" presetID="10" presetClass="entr" presetSubtype="0" fill="hold" grpId="0" nodeType="withEffect">
+                                <p:cTn id="24" presetID="10" presetClass="entr" presetSubtype="0" fill="hold" grpId="0" nodeType="clickEffect">
                                   <p:stCondLst>
                                     <p:cond delay="0"/>
                                   </p:stCondLst>
@@ -43715,33 +43724,15 @@
                                   </p:childTnLst>
                                 </p:cTn>
                               </p:par>
-                            </p:childTnLst>
-                          </p:cTn>
-                        </p:par>
-                      </p:childTnLst>
-                    </p:cTn>
-                  </p:par>
-                  <p:par>
-                    <p:cTn id="30" fill="hold">
-                      <p:stCondLst>
-                        <p:cond delay="indefinite"/>
-                      </p:stCondLst>
-                      <p:childTnLst>
-                        <p:par>
-                          <p:cTn id="31" fill="hold">
-                            <p:stCondLst>
-                              <p:cond delay="0"/>
-                            </p:stCondLst>
-                            <p:childTnLst>
                               <p:par>
-                                <p:cTn id="32" presetID="10" presetClass="entr" presetSubtype="0" fill="hold" grpId="0" nodeType="clickEffect">
+                                <p:cTn id="30" presetID="10" presetClass="entr" presetSubtype="0" fill="hold" grpId="0" nodeType="withEffect">
                                   <p:stCondLst>
                                     <p:cond delay="0"/>
                                   </p:stCondLst>
                                   <p:childTnLst>
                                     <p:set>
                                       <p:cBhvr>
-                                        <p:cTn id="33" dur="1" fill="hold">
+                                        <p:cTn id="31" dur="1" fill="hold">
                                           <p:stCondLst>
                                             <p:cond delay="0"/>
                                           </p:stCondLst>
@@ -43763,11 +43754,72 @@
                                     </p:set>
                                     <p:animEffect transition="in" filter="fade">
                                       <p:cBhvr>
-                                        <p:cTn id="34" dur="500"/>
+                                        <p:cTn id="32" dur="500"/>
                                         <p:tgtEl>
                                           <p:spTgt spid="5">
                                             <p:txEl>
                                               <p:pRg st="7" end="7"/>
+                                            </p:txEl>
+                                          </p:spTgt>
+                                        </p:tgtEl>
+                                      </p:cBhvr>
+                                    </p:animEffect>
+                                  </p:childTnLst>
+                                </p:cTn>
+                              </p:par>
+                            </p:childTnLst>
+                          </p:cTn>
+                        </p:par>
+                      </p:childTnLst>
+                    </p:cTn>
+                  </p:par>
+                  <p:par>
+                    <p:cTn id="33" fill="hold">
+                      <p:stCondLst>
+                        <p:cond delay="indefinite"/>
+                      </p:stCondLst>
+                      <p:childTnLst>
+                        <p:par>
+                          <p:cTn id="34" fill="hold">
+                            <p:stCondLst>
+                              <p:cond delay="0"/>
+                            </p:stCondLst>
+                            <p:childTnLst>
+                              <p:par>
+                                <p:cTn id="35" presetID="10" presetClass="entr" presetSubtype="0" fill="hold" grpId="0" nodeType="clickEffect">
+                                  <p:stCondLst>
+                                    <p:cond delay="0"/>
+                                  </p:stCondLst>
+                                  <p:childTnLst>
+                                    <p:set>
+                                      <p:cBhvr>
+                                        <p:cTn id="36" dur="1" fill="hold">
+                                          <p:stCondLst>
+                                            <p:cond delay="0"/>
+                                          </p:stCondLst>
+                                        </p:cTn>
+                                        <p:tgtEl>
+                                          <p:spTgt spid="5">
+                                            <p:txEl>
+                                              <p:pRg st="8" end="8"/>
+                                            </p:txEl>
+                                          </p:spTgt>
+                                        </p:tgtEl>
+                                        <p:attrNameLst>
+                                          <p:attrName>style.visibility</p:attrName>
+                                        </p:attrNameLst>
+                                      </p:cBhvr>
+                                      <p:to>
+                                        <p:strVal val="visible"/>
+                                      </p:to>
+                                    </p:set>
+                                    <p:animEffect transition="in" filter="fade">
+                                      <p:cBhvr>
+                                        <p:cTn id="37" dur="500"/>
+                                        <p:tgtEl>
+                                          <p:spTgt spid="5">
+                                            <p:txEl>
+                                              <p:pRg st="8" end="8"/>
                                             </p:txEl>
                                           </p:spTgt>
                                         </p:tgtEl>
@@ -43904,15 +43956,7 @@
           <a:p>
             <a:r>
               <a:rPr lang="en-US" dirty="0"/>
-              <a:t>Use caution with </a:t>
-            </a:r>
-            <a:r>
-              <a:rPr lang="en-US" dirty="0" err="1"/>
-              <a:t>scorables</a:t>
-            </a:r>
-            <a:r>
-              <a:rPr lang="en-US" dirty="0"/>
-              <a:t> and </a:t>
+              <a:t>Use caution with Scorables and </a:t>
             </a:r>
             <a:r>
               <a:rPr lang="en-US" dirty="0" err="1"/>
@@ -45416,7 +45460,7 @@
                 <a:ea typeface="Segoe UI" pitchFamily="34" charset="0"/>
                 <a:cs typeface="Segoe UI" pitchFamily="34" charset="0"/>
               </a:rPr>
-              <a:t>(message, contact)</a:t>
+              <a:t>(contact, message)</a:t>
             </a:r>
           </a:p>
           <a:p>
@@ -45841,6 +45885,88 @@
       </p:grpSpPr>
       <p:sp>
         <p:nvSpPr>
+          <p:cNvPr id="4" name="Title 3">
+            <a:extLst>
+              <a:ext uri="{FF2B5EF4-FFF2-40B4-BE49-F238E27FC236}">
+                <a16:creationId xmlns:a16="http://schemas.microsoft.com/office/drawing/2014/main" id="{ED24F599-32B8-4EBA-AA46-8A826597154B}"/>
+              </a:ext>
+            </a:extLst>
+          </p:cNvPr>
+          <p:cNvSpPr>
+            <a:spLocks noGrp="1"/>
+          </p:cNvSpPr>
+          <p:nvPr>
+            <p:ph type="title"/>
+          </p:nvPr>
+        </p:nvSpPr>
+        <p:spPr>
+          <a:xfrm>
+            <a:off x="274639" y="1209973"/>
+            <a:ext cx="10056812" cy="2179058"/>
+          </a:xfrm>
+        </p:spPr>
+        <p:txBody>
+          <a:bodyPr/>
+          <a:lstStyle/>
+          <a:p>
+            <a:r>
+              <a:rPr lang="en-US" dirty="0"/>
+              <a:t>Bing Speech vs</a:t>
+            </a:r>
+            <a:br>
+              <a:rPr lang="en-US" dirty="0"/>
+            </a:br>
+            <a:r>
+              <a:rPr lang="en-US" dirty="0"/>
+              <a:t>Custom Speech Service</a:t>
+            </a:r>
+          </a:p>
+        </p:txBody>
+      </p:sp>
+    </p:spTree>
+    <p:extLst>
+      <p:ext uri="{BB962C8B-B14F-4D97-AF65-F5344CB8AC3E}">
+        <p14:creationId xmlns:p14="http://schemas.microsoft.com/office/powerpoint/2010/main" val="4063816254"/>
+      </p:ext>
+    </p:extLst>
+  </p:cSld>
+  <p:clrMapOvr>
+    <a:masterClrMapping/>
+  </p:clrMapOvr>
+  <mc:AlternateContent xmlns:mc="http://schemas.openxmlformats.org/markup-compatibility/2006" xmlns:p14="http://schemas.microsoft.com/office/powerpoint/2010/main">
+    <mc:Choice Requires="p14">
+      <p:transition spd="slow" p14:dur="3400">
+        <p14:reveal/>
+      </p:transition>
+    </mc:Choice>
+    <mc:Fallback xmlns="">
+      <p:transition spd="slow">
+        <p:fade/>
+      </p:transition>
+    </mc:Fallback>
+  </mc:AlternateContent>
+</p:sld>
+</file>
+
+<file path=ppt/slides/slide23.xml><?xml version="1.0" encoding="utf-8"?>
+<p:sld xmlns:a="http://schemas.openxmlformats.org/drawingml/2006/main" xmlns:r="http://schemas.openxmlformats.org/officeDocument/2006/relationships" xmlns:p="http://schemas.openxmlformats.org/presentationml/2006/main">
+  <p:cSld>
+    <p:spTree>
+      <p:nvGrpSpPr>
+        <p:cNvPr id="1" name=""/>
+        <p:cNvGrpSpPr/>
+        <p:nvPr/>
+      </p:nvGrpSpPr>
+      <p:grpSpPr>
+        <a:xfrm>
+          <a:off x="0" y="0"/>
+          <a:ext cx="0" cy="0"/>
+          <a:chOff x="0" y="0"/>
+          <a:chExt cx="0" cy="0"/>
+        </a:xfrm>
+      </p:grpSpPr>
+      <p:sp>
+        <p:nvSpPr>
           <p:cNvPr id="2" name="Title 1"/>
           <p:cNvSpPr>
             <a:spLocks noGrp="1"/>
@@ -45918,7 +46044,7 @@
 </p:sld>
 </file>
 
-<file path=ppt/slides/slide23.xml><?xml version="1.0" encoding="utf-8"?>
+<file path=ppt/slides/slide24.xml><?xml version="1.0" encoding="utf-8"?>
 <p:sld xmlns:a="http://schemas.openxmlformats.org/drawingml/2006/main" xmlns:r="http://schemas.openxmlformats.org/officeDocument/2006/relationships" xmlns:p="http://schemas.openxmlformats.org/presentationml/2006/main">
   <p:cSld>
     <p:spTree>
@@ -49784,37 +49910,37 @@
 
 <file path=customXml/item1.xml><?xml version="1.0" encoding="utf-8"?>
 <Control xmlns="http://schemas.microsoft.com/VisualStudio/2011/storyboarding/control">
-  <Id Name="d69996e1-3d61-4686-9b63-f1b855c596ab" Revision="1" Stencil="7276b9ef-3953-4dce-a89b-ed85f20b8b93" StencilVersion="1.0"/>
+  <Id Name="369f9055-6b6c-48b9-9320-5df2d46c430a" Revision="1" Stencil="7276b9ef-3953-4dce-a89b-ed85f20b8b93" StencilVersion="1.0"/>
 </Control>
 </file>
 
 <file path=customXml/item10.xml><?xml version="1.0" encoding="utf-8"?>
 <Control xmlns="http://schemas.microsoft.com/VisualStudio/2011/storyboarding/control">
-  <Id Name="d69996e1-3d61-4686-9b63-f1b855c596ab" Revision="1" Stencil="7276b9ef-3953-4dce-a89b-ed85f20b8b93" StencilVersion="1.0"/>
+  <Id Name="fb22c541-ded0-47fa-8877-83a4c2d16227" Revision="1" Stencil="7276b9ef-3953-4dce-a89b-ed85f20b8b93" StencilVersion="1.0"/>
 </Control>
 </file>
 
 <file path=customXml/item11.xml><?xml version="1.0" encoding="utf-8"?>
 <Control xmlns="http://schemas.microsoft.com/VisualStudio/2011/storyboarding/control">
-  <Id Name="d69996e1-3d61-4686-9b63-f1b855c596ab" Revision="1" Stencil="7276b9ef-3953-4dce-a89b-ed85f20b8b93" StencilVersion="1.0"/>
+  <Id Name="369f9055-6b6c-48b9-9320-5df2d46c430a" Revision="1" Stencil="7276b9ef-3953-4dce-a89b-ed85f20b8b93" StencilVersion="1.0"/>
 </Control>
 </file>
 
 <file path=customXml/item12.xml><?xml version="1.0" encoding="utf-8"?>
 <Control xmlns="http://schemas.microsoft.com/VisualStudio/2011/storyboarding/control">
-  <Id Name="fb22c541-ded0-47fa-8877-83a4c2d16227" Revision="1" Stencil="7276b9ef-3953-4dce-a89b-ed85f20b8b93" StencilVersion="1.0"/>
+  <Id Name="d69996e1-3d61-4686-9b63-f1b855c596ab" Revision="1" Stencil="7276b9ef-3953-4dce-a89b-ed85f20b8b93" StencilVersion="1.0"/>
 </Control>
 </file>
 
 <file path=customXml/item13.xml><?xml version="1.0" encoding="utf-8"?>
 <Control xmlns="http://schemas.microsoft.com/VisualStudio/2011/storyboarding/control">
-  <Id Name="a53d73d2-368b-429e-b817-1324eec1382c" Revision="1" Stencil="7276b9ef-3953-4dce-a89b-ed85f20b8b93" StencilVersion="1.0"/>
+  <Id Name="a2191c86-fc50-4add-948c-129f6b5a88d8" Revision="1" Stencil="7276b9ef-3953-4dce-a89b-ed85f20b8b93" StencilVersion="1.0"/>
 </Control>
 </file>
 
 <file path=customXml/item14.xml><?xml version="1.0" encoding="utf-8"?>
 <Control xmlns="http://schemas.microsoft.com/VisualStudio/2011/storyboarding/control">
-  <Id Name="d69996e1-3d61-4686-9b63-f1b855c596ab" Revision="1" Stencil="7276b9ef-3953-4dce-a89b-ed85f20b8b93" StencilVersion="1.0"/>
+  <Id Name="a53d73d2-368b-429e-b817-1324eec1382c" Revision="1" Stencil="7276b9ef-3953-4dce-a89b-ed85f20b8b93" StencilVersion="1.0"/>
 </Control>
 </file>
 
@@ -49825,30 +49951,30 @@
 </file>
 
 <file path=customXml/item16.xml><?xml version="1.0" encoding="utf-8"?>
-<Control xmlns="http://schemas.microsoft.com/VisualStudio/2011/storyboarding/control">
-  <Id Name="a2191c86-fc50-4add-948c-129f6b5a88d8" Revision="1" Stencil="7276b9ef-3953-4dce-a89b-ed85f20b8b93" StencilVersion="1.0"/>
-</Control>
-</file>
-
-<file path=customXml/item17.xml><?xml version="1.0" encoding="utf-8"?>
-<Control xmlns="http://schemas.microsoft.com/VisualStudio/2011/storyboarding/control">
-  <Id Name="369f9055-6b6c-48b9-9320-5df2d46c430a" Revision="1" Stencil="7276b9ef-3953-4dce-a89b-ed85f20b8b93" StencilVersion="1.0"/>
-</Control>
-</file>
-
-<file path=customXml/item18.xml><?xml version="1.0" encoding="utf-8"?>
-<Control xmlns="http://schemas.microsoft.com/VisualStudio/2011/storyboarding/control">
-  <Id Name="369f9055-6b6c-48b9-9320-5df2d46c430a" Revision="1" Stencil="7276b9ef-3953-4dce-a89b-ed85f20b8b93" StencilVersion="1.0"/>
-</Control>
-</file>
-
-<file path=customXml/item19.xml><?xml version="1.0" encoding="utf-8"?>
 <?mso-contentType ?>
 <FormTemplates xmlns="http://schemas.microsoft.com/sharepoint/v3/contenttype/forms">
   <Display>DocumentLibraryForm</Display>
   <Edit>DocumentLibraryForm</Edit>
   <New>DocumentLibraryForm</New>
 </FormTemplates>
+</file>
+
+<file path=customXml/item17.xml><?xml version="1.0" encoding="utf-8"?>
+<Control xmlns="http://schemas.microsoft.com/VisualStudio/2011/storyboarding/control">
+  <Id Name="fb22c541-ded0-47fa-8877-83a4c2d16227" Revision="1" Stencil="7276b9ef-3953-4dce-a89b-ed85f20b8b93" StencilVersion="1.0"/>
+</Control>
+</file>
+
+<file path=customXml/item18.xml><?xml version="1.0" encoding="utf-8"?>
+<Control xmlns="http://schemas.microsoft.com/VisualStudio/2011/storyboarding/control">
+  <Id Name="a2191c86-fc50-4add-948c-129f6b5a88d8" Revision="1" Stencil="7276b9ef-3953-4dce-a89b-ed85f20b8b93" StencilVersion="1.0"/>
+</Control>
+</file>
+
+<file path=customXml/item19.xml><?xml version="1.0" encoding="utf-8"?>
+<Control xmlns="http://schemas.microsoft.com/VisualStudio/2011/storyboarding/control">
+  <Id Name="fb22c541-ded0-47fa-8877-83a4c2d16227" Revision="1" Stencil="7276b9ef-3953-4dce-a89b-ed85f20b8b93" StencilVersion="1.0"/>
+</Control>
 </file>
 
 <file path=customXml/item2.xml><?xml version="1.0" encoding="utf-8"?>
@@ -49859,17 +49985,11 @@
 
 <file path=customXml/item20.xml><?xml version="1.0" encoding="utf-8"?>
 <Control xmlns="http://schemas.microsoft.com/VisualStudio/2011/storyboarding/control">
-  <Id Name="a2191c86-fc50-4add-948c-129f6b5a88d8" Revision="1" Stencil="7276b9ef-3953-4dce-a89b-ed85f20b8b93" StencilVersion="1.0"/>
+  <Id Name="d69996e1-3d61-4686-9b63-f1b855c596ab" Revision="1" Stencil="7276b9ef-3953-4dce-a89b-ed85f20b8b93" StencilVersion="1.0"/>
 </Control>
 </file>
 
 <file path=customXml/item21.xml><?xml version="1.0" encoding="utf-8"?>
-<Control xmlns="http://schemas.microsoft.com/VisualStudio/2011/storyboarding/control">
-  <Id Name="369f9055-6b6c-48b9-9320-5df2d46c430a" Revision="1" Stencil="7276b9ef-3953-4dce-a89b-ed85f20b8b93" StencilVersion="1.0"/>
-</Control>
-</file>
-
-<file path=customXml/item22.xml><?xml version="1.0" encoding="utf-8"?>
 <ct:contentTypeSchema xmlns:ct="http://schemas.microsoft.com/office/2006/metadata/contentType" xmlns:ma="http://schemas.microsoft.com/office/2006/metadata/properties/metaAttributes" ct:_="" ma:_="" ma:contentTypeName="Document" ma:contentTypeID="0x010100674EDBEC711BD14FBA6FF5C10FEFEAC7" ma:contentTypeVersion="2" ma:contentTypeDescription="Create a new document." ma:contentTypeScope="" ma:versionID="2439c5e21841780d4f192983b535a097">
   <xsd:schema xmlns:xsd="http://www.w3.org/2001/XMLSchema" xmlns:xs="http://www.w3.org/2001/XMLSchema" xmlns:p="http://schemas.microsoft.com/office/2006/metadata/properties" xmlns:ns2="83cd2334-221a-48c3-9034-bfd1542dfe28" targetNamespace="http://schemas.microsoft.com/office/2006/metadata/properties" ma:root="true" ma:fieldsID="2bca9163d8d0b233c3086236a9289b04" ns2:_="">
     <xsd:import namespace="83cd2334-221a-48c3-9034-bfd1542dfe28"/>
@@ -50017,25 +50137,73 @@
 </ct:contentTypeSchema>
 </file>
 
+<file path=customXml/item22.xml><?xml version="1.0" encoding="utf-8"?>
+<Control xmlns="http://schemas.microsoft.com/VisualStudio/2011/storyboarding/control">
+  <Id Name="d69996e1-3d61-4686-9b63-f1b855c596ab" Revision="1" Stencil="7276b9ef-3953-4dce-a89b-ed85f20b8b93" StencilVersion="1.0"/>
+</Control>
+</file>
+
 <file path=customXml/item23.xml><?xml version="1.0" encoding="utf-8"?>
+<Control xmlns="http://schemas.microsoft.com/VisualStudio/2011/storyboarding/control">
+  <Id Name="fb22c541-ded0-47fa-8877-83a4c2d16227" Revision="1" Stencil="7276b9ef-3953-4dce-a89b-ed85f20b8b93" StencilVersion="1.0"/>
+</Control>
+</file>
+
+<file path=customXml/item24.xml><?xml version="1.0" encoding="utf-8"?>
 <Control xmlns="http://schemas.microsoft.com/VisualStudio/2011/storyboarding/control">
   <Id Name="a2191c86-fc50-4add-948c-129f6b5a88d8" Revision="1" Stencil="7276b9ef-3953-4dce-a89b-ed85f20b8b93" StencilVersion="1.0"/>
 </Control>
 </file>
 
-<file path=customXml/item24.xml><?xml version="1.0" encoding="utf-8"?>
+<file path=customXml/item25.xml><?xml version="1.0" encoding="utf-8"?>
+<Control xmlns="http://schemas.microsoft.com/VisualStudio/2011/storyboarding/control">
+  <Id Name="369f9055-6b6c-48b9-9320-5df2d46c430a" Revision="1" Stencil="7276b9ef-3953-4dce-a89b-ed85f20b8b93" StencilVersion="1.0"/>
+</Control>
+</file>
+
+<file path=customXml/item26.xml><?xml version="1.0" encoding="utf-8"?>
+<Control xmlns="http://schemas.microsoft.com/VisualStudio/2011/storyboarding/control">
+  <Id Name="fb22c541-ded0-47fa-8877-83a4c2d16227" Revision="1" Stencil="7276b9ef-3953-4dce-a89b-ed85f20b8b93" StencilVersion="1.0"/>
+</Control>
+</file>
+
+<file path=customXml/item27.xml><?xml version="1.0" encoding="utf-8"?>
+<Control xmlns="http://schemas.microsoft.com/VisualStudio/2011/storyboarding/control">
+  <Id Name="369f9055-6b6c-48b9-9320-5df2d46c430a" Revision="1" Stencil="7276b9ef-3953-4dce-a89b-ed85f20b8b93" StencilVersion="1.0"/>
+</Control>
+</file>
+
+<file path=customXml/item28.xml><?xml version="1.0" encoding="utf-8"?>
+<Control xmlns="http://schemas.microsoft.com/VisualStudio/2011/storyboarding/control">
+  <Id Name="a2191c86-fc50-4add-948c-129f6b5a88d8" Revision="1" Stencil="7276b9ef-3953-4dce-a89b-ed85f20b8b93" StencilVersion="1.0"/>
+</Control>
+</file>
+
+<file path=customXml/item29.xml><?xml version="1.0" encoding="utf-8"?>
 <Control xmlns="http://schemas.microsoft.com/VisualStudio/2011/storyboarding/control">
   <Id Name="a53d73d2-368b-429e-b817-1324eec1382c" Revision="1" Stencil="7276b9ef-3953-4dce-a89b-ed85f20b8b93" StencilVersion="1.0"/>
 </Control>
 </file>
 
-<file path=customXml/item25.xml><?xml version="1.0" encoding="utf-8"?>
+<file path=customXml/item3.xml><?xml version="1.0" encoding="utf-8"?>
 <Control xmlns="http://schemas.microsoft.com/VisualStudio/2011/storyboarding/control">
   <Id Name="a2191c86-fc50-4add-948c-129f6b5a88d8" Revision="1" Stencil="7276b9ef-3953-4dce-a89b-ed85f20b8b93" StencilVersion="1.0"/>
 </Control>
 </file>
 
-<file path=customXml/item26.xml><?xml version="1.0" encoding="utf-8"?>
+<file path=customXml/item30.xml><?xml version="1.0" encoding="utf-8"?>
+<Control xmlns="http://schemas.microsoft.com/VisualStudio/2011/storyboarding/control">
+  <Id Name="a53d73d2-368b-429e-b817-1324eec1382c" Revision="1" Stencil="7276b9ef-3953-4dce-a89b-ed85f20b8b93" StencilVersion="1.0"/>
+</Control>
+</file>
+
+<file path=customXml/item31.xml><?xml version="1.0" encoding="utf-8"?>
+<Control xmlns="http://schemas.microsoft.com/VisualStudio/2011/storyboarding/control">
+  <Id Name="369f9055-6b6c-48b9-9320-5df2d46c430a" Revision="1" Stencil="7276b9ef-3953-4dce-a89b-ed85f20b8b93" StencilVersion="1.0"/>
+</Control>
+</file>
+
+<file path=customXml/item32.xml><?xml version="1.0" encoding="utf-8"?>
 <p:properties xmlns:p="http://schemas.microsoft.com/office/2006/metadata/properties" xmlns:xsi="http://www.w3.org/2001/XMLSchema-instance" xmlns:pc="http://schemas.microsoft.com/office/infopath/2007/PartnerControls">
   <documentManagement>
     <SharedWithUsers xmlns="83cd2334-221a-48c3-9034-bfd1542dfe28">
@@ -50059,51 +50227,9 @@
 </p:properties>
 </file>
 
-<file path=customXml/item27.xml><?xml version="1.0" encoding="utf-8"?>
-<Control xmlns="http://schemas.microsoft.com/VisualStudio/2011/storyboarding/control">
-  <Id Name="d69996e1-3d61-4686-9b63-f1b855c596ab" Revision="1" Stencil="7276b9ef-3953-4dce-a89b-ed85f20b8b93" StencilVersion="1.0"/>
-</Control>
-</file>
-
-<file path=customXml/item28.xml><?xml version="1.0" encoding="utf-8"?>
-<Control xmlns="http://schemas.microsoft.com/VisualStudio/2011/storyboarding/control">
-  <Id Name="a53d73d2-368b-429e-b817-1324eec1382c" Revision="1" Stencil="7276b9ef-3953-4dce-a89b-ed85f20b8b93" StencilVersion="1.0"/>
-</Control>
-</file>
-
-<file path=customXml/item29.xml><?xml version="1.0" encoding="utf-8"?>
-<Control xmlns="http://schemas.microsoft.com/VisualStudio/2011/storyboarding/control">
-  <Id Name="a53d73d2-368b-429e-b817-1324eec1382c" Revision="1" Stencil="7276b9ef-3953-4dce-a89b-ed85f20b8b93" StencilVersion="1.0"/>
-</Control>
-</file>
-
-<file path=customXml/item3.xml><?xml version="1.0" encoding="utf-8"?>
+<file path=customXml/item33.xml><?xml version="1.0" encoding="utf-8"?>
 <Control xmlns="http://schemas.microsoft.com/VisualStudio/2011/storyboarding/control">
   <Id Name="369f9055-6b6c-48b9-9320-5df2d46c430a" Revision="1" Stencil="7276b9ef-3953-4dce-a89b-ed85f20b8b93" StencilVersion="1.0"/>
-</Control>
-</file>
-
-<file path=customXml/item30.xml><?xml version="1.0" encoding="utf-8"?>
-<Control xmlns="http://schemas.microsoft.com/VisualStudio/2011/storyboarding/control">
-  <Id Name="fb22c541-ded0-47fa-8877-83a4c2d16227" Revision="1" Stencil="7276b9ef-3953-4dce-a89b-ed85f20b8b93" StencilVersion="1.0"/>
-</Control>
-</file>
-
-<file path=customXml/item31.xml><?xml version="1.0" encoding="utf-8"?>
-<Control xmlns="http://schemas.microsoft.com/VisualStudio/2011/storyboarding/control">
-  <Id Name="fb22c541-ded0-47fa-8877-83a4c2d16227" Revision="1" Stencil="7276b9ef-3953-4dce-a89b-ed85f20b8b93" StencilVersion="1.0"/>
-</Control>
-</file>
-
-<file path=customXml/item32.xml><?xml version="1.0" encoding="utf-8"?>
-<Control xmlns="http://schemas.microsoft.com/VisualStudio/2011/storyboarding/control">
-  <Id Name="fb22c541-ded0-47fa-8877-83a4c2d16227" Revision="1" Stencil="7276b9ef-3953-4dce-a89b-ed85f20b8b93" StencilVersion="1.0"/>
-</Control>
-</file>
-
-<file path=customXml/item33.xml><?xml version="1.0" encoding="utf-8"?>
-<Control xmlns="http://schemas.microsoft.com/VisualStudio/2011/storyboarding/control">
-  <Id Name="a53d73d2-368b-429e-b817-1324eec1382c" Revision="1" Stencil="7276b9ef-3953-4dce-a89b-ed85f20b8b93" StencilVersion="1.0"/>
 </Control>
 </file>
 
@@ -50115,36 +50241,36 @@
 
 <file path=customXml/item5.xml><?xml version="1.0" encoding="utf-8"?>
 <Control xmlns="http://schemas.microsoft.com/VisualStudio/2011/storyboarding/control">
-  <Id Name="369f9055-6b6c-48b9-9320-5df2d46c430a" Revision="1" Stencil="7276b9ef-3953-4dce-a89b-ed85f20b8b93" StencilVersion="1.0"/>
+  <Id Name="a53d73d2-368b-429e-b817-1324eec1382c" Revision="1" Stencil="7276b9ef-3953-4dce-a89b-ed85f20b8b93" StencilVersion="1.0"/>
 </Control>
 </file>
 
 <file path=customXml/item6.xml><?xml version="1.0" encoding="utf-8"?>
 <Control xmlns="http://schemas.microsoft.com/VisualStudio/2011/storyboarding/control">
-  <Id Name="a53d73d2-368b-429e-b817-1324eec1382c" Revision="1" Stencil="7276b9ef-3953-4dce-a89b-ed85f20b8b93" StencilVersion="1.0"/>
+  <Id Name="d69996e1-3d61-4686-9b63-f1b855c596ab" Revision="1" Stencil="7276b9ef-3953-4dce-a89b-ed85f20b8b93" StencilVersion="1.0"/>
 </Control>
 </file>
 
 <file path=customXml/item7.xml><?xml version="1.0" encoding="utf-8"?>
 <Control xmlns="http://schemas.microsoft.com/VisualStudio/2011/storyboarding/control">
-  <Id Name="369f9055-6b6c-48b9-9320-5df2d46c430a" Revision="1" Stencil="7276b9ef-3953-4dce-a89b-ed85f20b8b93" StencilVersion="1.0"/>
+  <Id Name="a53d73d2-368b-429e-b817-1324eec1382c" Revision="1" Stencil="7276b9ef-3953-4dce-a89b-ed85f20b8b93" StencilVersion="1.0"/>
 </Control>
 </file>
 
 <file path=customXml/item8.xml><?xml version="1.0" encoding="utf-8"?>
 <Control xmlns="http://schemas.microsoft.com/VisualStudio/2011/storyboarding/control">
-  <Id Name="a2191c86-fc50-4add-948c-129f6b5a88d8" Revision="1" Stencil="7276b9ef-3953-4dce-a89b-ed85f20b8b93" StencilVersion="1.0"/>
+  <Id Name="d69996e1-3d61-4686-9b63-f1b855c596ab" Revision="1" Stencil="7276b9ef-3953-4dce-a89b-ed85f20b8b93" StencilVersion="1.0"/>
 </Control>
 </file>
 
 <file path=customXml/item9.xml><?xml version="1.0" encoding="utf-8"?>
 <Control xmlns="http://schemas.microsoft.com/VisualStudio/2011/storyboarding/control">
-  <Id Name="fb22c541-ded0-47fa-8877-83a4c2d16227" Revision="1" Stencil="7276b9ef-3953-4dce-a89b-ed85f20b8b93" StencilVersion="1.0"/>
+  <Id Name="a53d73d2-368b-429e-b817-1324eec1382c" Revision="1" Stencil="7276b9ef-3953-4dce-a89b-ed85f20b8b93" StencilVersion="1.0"/>
 </Control>
 </file>
 
 <file path=customXml/itemProps1.xml><?xml version="1.0" encoding="utf-8"?>
-<ds:datastoreItem xmlns:ds="http://schemas.openxmlformats.org/officeDocument/2006/customXml" ds:itemID="{C0F92A87-A216-45A9-B9C0-0515663D35BF}">
+<ds:datastoreItem xmlns:ds="http://schemas.openxmlformats.org/officeDocument/2006/customXml" ds:itemID="{08C4EE12-DF69-4FFC-9E40-C7991F3490A6}">
   <ds:schemaRefs>
     <ds:schemaRef ds:uri="http://schemas.microsoft.com/VisualStudio/2011/storyboarding/control"/>
   </ds:schemaRefs>
@@ -50152,6 +50278,46 @@
 </file>
 
 <file path=customXml/itemProps10.xml><?xml version="1.0" encoding="utf-8"?>
+<ds:datastoreItem xmlns:ds="http://schemas.openxmlformats.org/officeDocument/2006/customXml" ds:itemID="{376216F9-AF6B-4844-AE8C-B9F953F916AB}">
+  <ds:schemaRefs>
+    <ds:schemaRef ds:uri="http://schemas.microsoft.com/VisualStudio/2011/storyboarding/control"/>
+  </ds:schemaRefs>
+</ds:datastoreItem>
+</file>
+
+<file path=customXml/itemProps11.xml><?xml version="1.0" encoding="utf-8"?>
+<ds:datastoreItem xmlns:ds="http://schemas.openxmlformats.org/officeDocument/2006/customXml" ds:itemID="{38217AA1-CC95-49A9-B284-2ED4D347D7CA}">
+  <ds:schemaRefs>
+    <ds:schemaRef ds:uri="http://schemas.microsoft.com/VisualStudio/2011/storyboarding/control"/>
+  </ds:schemaRefs>
+</ds:datastoreItem>
+</file>
+
+<file path=customXml/itemProps12.xml><?xml version="1.0" encoding="utf-8"?>
+<ds:datastoreItem xmlns:ds="http://schemas.openxmlformats.org/officeDocument/2006/customXml" ds:itemID="{366CA990-F93D-4100-9654-65D9E30F4E1C}">
+  <ds:schemaRefs>
+    <ds:schemaRef ds:uri="http://schemas.microsoft.com/VisualStudio/2011/storyboarding/control"/>
+  </ds:schemaRefs>
+</ds:datastoreItem>
+</file>
+
+<file path=customXml/itemProps13.xml><?xml version="1.0" encoding="utf-8"?>
+<ds:datastoreItem xmlns:ds="http://schemas.openxmlformats.org/officeDocument/2006/customXml" ds:itemID="{D4B5F268-5930-44CD-BDF1-D0A04D4BBC1C}">
+  <ds:schemaRefs>
+    <ds:schemaRef ds:uri="http://schemas.microsoft.com/VisualStudio/2011/storyboarding/control"/>
+  </ds:schemaRefs>
+</ds:datastoreItem>
+</file>
+
+<file path=customXml/itemProps14.xml><?xml version="1.0" encoding="utf-8"?>
+<ds:datastoreItem xmlns:ds="http://schemas.openxmlformats.org/officeDocument/2006/customXml" ds:itemID="{6FB9D450-4C47-4A44-8C0D-C78D8A54C46F}">
+  <ds:schemaRefs>
+    <ds:schemaRef ds:uri="http://schemas.microsoft.com/VisualStudio/2011/storyboarding/control"/>
+  </ds:schemaRefs>
+</ds:datastoreItem>
+</file>
+
+<file path=customXml/itemProps15.xml><?xml version="1.0" encoding="utf-8"?>
 <ds:datastoreItem xmlns:ds="http://schemas.openxmlformats.org/officeDocument/2006/customXml" ds:itemID="{67213E6F-7B96-4222-888B-63710B06D885}">
   <ds:schemaRefs>
     <ds:schemaRef ds:uri="http://schemas.microsoft.com/VisualStudio/2011/storyboarding/control"/>
@@ -50159,56 +50325,16 @@
 </ds:datastoreItem>
 </file>
 
-<file path=customXml/itemProps11.xml><?xml version="1.0" encoding="utf-8"?>
-<ds:datastoreItem xmlns:ds="http://schemas.openxmlformats.org/officeDocument/2006/customXml" ds:itemID="{0282FB20-2D4C-459D-8468-77D1D3C6925D}">
+<file path=customXml/itemProps16.xml><?xml version="1.0" encoding="utf-8"?>
+<ds:datastoreItem xmlns:ds="http://schemas.openxmlformats.org/officeDocument/2006/customXml" ds:itemID="{758FDAC0-319D-4A54-8D8E-1D42CB1F8004}">
   <ds:schemaRefs>
-    <ds:schemaRef ds:uri="http://schemas.microsoft.com/VisualStudio/2011/storyboarding/control"/>
-  </ds:schemaRefs>
-</ds:datastoreItem>
-</file>
-
-<file path=customXml/itemProps12.xml><?xml version="1.0" encoding="utf-8"?>
-<ds:datastoreItem xmlns:ds="http://schemas.openxmlformats.org/officeDocument/2006/customXml" ds:itemID="{4C1B3C27-4803-4D72-A3F8-6668A3F0A24B}">
-  <ds:schemaRefs>
-    <ds:schemaRef ds:uri="http://schemas.microsoft.com/VisualStudio/2011/storyboarding/control"/>
-  </ds:schemaRefs>
-</ds:datastoreItem>
-</file>
-
-<file path=customXml/itemProps13.xml><?xml version="1.0" encoding="utf-8"?>
-<ds:datastoreItem xmlns:ds="http://schemas.openxmlformats.org/officeDocument/2006/customXml" ds:itemID="{8893E80D-6D0C-4E0F-AA22-E5615BB87E5B}">
-  <ds:schemaRefs>
-    <ds:schemaRef ds:uri="http://schemas.microsoft.com/VisualStudio/2011/storyboarding/control"/>
-  </ds:schemaRefs>
-</ds:datastoreItem>
-</file>
-
-<file path=customXml/itemProps14.xml><?xml version="1.0" encoding="utf-8"?>
-<ds:datastoreItem xmlns:ds="http://schemas.openxmlformats.org/officeDocument/2006/customXml" ds:itemID="{C63AC2F0-1DEB-4E91-A88A-7A014A172F4F}">
-  <ds:schemaRefs>
-    <ds:schemaRef ds:uri="http://schemas.microsoft.com/VisualStudio/2011/storyboarding/control"/>
-  </ds:schemaRefs>
-</ds:datastoreItem>
-</file>
-
-<file path=customXml/itemProps15.xml><?xml version="1.0" encoding="utf-8"?>
-<ds:datastoreItem xmlns:ds="http://schemas.openxmlformats.org/officeDocument/2006/customXml" ds:itemID="{366CA990-F93D-4100-9654-65D9E30F4E1C}">
-  <ds:schemaRefs>
-    <ds:schemaRef ds:uri="http://schemas.microsoft.com/VisualStudio/2011/storyboarding/control"/>
-  </ds:schemaRefs>
-</ds:datastoreItem>
-</file>
-
-<file path=customXml/itemProps16.xml><?xml version="1.0" encoding="utf-8"?>
-<ds:datastoreItem xmlns:ds="http://schemas.openxmlformats.org/officeDocument/2006/customXml" ds:itemID="{3C954CC5-1CAC-4EC3-9791-8630483065B9}">
-  <ds:schemaRefs>
-    <ds:schemaRef ds:uri="http://schemas.microsoft.com/VisualStudio/2011/storyboarding/control"/>
+    <ds:schemaRef ds:uri="http://schemas.microsoft.com/sharepoint/v3/contenttype/forms"/>
   </ds:schemaRefs>
 </ds:datastoreItem>
 </file>
 
 <file path=customXml/itemProps17.xml><?xml version="1.0" encoding="utf-8"?>
-<ds:datastoreItem xmlns:ds="http://schemas.openxmlformats.org/officeDocument/2006/customXml" ds:itemID="{42D603BF-B513-4201-A599-21BA0F4FFC40}">
+<ds:datastoreItem xmlns:ds="http://schemas.openxmlformats.org/officeDocument/2006/customXml" ds:itemID="{D6FEE829-2115-45B4-8110-670FD454542B}">
   <ds:schemaRefs>
     <ds:schemaRef ds:uri="http://schemas.microsoft.com/VisualStudio/2011/storyboarding/control"/>
   </ds:schemaRefs>
@@ -50216,7 +50342,7 @@
 </file>
 
 <file path=customXml/itemProps18.xml><?xml version="1.0" encoding="utf-8"?>
-<ds:datastoreItem xmlns:ds="http://schemas.openxmlformats.org/officeDocument/2006/customXml" ds:itemID="{7959CC6A-F423-4783-B968-3BCC86A7394E}">
+<ds:datastoreItem xmlns:ds="http://schemas.openxmlformats.org/officeDocument/2006/customXml" ds:itemID="{4B16F4FE-7C26-4443-B426-81998D23ED87}">
   <ds:schemaRefs>
     <ds:schemaRef ds:uri="http://schemas.microsoft.com/VisualStudio/2011/storyboarding/control"/>
   </ds:schemaRefs>
@@ -50224,9 +50350,9 @@
 </file>
 
 <file path=customXml/itemProps19.xml><?xml version="1.0" encoding="utf-8"?>
-<ds:datastoreItem xmlns:ds="http://schemas.openxmlformats.org/officeDocument/2006/customXml" ds:itemID="{758FDAC0-319D-4A54-8D8E-1D42CB1F8004}">
+<ds:datastoreItem xmlns:ds="http://schemas.openxmlformats.org/officeDocument/2006/customXml" ds:itemID="{B5105A87-47B6-44F6-97FD-4619C0556604}">
   <ds:schemaRefs>
-    <ds:schemaRef ds:uri="http://schemas.microsoft.com/sharepoint/v3/contenttype/forms"/>
+    <ds:schemaRef ds:uri="http://schemas.microsoft.com/VisualStudio/2011/storyboarding/control"/>
   </ds:schemaRefs>
 </ds:datastoreItem>
 </file>
@@ -50240,7 +50366,7 @@
 </file>
 
 <file path=customXml/itemProps20.xml><?xml version="1.0" encoding="utf-8"?>
-<ds:datastoreItem xmlns:ds="http://schemas.openxmlformats.org/officeDocument/2006/customXml" ds:itemID="{0B54C583-7BAB-4080-8093-C5F84F5A225A}">
+<ds:datastoreItem xmlns:ds="http://schemas.openxmlformats.org/officeDocument/2006/customXml" ds:itemID="{C63AC2F0-1DEB-4E91-A88A-7A014A172F4F}">
   <ds:schemaRefs>
     <ds:schemaRef ds:uri="http://schemas.microsoft.com/VisualStudio/2011/storyboarding/control"/>
   </ds:schemaRefs>
@@ -50248,14 +50374,6 @@
 </file>
 
 <file path=customXml/itemProps21.xml><?xml version="1.0" encoding="utf-8"?>
-<ds:datastoreItem xmlns:ds="http://schemas.openxmlformats.org/officeDocument/2006/customXml" ds:itemID="{82DB428A-B8F8-483F-8276-095629A8ECDB}">
-  <ds:schemaRefs>
-    <ds:schemaRef ds:uri="http://schemas.microsoft.com/VisualStudio/2011/storyboarding/control"/>
-  </ds:schemaRefs>
-</ds:datastoreItem>
-</file>
-
-<file path=customXml/itemProps22.xml><?xml version="1.0" encoding="utf-8"?>
 <ds:datastoreItem xmlns:ds="http://schemas.openxmlformats.org/officeDocument/2006/customXml" ds:itemID="{11F98F69-7518-4AE2-AE7B-E037DC9DDC97}">
   <ds:schemaRefs>
     <ds:schemaRef ds:uri="http://schemas.microsoft.com/office/2006/metadata/contentType"/>
@@ -50273,8 +50391,16 @@
 </ds:datastoreItem>
 </file>
 
+<file path=customXml/itemProps22.xml><?xml version="1.0" encoding="utf-8"?>
+<ds:datastoreItem xmlns:ds="http://schemas.openxmlformats.org/officeDocument/2006/customXml" ds:itemID="{3DC6CABD-46E1-4C27-A0B3-616DC56F8E5C}">
+  <ds:schemaRefs>
+    <ds:schemaRef ds:uri="http://schemas.microsoft.com/VisualStudio/2011/storyboarding/control"/>
+  </ds:schemaRefs>
+</ds:datastoreItem>
+</file>
+
 <file path=customXml/itemProps23.xml><?xml version="1.0" encoding="utf-8"?>
-<ds:datastoreItem xmlns:ds="http://schemas.openxmlformats.org/officeDocument/2006/customXml" ds:itemID="{D4B5F268-5930-44CD-BDF1-D0A04D4BBC1C}">
+<ds:datastoreItem xmlns:ds="http://schemas.openxmlformats.org/officeDocument/2006/customXml" ds:itemID="{4E8278DB-3CDD-48A7-992E-A7596AD335B9}">
   <ds:schemaRefs>
     <ds:schemaRef ds:uri="http://schemas.microsoft.com/VisualStudio/2011/storyboarding/control"/>
   </ds:schemaRefs>
@@ -50282,7 +50408,7 @@
 </file>
 
 <file path=customXml/itemProps24.xml><?xml version="1.0" encoding="utf-8"?>
-<ds:datastoreItem xmlns:ds="http://schemas.openxmlformats.org/officeDocument/2006/customXml" ds:itemID="{21F6B647-976A-41D0-B760-9DF9DFC6AE3C}">
+<ds:datastoreItem xmlns:ds="http://schemas.openxmlformats.org/officeDocument/2006/customXml" ds:itemID="{8BD595CA-AC5E-43B9-B966-E468A16E8322}">
   <ds:schemaRefs>
     <ds:schemaRef ds:uri="http://schemas.microsoft.com/VisualStudio/2011/storyboarding/control"/>
   </ds:schemaRefs>
@@ -50290,6 +50416,30 @@
 </file>
 
 <file path=customXml/itemProps25.xml><?xml version="1.0" encoding="utf-8"?>
+<ds:datastoreItem xmlns:ds="http://schemas.openxmlformats.org/officeDocument/2006/customXml" ds:itemID="{FE651ABA-5DC1-4ABD-A06E-055AE54B337B}">
+  <ds:schemaRefs>
+    <ds:schemaRef ds:uri="http://schemas.microsoft.com/VisualStudio/2011/storyboarding/control"/>
+  </ds:schemaRefs>
+</ds:datastoreItem>
+</file>
+
+<file path=customXml/itemProps26.xml><?xml version="1.0" encoding="utf-8"?>
+<ds:datastoreItem xmlns:ds="http://schemas.openxmlformats.org/officeDocument/2006/customXml" ds:itemID="{4C1B3C27-4803-4D72-A3F8-6668A3F0A24B}">
+  <ds:schemaRefs>
+    <ds:schemaRef ds:uri="http://schemas.microsoft.com/VisualStudio/2011/storyboarding/control"/>
+  </ds:schemaRefs>
+</ds:datastoreItem>
+</file>
+
+<file path=customXml/itemProps27.xml><?xml version="1.0" encoding="utf-8"?>
+<ds:datastoreItem xmlns:ds="http://schemas.openxmlformats.org/officeDocument/2006/customXml" ds:itemID="{42D603BF-B513-4201-A599-21BA0F4FFC40}">
+  <ds:schemaRefs>
+    <ds:schemaRef ds:uri="http://schemas.microsoft.com/VisualStudio/2011/storyboarding/control"/>
+  </ds:schemaRefs>
+</ds:datastoreItem>
+</file>
+
+<file path=customXml/itemProps28.xml><?xml version="1.0" encoding="utf-8"?>
 <ds:datastoreItem xmlns:ds="http://schemas.openxmlformats.org/officeDocument/2006/customXml" ds:itemID="{8257D6BC-B71E-4D95-81E4-A1D4A8174168}">
   <ds:schemaRefs>
     <ds:schemaRef ds:uri="http://schemas.microsoft.com/VisualStudio/2011/storyboarding/control"/>
@@ -50297,7 +50447,39 @@
 </ds:datastoreItem>
 </file>
 
-<file path=customXml/itemProps26.xml><?xml version="1.0" encoding="utf-8"?>
+<file path=customXml/itemProps29.xml><?xml version="1.0" encoding="utf-8"?>
+<ds:datastoreItem xmlns:ds="http://schemas.openxmlformats.org/officeDocument/2006/customXml" ds:itemID="{4E805D65-1532-4BB0-8F41-8013167C0009}">
+  <ds:schemaRefs>
+    <ds:schemaRef ds:uri="http://schemas.microsoft.com/VisualStudio/2011/storyboarding/control"/>
+  </ds:schemaRefs>
+</ds:datastoreItem>
+</file>
+
+<file path=customXml/itemProps3.xml><?xml version="1.0" encoding="utf-8"?>
+<ds:datastoreItem xmlns:ds="http://schemas.openxmlformats.org/officeDocument/2006/customXml" ds:itemID="{3C954CC5-1CAC-4EC3-9791-8630483065B9}">
+  <ds:schemaRefs>
+    <ds:schemaRef ds:uri="http://schemas.microsoft.com/VisualStudio/2011/storyboarding/control"/>
+  </ds:schemaRefs>
+</ds:datastoreItem>
+</file>
+
+<file path=customXml/itemProps30.xml><?xml version="1.0" encoding="utf-8"?>
+<ds:datastoreItem xmlns:ds="http://schemas.openxmlformats.org/officeDocument/2006/customXml" ds:itemID="{8893E80D-6D0C-4E0F-AA22-E5615BB87E5B}">
+  <ds:schemaRefs>
+    <ds:schemaRef ds:uri="http://schemas.microsoft.com/VisualStudio/2011/storyboarding/control"/>
+  </ds:schemaRefs>
+</ds:datastoreItem>
+</file>
+
+<file path=customXml/itemProps31.xml><?xml version="1.0" encoding="utf-8"?>
+<ds:datastoreItem xmlns:ds="http://schemas.openxmlformats.org/officeDocument/2006/customXml" ds:itemID="{7959CC6A-F423-4783-B968-3BCC86A7394E}">
+  <ds:schemaRefs>
+    <ds:schemaRef ds:uri="http://schemas.microsoft.com/VisualStudio/2011/storyboarding/control"/>
+  </ds:schemaRefs>
+</ds:datastoreItem>
+</file>
+
+<file path=customXml/itemProps32.xml><?xml version="1.0" encoding="utf-8"?>
 <ds:datastoreItem xmlns:ds="http://schemas.openxmlformats.org/officeDocument/2006/customXml" ds:itemID="{F990F116-B58F-4255-B05B-DA3808E0E5C6}">
   <ds:schemaRefs>
     <ds:schemaRef ds:uri="http://purl.org/dc/terms/"/>
@@ -50313,23 +50495,23 @@
 </ds:datastoreItem>
 </file>
 
-<file path=customXml/itemProps27.xml><?xml version="1.0" encoding="utf-8"?>
-<ds:datastoreItem xmlns:ds="http://schemas.openxmlformats.org/officeDocument/2006/customXml" ds:itemID="{3DC6CABD-46E1-4C27-A0B3-616DC56F8E5C}">
+<file path=customXml/itemProps33.xml><?xml version="1.0" encoding="utf-8"?>
+<ds:datastoreItem xmlns:ds="http://schemas.openxmlformats.org/officeDocument/2006/customXml" ds:itemID="{82DB428A-B8F8-483F-8276-095629A8ECDB}">
   <ds:schemaRefs>
     <ds:schemaRef ds:uri="http://schemas.microsoft.com/VisualStudio/2011/storyboarding/control"/>
   </ds:schemaRefs>
 </ds:datastoreItem>
 </file>
 
-<file path=customXml/itemProps28.xml><?xml version="1.0" encoding="utf-8"?>
-<ds:datastoreItem xmlns:ds="http://schemas.openxmlformats.org/officeDocument/2006/customXml" ds:itemID="{6FB9D450-4C47-4A44-8C0D-C78D8A54C46F}">
+<file path=customXml/itemProps4.xml><?xml version="1.0" encoding="utf-8"?>
+<ds:datastoreItem xmlns:ds="http://schemas.openxmlformats.org/officeDocument/2006/customXml" ds:itemID="{0B54C583-7BAB-4080-8093-C5F84F5A225A}">
   <ds:schemaRefs>
     <ds:schemaRef ds:uri="http://schemas.microsoft.com/VisualStudio/2011/storyboarding/control"/>
   </ds:schemaRefs>
 </ds:datastoreItem>
 </file>
 
-<file path=customXml/itemProps29.xml><?xml version="1.0" encoding="utf-8"?>
+<file path=customXml/itemProps5.xml><?xml version="1.0" encoding="utf-8"?>
 <ds:datastoreItem xmlns:ds="http://schemas.openxmlformats.org/officeDocument/2006/customXml" ds:itemID="{ED350DFE-2319-4AB0-BC96-1D36D125365A}">
   <ds:schemaRefs>
     <ds:schemaRef ds:uri="http://schemas.microsoft.com/VisualStudio/2011/storyboarding/control"/>
@@ -50337,63 +50519,15 @@
 </ds:datastoreItem>
 </file>
 
-<file path=customXml/itemProps3.xml><?xml version="1.0" encoding="utf-8"?>
-<ds:datastoreItem xmlns:ds="http://schemas.openxmlformats.org/officeDocument/2006/customXml" ds:itemID="{FE651ABA-5DC1-4ABD-A06E-055AE54B337B}">
+<file path=customXml/itemProps6.xml><?xml version="1.0" encoding="utf-8"?>
+<ds:datastoreItem xmlns:ds="http://schemas.openxmlformats.org/officeDocument/2006/customXml" ds:itemID="{C0F92A87-A216-45A9-B9C0-0515663D35BF}">
   <ds:schemaRefs>
     <ds:schemaRef ds:uri="http://schemas.microsoft.com/VisualStudio/2011/storyboarding/control"/>
   </ds:schemaRefs>
 </ds:datastoreItem>
 </file>
 
-<file path=customXml/itemProps30.xml><?xml version="1.0" encoding="utf-8"?>
-<ds:datastoreItem xmlns:ds="http://schemas.openxmlformats.org/officeDocument/2006/customXml" ds:itemID="{4E8278DB-3CDD-48A7-992E-A7596AD335B9}">
-  <ds:schemaRefs>
-    <ds:schemaRef ds:uri="http://schemas.microsoft.com/VisualStudio/2011/storyboarding/control"/>
-  </ds:schemaRefs>
-</ds:datastoreItem>
-</file>
-
-<file path=customXml/itemProps31.xml><?xml version="1.0" encoding="utf-8"?>
-<ds:datastoreItem xmlns:ds="http://schemas.openxmlformats.org/officeDocument/2006/customXml" ds:itemID="{D6FEE829-2115-45B4-8110-670FD454542B}">
-  <ds:schemaRefs>
-    <ds:schemaRef ds:uri="http://schemas.microsoft.com/VisualStudio/2011/storyboarding/control"/>
-  </ds:schemaRefs>
-</ds:datastoreItem>
-</file>
-
-<file path=customXml/itemProps32.xml><?xml version="1.0" encoding="utf-8"?>
-<ds:datastoreItem xmlns:ds="http://schemas.openxmlformats.org/officeDocument/2006/customXml" ds:itemID="{376216F9-AF6B-4844-AE8C-B9F953F916AB}">
-  <ds:schemaRefs>
-    <ds:schemaRef ds:uri="http://schemas.microsoft.com/VisualStudio/2011/storyboarding/control"/>
-  </ds:schemaRefs>
-</ds:datastoreItem>
-</file>
-
-<file path=customXml/itemProps33.xml><?xml version="1.0" encoding="utf-8"?>
-<ds:datastoreItem xmlns:ds="http://schemas.openxmlformats.org/officeDocument/2006/customXml" ds:itemID="{4E805D65-1532-4BB0-8F41-8013167C0009}">
-  <ds:schemaRefs>
-    <ds:schemaRef ds:uri="http://schemas.microsoft.com/VisualStudio/2011/storyboarding/control"/>
-  </ds:schemaRefs>
-</ds:datastoreItem>
-</file>
-
-<file path=customXml/itemProps4.xml><?xml version="1.0" encoding="utf-8"?>
-<ds:datastoreItem xmlns:ds="http://schemas.openxmlformats.org/officeDocument/2006/customXml" ds:itemID="{4B16F4FE-7C26-4443-B426-81998D23ED87}">
-  <ds:schemaRefs>
-    <ds:schemaRef ds:uri="http://schemas.microsoft.com/VisualStudio/2011/storyboarding/control"/>
-  </ds:schemaRefs>
-</ds:datastoreItem>
-</file>
-
-<file path=customXml/itemProps5.xml><?xml version="1.0" encoding="utf-8"?>
-<ds:datastoreItem xmlns:ds="http://schemas.openxmlformats.org/officeDocument/2006/customXml" ds:itemID="{38217AA1-CC95-49A9-B284-2ED4D347D7CA}">
-  <ds:schemaRefs>
-    <ds:schemaRef ds:uri="http://schemas.microsoft.com/VisualStudio/2011/storyboarding/control"/>
-  </ds:schemaRefs>
-</ds:datastoreItem>
-</file>
-
-<file path=customXml/itemProps6.xml><?xml version="1.0" encoding="utf-8"?>
+<file path=customXml/itemProps7.xml><?xml version="1.0" encoding="utf-8"?>
 <ds:datastoreItem xmlns:ds="http://schemas.openxmlformats.org/officeDocument/2006/customXml" ds:itemID="{F68D8396-E21C-4AFF-8FDD-70D00673D0EE}">
   <ds:schemaRefs>
     <ds:schemaRef ds:uri="http://schemas.microsoft.com/VisualStudio/2011/storyboarding/control"/>
@@ -50401,16 +50535,8 @@
 </ds:datastoreItem>
 </file>
 
-<file path=customXml/itemProps7.xml><?xml version="1.0" encoding="utf-8"?>
-<ds:datastoreItem xmlns:ds="http://schemas.openxmlformats.org/officeDocument/2006/customXml" ds:itemID="{08C4EE12-DF69-4FFC-9E40-C7991F3490A6}">
-  <ds:schemaRefs>
-    <ds:schemaRef ds:uri="http://schemas.microsoft.com/VisualStudio/2011/storyboarding/control"/>
-  </ds:schemaRefs>
-</ds:datastoreItem>
-</file>
-
 <file path=customXml/itemProps8.xml><?xml version="1.0" encoding="utf-8"?>
-<ds:datastoreItem xmlns:ds="http://schemas.openxmlformats.org/officeDocument/2006/customXml" ds:itemID="{8BD595CA-AC5E-43B9-B966-E468A16E8322}">
+<ds:datastoreItem xmlns:ds="http://schemas.openxmlformats.org/officeDocument/2006/customXml" ds:itemID="{0282FB20-2D4C-459D-8468-77D1D3C6925D}">
   <ds:schemaRefs>
     <ds:schemaRef ds:uri="http://schemas.microsoft.com/VisualStudio/2011/storyboarding/control"/>
   </ds:schemaRefs>
@@ -50418,7 +50544,7 @@
 </file>
 
 <file path=customXml/itemProps9.xml><?xml version="1.0" encoding="utf-8"?>
-<ds:datastoreItem xmlns:ds="http://schemas.openxmlformats.org/officeDocument/2006/customXml" ds:itemID="{B5105A87-47B6-44F6-97FD-4619C0556604}">
+<ds:datastoreItem xmlns:ds="http://schemas.openxmlformats.org/officeDocument/2006/customXml" ds:itemID="{21F6B647-976A-41D0-B760-9DF9DFC6AE3C}">
   <ds:schemaRefs>
     <ds:schemaRef ds:uri="http://schemas.microsoft.com/VisualStudio/2011/storyboarding/control"/>
   </ds:schemaRefs>

--- a/Slides/3 - Natural Language Processing and LUIS.pptx
+++ b/Slides/3 - Natural Language Processing and LUIS.pptx
@@ -301,7 +301,7 @@
               <a:rPr lang="en-US" smtClean="0">
                 <a:latin typeface="Segoe UI" pitchFamily="34" charset="0"/>
               </a:rPr>
-              <a:t>6/12/2017 10:42 AM</a:t>
+              <a:t>6/13/2017 8:15 AM</a:t>
             </a:fld>
             <a:endParaRPr lang="en-US" dirty="0">
               <a:latin typeface="Segoe UI" pitchFamily="34" charset="0"/>
@@ -1485,7 +1485,7 @@
           <a:p>
             <a:fld id="{38EEC551-8CDA-4EB6-89BB-2A86C9F091C8}" type="datetime8">
               <a:rPr lang="en-US" smtClean="0"/>
-              <a:t>6/12/2017 10:41 AM</a:t>
+              <a:t>6/13/2017 8:15 AM</a:t>
             </a:fld>
             <a:endParaRPr lang="en-US" dirty="0"/>
           </a:p>
@@ -1819,7 +1819,7 @@
           <a:p>
             <a:fld id="{6108602D-D426-4C00-B215-BFA18C076426}" type="datetime8">
               <a:rPr lang="en-US" smtClean="0"/>
-              <a:t>6/12/2017 10:41 AM</a:t>
+              <a:t>6/13/2017 8:15 AM</a:t>
             </a:fld>
             <a:endParaRPr lang="en-US" dirty="0"/>
           </a:p>
@@ -2155,7 +2155,7 @@
                 <a:tabLst/>
                 <a:defRPr/>
               </a:pPr>
-              <a:t>6/12/2017 10:41 AM</a:t>
+              <a:t>6/13/2017 8:15 AM</a:t>
             </a:fld>
             <a:endParaRPr kumimoji="0" lang="en-US" sz="1200" b="0" i="0" u="none" strike="noStrike" kern="1200" cap="none" spc="0" normalizeH="0" baseline="0" noProof="0" dirty="0">
               <a:ln>
@@ -2432,7 +2432,7 @@
           <a:p>
             <a:fld id="{38EEC551-8CDA-4EB6-89BB-2A86C9F091C8}" type="datetime8">
               <a:rPr lang="en-US" smtClean="0"/>
-              <a:t>6/12/2017 10:41 AM</a:t>
+              <a:t>6/13/2017 8:15 AM</a:t>
             </a:fld>
             <a:endParaRPr lang="en-US" dirty="0"/>
           </a:p>
@@ -2670,7 +2670,7 @@
                 <a:tabLst/>
                 <a:defRPr/>
               </a:pPr>
-              <a:t>6/12/2017 10:41 AM</a:t>
+              <a:t>6/13/2017 8:15 AM</a:t>
             </a:fld>
             <a:endParaRPr kumimoji="0" lang="en-US" sz="1200" b="0" i="0" u="none" strike="noStrike" kern="1200" cap="none" spc="0" normalizeH="0" baseline="0" noProof="0" dirty="0">
               <a:ln>
@@ -2957,7 +2957,7 @@
           <a:p>
             <a:fld id="{38EEC551-8CDA-4EB6-89BB-2A86C9F091C8}" type="datetime8">
               <a:rPr lang="en-US" smtClean="0"/>
-              <a:t>6/12/2017 10:41 AM</a:t>
+              <a:t>6/13/2017 8:15 AM</a:t>
             </a:fld>
             <a:endParaRPr lang="en-US" dirty="0"/>
           </a:p>
@@ -3131,7 +3131,7 @@
                 </a:solidFill>
               </a:rPr>
               <a:pPr/>
-              <a:t>6/12/2017 10:41 AM</a:t>
+              <a:t>6/13/2017 8:15 AM</a:t>
             </a:fld>
             <a:endParaRPr lang="en-US" dirty="0">
               <a:solidFill>
@@ -43303,13 +43303,23 @@
             <a:pPr lvl="1"/>
             <a:r>
               <a:rPr lang="en-US" dirty="0"/>
-              <a:t>Don't try to solve the </a:t>
+              <a:t>Don't try to solve </a:t>
+            </a:r>
+            <a:r>
+              <a:rPr lang="en-US"/>
+              <a:t>the </a:t>
+            </a:r>
+            <a:r>
+              <a:rPr lang="en-US">
+                <a:hlinkClick r:id="rId2"/>
+              </a:rPr>
+              <a:t>Turing </a:t>
             </a:r>
             <a:r>
               <a:rPr lang="en-US" dirty="0">
                 <a:hlinkClick r:id="rId2"/>
               </a:rPr>
-              <a:t>Turning test</a:t>
+              <a:t>test</a:t>
             </a:r>
             <a:endParaRPr lang="en-US" dirty="0"/>
           </a:p>
@@ -49910,13 +49920,13 @@
 
 <file path=customXml/item1.xml><?xml version="1.0" encoding="utf-8"?>
 <Control xmlns="http://schemas.microsoft.com/VisualStudio/2011/storyboarding/control">
-  <Id Name="369f9055-6b6c-48b9-9320-5df2d46c430a" Revision="1" Stencil="7276b9ef-3953-4dce-a89b-ed85f20b8b93" StencilVersion="1.0"/>
+  <Id Name="a2191c86-fc50-4add-948c-129f6b5a88d8" Revision="1" Stencil="7276b9ef-3953-4dce-a89b-ed85f20b8b93" StencilVersion="1.0"/>
 </Control>
 </file>
 
 <file path=customXml/item10.xml><?xml version="1.0" encoding="utf-8"?>
 <Control xmlns="http://schemas.microsoft.com/VisualStudio/2011/storyboarding/control">
-  <Id Name="fb22c541-ded0-47fa-8877-83a4c2d16227" Revision="1" Stencil="7276b9ef-3953-4dce-a89b-ed85f20b8b93" StencilVersion="1.0"/>
+  <Id Name="d69996e1-3d61-4686-9b63-f1b855c596ab" Revision="1" Stencil="7276b9ef-3953-4dce-a89b-ed85f20b8b93" StencilVersion="1.0"/>
 </Control>
 </file>
 
@@ -49928,14 +49938,32 @@
 
 <file path=customXml/item12.xml><?xml version="1.0" encoding="utf-8"?>
 <Control xmlns="http://schemas.microsoft.com/VisualStudio/2011/storyboarding/control">
-  <Id Name="d69996e1-3d61-4686-9b63-f1b855c596ab" Revision="1" Stencil="7276b9ef-3953-4dce-a89b-ed85f20b8b93" StencilVersion="1.0"/>
+  <Id Name="a2191c86-fc50-4add-948c-129f6b5a88d8" Revision="1" Stencil="7276b9ef-3953-4dce-a89b-ed85f20b8b93" StencilVersion="1.0"/>
 </Control>
 </file>
 
 <file path=customXml/item13.xml><?xml version="1.0" encoding="utf-8"?>
-<Control xmlns="http://schemas.microsoft.com/VisualStudio/2011/storyboarding/control">
-  <Id Name="a2191c86-fc50-4add-948c-129f6b5a88d8" Revision="1" Stencil="7276b9ef-3953-4dce-a89b-ed85f20b8b93" StencilVersion="1.0"/>
-</Control>
+<p:properties xmlns:p="http://schemas.microsoft.com/office/2006/metadata/properties" xmlns:xsi="http://www.w3.org/2001/XMLSchema-instance" xmlns:pc="http://schemas.microsoft.com/office/infopath/2007/PartnerControls">
+  <documentManagement>
+    <SharedWithUsers xmlns="83cd2334-221a-48c3-9034-bfd1542dfe28">
+      <UserInfo>
+        <DisplayName>Gilad Turbahn</DisplayName>
+        <AccountId>511</AccountId>
+        <AccountType/>
+      </UserInfo>
+      <UserInfo>
+        <DisplayName>Keith Boyd</DisplayName>
+        <AccountId>993</AccountId>
+        <AccountType/>
+      </UserInfo>
+      <UserInfo>
+        <DisplayName>Christopher Harrison</DisplayName>
+        <AccountId>1176</AccountId>
+        <AccountType/>
+      </UserInfo>
+    </SharedWithUsers>
+  </documentManagement>
+</p:properties>
 </file>
 
 <file path=customXml/item14.xml><?xml version="1.0" encoding="utf-8"?>
@@ -49951,23 +49979,20 @@
 </file>
 
 <file path=customXml/item16.xml><?xml version="1.0" encoding="utf-8"?>
-<?mso-contentType ?>
-<FormTemplates xmlns="http://schemas.microsoft.com/sharepoint/v3/contenttype/forms">
-  <Display>DocumentLibraryForm</Display>
-  <Edit>DocumentLibraryForm</Edit>
-  <New>DocumentLibraryForm</New>
-</FormTemplates>
-</file>
-
-<file path=customXml/item17.xml><?xml version="1.0" encoding="utf-8"?>
 <Control xmlns="http://schemas.microsoft.com/VisualStudio/2011/storyboarding/control">
   <Id Name="fb22c541-ded0-47fa-8877-83a4c2d16227" Revision="1" Stencil="7276b9ef-3953-4dce-a89b-ed85f20b8b93" StencilVersion="1.0"/>
 </Control>
 </file>
 
+<file path=customXml/item17.xml><?xml version="1.0" encoding="utf-8"?>
+<Control xmlns="http://schemas.microsoft.com/VisualStudio/2011/storyboarding/control">
+  <Id Name="a2191c86-fc50-4add-948c-129f6b5a88d8" Revision="1" Stencil="7276b9ef-3953-4dce-a89b-ed85f20b8b93" StencilVersion="1.0"/>
+</Control>
+</file>
+
 <file path=customXml/item18.xml><?xml version="1.0" encoding="utf-8"?>
 <Control xmlns="http://schemas.microsoft.com/VisualStudio/2011/storyboarding/control">
-  <Id Name="a2191c86-fc50-4add-948c-129f6b5a88d8" Revision="1" Stencil="7276b9ef-3953-4dce-a89b-ed85f20b8b93" StencilVersion="1.0"/>
+  <Id Name="fb22c541-ded0-47fa-8877-83a4c2d16227" Revision="1" Stencil="7276b9ef-3953-4dce-a89b-ed85f20b8b93" StencilVersion="1.0"/>
 </Control>
 </file>
 
@@ -49985,11 +50010,65 @@
 
 <file path=customXml/item20.xml><?xml version="1.0" encoding="utf-8"?>
 <Control xmlns="http://schemas.microsoft.com/VisualStudio/2011/storyboarding/control">
+  <Id Name="369f9055-6b6c-48b9-9320-5df2d46c430a" Revision="1" Stencil="7276b9ef-3953-4dce-a89b-ed85f20b8b93" StencilVersion="1.0"/>
+</Control>
+</file>
+
+<file path=customXml/item21.xml><?xml version="1.0" encoding="utf-8"?>
+<Control xmlns="http://schemas.microsoft.com/VisualStudio/2011/storyboarding/control">
+  <Id Name="a2191c86-fc50-4add-948c-129f6b5a88d8" Revision="1" Stencil="7276b9ef-3953-4dce-a89b-ed85f20b8b93" StencilVersion="1.0"/>
+</Control>
+</file>
+
+<file path=customXml/item22.xml><?xml version="1.0" encoding="utf-8"?>
+<Control xmlns="http://schemas.microsoft.com/VisualStudio/2011/storyboarding/control">
+  <Id Name="a53d73d2-368b-429e-b817-1324eec1382c" Revision="1" Stencil="7276b9ef-3953-4dce-a89b-ed85f20b8b93" StencilVersion="1.0"/>
+</Control>
+</file>
+
+<file path=customXml/item23.xml><?xml version="1.0" encoding="utf-8"?>
+<Control xmlns="http://schemas.microsoft.com/VisualStudio/2011/storyboarding/control">
+  <Id Name="a53d73d2-368b-429e-b817-1324eec1382c" Revision="1" Stencil="7276b9ef-3953-4dce-a89b-ed85f20b8b93" StencilVersion="1.0"/>
+</Control>
+</file>
+
+<file path=customXml/item24.xml><?xml version="1.0" encoding="utf-8"?>
+<Control xmlns="http://schemas.microsoft.com/VisualStudio/2011/storyboarding/control">
   <Id Name="d69996e1-3d61-4686-9b63-f1b855c596ab" Revision="1" Stencil="7276b9ef-3953-4dce-a89b-ed85f20b8b93" StencilVersion="1.0"/>
 </Control>
 </file>
 
-<file path=customXml/item21.xml><?xml version="1.0" encoding="utf-8"?>
+<file path=customXml/item25.xml><?xml version="1.0" encoding="utf-8"?>
+<Control xmlns="http://schemas.microsoft.com/VisualStudio/2011/storyboarding/control">
+  <Id Name="369f9055-6b6c-48b9-9320-5df2d46c430a" Revision="1" Stencil="7276b9ef-3953-4dce-a89b-ed85f20b8b93" StencilVersion="1.0"/>
+</Control>
+</file>
+
+<file path=customXml/item26.xml><?xml version="1.0" encoding="utf-8"?>
+<Control xmlns="http://schemas.microsoft.com/VisualStudio/2011/storyboarding/control">
+  <Id Name="a53d73d2-368b-429e-b817-1324eec1382c" Revision="1" Stencil="7276b9ef-3953-4dce-a89b-ed85f20b8b93" StencilVersion="1.0"/>
+</Control>
+</file>
+
+<file path=customXml/item27.xml><?xml version="1.0" encoding="utf-8"?>
+<Control xmlns="http://schemas.microsoft.com/VisualStudio/2011/storyboarding/control">
+  <Id Name="d69996e1-3d61-4686-9b63-f1b855c596ab" Revision="1" Stencil="7276b9ef-3953-4dce-a89b-ed85f20b8b93" StencilVersion="1.0"/>
+</Control>
+</file>
+
+<file path=customXml/item28.xml><?xml version="1.0" encoding="utf-8"?>
+<Control xmlns="http://schemas.microsoft.com/VisualStudio/2011/storyboarding/control">
+  <Id Name="a2191c86-fc50-4add-948c-129f6b5a88d8" Revision="1" Stencil="7276b9ef-3953-4dce-a89b-ed85f20b8b93" StencilVersion="1.0"/>
+</Control>
+</file>
+
+<file path=customXml/item29.xml><?xml version="1.0" encoding="utf-8"?>
+<Control xmlns="http://schemas.microsoft.com/VisualStudio/2011/storyboarding/control">
+  <Id Name="d69996e1-3d61-4686-9b63-f1b855c596ab" Revision="1" Stencil="7276b9ef-3953-4dce-a89b-ed85f20b8b93" StencilVersion="1.0"/>
+</Control>
+</file>
+
+<file path=customXml/item3.xml><?xml version="1.0" encoding="utf-8"?>
 <ct:contentTypeSchema xmlns:ct="http://schemas.microsoft.com/office/2006/metadata/contentType" xmlns:ma="http://schemas.microsoft.com/office/2006/metadata/properties/metaAttributes" ct:_="" ma:_="" ma:contentTypeName="Document" ma:contentTypeID="0x010100674EDBEC711BD14FBA6FF5C10FEFEAC7" ma:contentTypeVersion="2" ma:contentTypeDescription="Create a new document." ma:contentTypeScope="" ma:versionID="2439c5e21841780d4f192983b535a097">
   <xsd:schema xmlns:xsd="http://www.w3.org/2001/XMLSchema" xmlns:xs="http://www.w3.org/2001/XMLSchema" xmlns:p="http://schemas.microsoft.com/office/2006/metadata/properties" xmlns:ns2="83cd2334-221a-48c3-9034-bfd1542dfe28" targetNamespace="http://schemas.microsoft.com/office/2006/metadata/properties" ma:root="true" ma:fieldsID="2bca9163d8d0b233c3086236a9289b04" ns2:_="">
     <xsd:import namespace="83cd2334-221a-48c3-9034-bfd1542dfe28"/>
@@ -50137,63 +50216,9 @@
 </ct:contentTypeSchema>
 </file>
 
-<file path=customXml/item22.xml><?xml version="1.0" encoding="utf-8"?>
-<Control xmlns="http://schemas.microsoft.com/VisualStudio/2011/storyboarding/control">
-  <Id Name="d69996e1-3d61-4686-9b63-f1b855c596ab" Revision="1" Stencil="7276b9ef-3953-4dce-a89b-ed85f20b8b93" StencilVersion="1.0"/>
-</Control>
-</file>
-
-<file path=customXml/item23.xml><?xml version="1.0" encoding="utf-8"?>
+<file path=customXml/item30.xml><?xml version="1.0" encoding="utf-8"?>
 <Control xmlns="http://schemas.microsoft.com/VisualStudio/2011/storyboarding/control">
   <Id Name="fb22c541-ded0-47fa-8877-83a4c2d16227" Revision="1" Stencil="7276b9ef-3953-4dce-a89b-ed85f20b8b93" StencilVersion="1.0"/>
-</Control>
-</file>
-
-<file path=customXml/item24.xml><?xml version="1.0" encoding="utf-8"?>
-<Control xmlns="http://schemas.microsoft.com/VisualStudio/2011/storyboarding/control">
-  <Id Name="a2191c86-fc50-4add-948c-129f6b5a88d8" Revision="1" Stencil="7276b9ef-3953-4dce-a89b-ed85f20b8b93" StencilVersion="1.0"/>
-</Control>
-</file>
-
-<file path=customXml/item25.xml><?xml version="1.0" encoding="utf-8"?>
-<Control xmlns="http://schemas.microsoft.com/VisualStudio/2011/storyboarding/control">
-  <Id Name="369f9055-6b6c-48b9-9320-5df2d46c430a" Revision="1" Stencil="7276b9ef-3953-4dce-a89b-ed85f20b8b93" StencilVersion="1.0"/>
-</Control>
-</file>
-
-<file path=customXml/item26.xml><?xml version="1.0" encoding="utf-8"?>
-<Control xmlns="http://schemas.microsoft.com/VisualStudio/2011/storyboarding/control">
-  <Id Name="fb22c541-ded0-47fa-8877-83a4c2d16227" Revision="1" Stencil="7276b9ef-3953-4dce-a89b-ed85f20b8b93" StencilVersion="1.0"/>
-</Control>
-</file>
-
-<file path=customXml/item27.xml><?xml version="1.0" encoding="utf-8"?>
-<Control xmlns="http://schemas.microsoft.com/VisualStudio/2011/storyboarding/control">
-  <Id Name="369f9055-6b6c-48b9-9320-5df2d46c430a" Revision="1" Stencil="7276b9ef-3953-4dce-a89b-ed85f20b8b93" StencilVersion="1.0"/>
-</Control>
-</file>
-
-<file path=customXml/item28.xml><?xml version="1.0" encoding="utf-8"?>
-<Control xmlns="http://schemas.microsoft.com/VisualStudio/2011/storyboarding/control">
-  <Id Name="a2191c86-fc50-4add-948c-129f6b5a88d8" Revision="1" Stencil="7276b9ef-3953-4dce-a89b-ed85f20b8b93" StencilVersion="1.0"/>
-</Control>
-</file>
-
-<file path=customXml/item29.xml><?xml version="1.0" encoding="utf-8"?>
-<Control xmlns="http://schemas.microsoft.com/VisualStudio/2011/storyboarding/control">
-  <Id Name="a53d73d2-368b-429e-b817-1324eec1382c" Revision="1" Stencil="7276b9ef-3953-4dce-a89b-ed85f20b8b93" StencilVersion="1.0"/>
-</Control>
-</file>
-
-<file path=customXml/item3.xml><?xml version="1.0" encoding="utf-8"?>
-<Control xmlns="http://schemas.microsoft.com/VisualStudio/2011/storyboarding/control">
-  <Id Name="a2191c86-fc50-4add-948c-129f6b5a88d8" Revision="1" Stencil="7276b9ef-3953-4dce-a89b-ed85f20b8b93" StencilVersion="1.0"/>
-</Control>
-</file>
-
-<file path=customXml/item30.xml><?xml version="1.0" encoding="utf-8"?>
-<Control xmlns="http://schemas.microsoft.com/VisualStudio/2011/storyboarding/control">
-  <Id Name="a53d73d2-368b-429e-b817-1324eec1382c" Revision="1" Stencil="7276b9ef-3953-4dce-a89b-ed85f20b8b93" StencilVersion="1.0"/>
 </Control>
 </file>
 
@@ -50204,73 +50229,58 @@
 </file>
 
 <file path=customXml/item32.xml><?xml version="1.0" encoding="utf-8"?>
-<p:properties xmlns:p="http://schemas.microsoft.com/office/2006/metadata/properties" xmlns:xsi="http://www.w3.org/2001/XMLSchema-instance" xmlns:pc="http://schemas.microsoft.com/office/infopath/2007/PartnerControls">
-  <documentManagement>
-    <SharedWithUsers xmlns="83cd2334-221a-48c3-9034-bfd1542dfe28">
-      <UserInfo>
-        <DisplayName>Gilad Turbahn</DisplayName>
-        <AccountId>511</AccountId>
-        <AccountType/>
-      </UserInfo>
-      <UserInfo>
-        <DisplayName>Keith Boyd</DisplayName>
-        <AccountId>993</AccountId>
-        <AccountType/>
-      </UserInfo>
-      <UserInfo>
-        <DisplayName>Christopher Harrison</DisplayName>
-        <AccountId>1176</AccountId>
-        <AccountType/>
-      </UserInfo>
-    </SharedWithUsers>
-  </documentManagement>
-</p:properties>
-</file>
-
-<file path=customXml/item33.xml><?xml version="1.0" encoding="utf-8"?>
 <Control xmlns="http://schemas.microsoft.com/VisualStudio/2011/storyboarding/control">
   <Id Name="369f9055-6b6c-48b9-9320-5df2d46c430a" Revision="1" Stencil="7276b9ef-3953-4dce-a89b-ed85f20b8b93" StencilVersion="1.0"/>
 </Control>
 </file>
 
-<file path=customXml/item4.xml><?xml version="1.0" encoding="utf-8"?>
+<file path=customXml/item33.xml><?xml version="1.0" encoding="utf-8"?>
 <Control xmlns="http://schemas.microsoft.com/VisualStudio/2011/storyboarding/control">
   <Id Name="a2191c86-fc50-4add-948c-129f6b5a88d8" Revision="1" Stencil="7276b9ef-3953-4dce-a89b-ed85f20b8b93" StencilVersion="1.0"/>
 </Control>
 </file>
 
-<file path=customXml/item5.xml><?xml version="1.0" encoding="utf-8"?>
+<file path=customXml/item4.xml><?xml version="1.0" encoding="utf-8"?>
 <Control xmlns="http://schemas.microsoft.com/VisualStudio/2011/storyboarding/control">
   <Id Name="a53d73d2-368b-429e-b817-1324eec1382c" Revision="1" Stencil="7276b9ef-3953-4dce-a89b-ed85f20b8b93" StencilVersion="1.0"/>
 </Control>
 </file>
 
+<file path=customXml/item5.xml><?xml version="1.0" encoding="utf-8"?>
+<Control xmlns="http://schemas.microsoft.com/VisualStudio/2011/storyboarding/control">
+  <Id Name="fb22c541-ded0-47fa-8877-83a4c2d16227" Revision="1" Stencil="7276b9ef-3953-4dce-a89b-ed85f20b8b93" StencilVersion="1.0"/>
+</Control>
+</file>
+
 <file path=customXml/item6.xml><?xml version="1.0" encoding="utf-8"?>
+<?mso-contentType ?>
+<FormTemplates xmlns="http://schemas.microsoft.com/sharepoint/v3/contenttype/forms">
+  <Display>DocumentLibraryForm</Display>
+  <Edit>DocumentLibraryForm</Edit>
+  <New>DocumentLibraryForm</New>
+</FormTemplates>
+</file>
+
+<file path=customXml/item7.xml><?xml version="1.0" encoding="utf-8"?>
 <Control xmlns="http://schemas.microsoft.com/VisualStudio/2011/storyboarding/control">
   <Id Name="d69996e1-3d61-4686-9b63-f1b855c596ab" Revision="1" Stencil="7276b9ef-3953-4dce-a89b-ed85f20b8b93" StencilVersion="1.0"/>
 </Control>
 </file>
 
-<file path=customXml/item7.xml><?xml version="1.0" encoding="utf-8"?>
+<file path=customXml/item8.xml><?xml version="1.0" encoding="utf-8"?>
 <Control xmlns="http://schemas.microsoft.com/VisualStudio/2011/storyboarding/control">
   <Id Name="a53d73d2-368b-429e-b817-1324eec1382c" Revision="1" Stencil="7276b9ef-3953-4dce-a89b-ed85f20b8b93" StencilVersion="1.0"/>
 </Control>
 </file>
 
-<file path=customXml/item8.xml><?xml version="1.0" encoding="utf-8"?>
-<Control xmlns="http://schemas.microsoft.com/VisualStudio/2011/storyboarding/control">
-  <Id Name="d69996e1-3d61-4686-9b63-f1b855c596ab" Revision="1" Stencil="7276b9ef-3953-4dce-a89b-ed85f20b8b93" StencilVersion="1.0"/>
-</Control>
-</file>
-
 <file path=customXml/item9.xml><?xml version="1.0" encoding="utf-8"?>
 <Control xmlns="http://schemas.microsoft.com/VisualStudio/2011/storyboarding/control">
-  <Id Name="a53d73d2-368b-429e-b817-1324eec1382c" Revision="1" Stencil="7276b9ef-3953-4dce-a89b-ed85f20b8b93" StencilVersion="1.0"/>
+  <Id Name="369f9055-6b6c-48b9-9320-5df2d46c430a" Revision="1" Stencil="7276b9ef-3953-4dce-a89b-ed85f20b8b93" StencilVersion="1.0"/>
 </Control>
 </file>
 
 <file path=customXml/itemProps1.xml><?xml version="1.0" encoding="utf-8"?>
-<ds:datastoreItem xmlns:ds="http://schemas.openxmlformats.org/officeDocument/2006/customXml" ds:itemID="{08C4EE12-DF69-4FFC-9E40-C7991F3490A6}">
+<ds:datastoreItem xmlns:ds="http://schemas.openxmlformats.org/officeDocument/2006/customXml" ds:itemID="{4B16F4FE-7C26-4443-B426-81998D23ED87}">
   <ds:schemaRefs>
     <ds:schemaRef ds:uri="http://schemas.microsoft.com/VisualStudio/2011/storyboarding/control"/>
   </ds:schemaRefs>
@@ -50278,7 +50288,7 @@
 </file>
 
 <file path=customXml/itemProps10.xml><?xml version="1.0" encoding="utf-8"?>
-<ds:datastoreItem xmlns:ds="http://schemas.openxmlformats.org/officeDocument/2006/customXml" ds:itemID="{376216F9-AF6B-4844-AE8C-B9F953F916AB}">
+<ds:datastoreItem xmlns:ds="http://schemas.openxmlformats.org/officeDocument/2006/customXml" ds:itemID="{C0F92A87-A216-45A9-B9C0-0515663D35BF}">
   <ds:schemaRefs>
     <ds:schemaRef ds:uri="http://schemas.microsoft.com/VisualStudio/2011/storyboarding/control"/>
   </ds:schemaRefs>
@@ -50294,7 +50304,7 @@
 </file>
 
 <file path=customXml/itemProps12.xml><?xml version="1.0" encoding="utf-8"?>
-<ds:datastoreItem xmlns:ds="http://schemas.openxmlformats.org/officeDocument/2006/customXml" ds:itemID="{366CA990-F93D-4100-9654-65D9E30F4E1C}">
+<ds:datastoreItem xmlns:ds="http://schemas.openxmlformats.org/officeDocument/2006/customXml" ds:itemID="{8BD595CA-AC5E-43B9-B966-E468A16E8322}">
   <ds:schemaRefs>
     <ds:schemaRef ds:uri="http://schemas.microsoft.com/VisualStudio/2011/storyboarding/control"/>
   </ds:schemaRefs>
@@ -50302,15 +50312,23 @@
 </file>
 
 <file path=customXml/itemProps13.xml><?xml version="1.0" encoding="utf-8"?>
-<ds:datastoreItem xmlns:ds="http://schemas.openxmlformats.org/officeDocument/2006/customXml" ds:itemID="{D4B5F268-5930-44CD-BDF1-D0A04D4BBC1C}">
+<ds:datastoreItem xmlns:ds="http://schemas.openxmlformats.org/officeDocument/2006/customXml" ds:itemID="{F990F116-B58F-4255-B05B-DA3808E0E5C6}">
   <ds:schemaRefs>
-    <ds:schemaRef ds:uri="http://schemas.microsoft.com/VisualStudio/2011/storyboarding/control"/>
+    <ds:schemaRef ds:uri="http://purl.org/dc/terms/"/>
+    <ds:schemaRef ds:uri="http://schemas.openxmlformats.org/package/2006/metadata/core-properties"/>
+    <ds:schemaRef ds:uri="http://purl.org/dc/dcmitype/"/>
+    <ds:schemaRef ds:uri="http://schemas.microsoft.com/office/infopath/2007/PartnerControls"/>
+    <ds:schemaRef ds:uri="http://schemas.microsoft.com/office/2006/documentManagement/types"/>
+    <ds:schemaRef ds:uri="http://purl.org/dc/elements/1.1/"/>
+    <ds:schemaRef ds:uri="http://schemas.microsoft.com/office/2006/metadata/properties"/>
+    <ds:schemaRef ds:uri="83cd2334-221a-48c3-9034-bfd1542dfe28"/>
+    <ds:schemaRef ds:uri="http://www.w3.org/XML/1998/namespace"/>
   </ds:schemaRefs>
 </ds:datastoreItem>
 </file>
 
 <file path=customXml/itemProps14.xml><?xml version="1.0" encoding="utf-8"?>
-<ds:datastoreItem xmlns:ds="http://schemas.openxmlformats.org/officeDocument/2006/customXml" ds:itemID="{6FB9D450-4C47-4A44-8C0D-C78D8A54C46F}">
+<ds:datastoreItem xmlns:ds="http://schemas.openxmlformats.org/officeDocument/2006/customXml" ds:itemID="{ED350DFE-2319-4AB0-BC96-1D36D125365A}">
   <ds:schemaRefs>
     <ds:schemaRef ds:uri="http://schemas.microsoft.com/VisualStudio/2011/storyboarding/control"/>
   </ds:schemaRefs>
@@ -50326,15 +50344,15 @@
 </file>
 
 <file path=customXml/itemProps16.xml><?xml version="1.0" encoding="utf-8"?>
-<ds:datastoreItem xmlns:ds="http://schemas.openxmlformats.org/officeDocument/2006/customXml" ds:itemID="{758FDAC0-319D-4A54-8D8E-1D42CB1F8004}">
+<ds:datastoreItem xmlns:ds="http://schemas.openxmlformats.org/officeDocument/2006/customXml" ds:itemID="{4E8278DB-3CDD-48A7-992E-A7596AD335B9}">
   <ds:schemaRefs>
-    <ds:schemaRef ds:uri="http://schemas.microsoft.com/sharepoint/v3/contenttype/forms"/>
+    <ds:schemaRef ds:uri="http://schemas.microsoft.com/VisualStudio/2011/storyboarding/control"/>
   </ds:schemaRefs>
 </ds:datastoreItem>
 </file>
 
 <file path=customXml/itemProps17.xml><?xml version="1.0" encoding="utf-8"?>
-<ds:datastoreItem xmlns:ds="http://schemas.openxmlformats.org/officeDocument/2006/customXml" ds:itemID="{D6FEE829-2115-45B4-8110-670FD454542B}">
+<ds:datastoreItem xmlns:ds="http://schemas.openxmlformats.org/officeDocument/2006/customXml" ds:itemID="{8257D6BC-B71E-4D95-81E4-A1D4A8174168}">
   <ds:schemaRefs>
     <ds:schemaRef ds:uri="http://schemas.microsoft.com/VisualStudio/2011/storyboarding/control"/>
   </ds:schemaRefs>
@@ -50342,7 +50360,7 @@
 </file>
 
 <file path=customXml/itemProps18.xml><?xml version="1.0" encoding="utf-8"?>
-<ds:datastoreItem xmlns:ds="http://schemas.openxmlformats.org/officeDocument/2006/customXml" ds:itemID="{4B16F4FE-7C26-4443-B426-81998D23ED87}">
+<ds:datastoreItem xmlns:ds="http://schemas.openxmlformats.org/officeDocument/2006/customXml" ds:itemID="{376216F9-AF6B-4844-AE8C-B9F953F916AB}">
   <ds:schemaRefs>
     <ds:schemaRef ds:uri="http://schemas.microsoft.com/VisualStudio/2011/storyboarding/control"/>
   </ds:schemaRefs>
@@ -50358,7 +50376,7 @@
 </file>
 
 <file path=customXml/itemProps2.xml><?xml version="1.0" encoding="utf-8"?>
-<ds:datastoreItem xmlns:ds="http://schemas.openxmlformats.org/officeDocument/2006/customXml" ds:itemID="{432851C6-BC05-4673-B853-6D08AB80CDC4}">
+<ds:datastoreItem xmlns:ds="http://schemas.openxmlformats.org/officeDocument/2006/customXml" ds:itemID="{4C1B3C27-4803-4D72-A3F8-6668A3F0A24B}">
   <ds:schemaRefs>
     <ds:schemaRef ds:uri="http://schemas.microsoft.com/VisualStudio/2011/storyboarding/control"/>
   </ds:schemaRefs>
@@ -50366,7 +50384,7 @@
 </file>
 
 <file path=customXml/itemProps20.xml><?xml version="1.0" encoding="utf-8"?>
-<ds:datastoreItem xmlns:ds="http://schemas.openxmlformats.org/officeDocument/2006/customXml" ds:itemID="{C63AC2F0-1DEB-4E91-A88A-7A014A172F4F}">
+<ds:datastoreItem xmlns:ds="http://schemas.openxmlformats.org/officeDocument/2006/customXml" ds:itemID="{7959CC6A-F423-4783-B968-3BCC86A7394E}">
   <ds:schemaRefs>
     <ds:schemaRef ds:uri="http://schemas.microsoft.com/VisualStudio/2011/storyboarding/control"/>
   </ds:schemaRefs>
@@ -50374,6 +50392,78 @@
 </file>
 
 <file path=customXml/itemProps21.xml><?xml version="1.0" encoding="utf-8"?>
+<ds:datastoreItem xmlns:ds="http://schemas.openxmlformats.org/officeDocument/2006/customXml" ds:itemID="{0B54C583-7BAB-4080-8093-C5F84F5A225A}">
+  <ds:schemaRefs>
+    <ds:schemaRef ds:uri="http://schemas.microsoft.com/VisualStudio/2011/storyboarding/control"/>
+  </ds:schemaRefs>
+</ds:datastoreItem>
+</file>
+
+<file path=customXml/itemProps22.xml><?xml version="1.0" encoding="utf-8"?>
+<ds:datastoreItem xmlns:ds="http://schemas.openxmlformats.org/officeDocument/2006/customXml" ds:itemID="{21F6B647-976A-41D0-B760-9DF9DFC6AE3C}">
+  <ds:schemaRefs>
+    <ds:schemaRef ds:uri="http://schemas.microsoft.com/VisualStudio/2011/storyboarding/control"/>
+  </ds:schemaRefs>
+</ds:datastoreItem>
+</file>
+
+<file path=customXml/itemProps23.xml><?xml version="1.0" encoding="utf-8"?>
+<ds:datastoreItem xmlns:ds="http://schemas.openxmlformats.org/officeDocument/2006/customXml" ds:itemID="{6FB9D450-4C47-4A44-8C0D-C78D8A54C46F}">
+  <ds:schemaRefs>
+    <ds:schemaRef ds:uri="http://schemas.microsoft.com/VisualStudio/2011/storyboarding/control"/>
+  </ds:schemaRefs>
+</ds:datastoreItem>
+</file>
+
+<file path=customXml/itemProps24.xml><?xml version="1.0" encoding="utf-8"?>
+<ds:datastoreItem xmlns:ds="http://schemas.openxmlformats.org/officeDocument/2006/customXml" ds:itemID="{3DC6CABD-46E1-4C27-A0B3-616DC56F8E5C}">
+  <ds:schemaRefs>
+    <ds:schemaRef ds:uri="http://schemas.microsoft.com/VisualStudio/2011/storyboarding/control"/>
+  </ds:schemaRefs>
+</ds:datastoreItem>
+</file>
+
+<file path=customXml/itemProps25.xml><?xml version="1.0" encoding="utf-8"?>
+<ds:datastoreItem xmlns:ds="http://schemas.openxmlformats.org/officeDocument/2006/customXml" ds:itemID="{42D603BF-B513-4201-A599-21BA0F4FFC40}">
+  <ds:schemaRefs>
+    <ds:schemaRef ds:uri="http://schemas.microsoft.com/VisualStudio/2011/storyboarding/control"/>
+  </ds:schemaRefs>
+</ds:datastoreItem>
+</file>
+
+<file path=customXml/itemProps26.xml><?xml version="1.0" encoding="utf-8"?>
+<ds:datastoreItem xmlns:ds="http://schemas.openxmlformats.org/officeDocument/2006/customXml" ds:itemID="{8893E80D-6D0C-4E0F-AA22-E5615BB87E5B}">
+  <ds:schemaRefs>
+    <ds:schemaRef ds:uri="http://schemas.microsoft.com/VisualStudio/2011/storyboarding/control"/>
+  </ds:schemaRefs>
+</ds:datastoreItem>
+</file>
+
+<file path=customXml/itemProps27.xml><?xml version="1.0" encoding="utf-8"?>
+<ds:datastoreItem xmlns:ds="http://schemas.openxmlformats.org/officeDocument/2006/customXml" ds:itemID="{0282FB20-2D4C-459D-8468-77D1D3C6925D}">
+  <ds:schemaRefs>
+    <ds:schemaRef ds:uri="http://schemas.microsoft.com/VisualStudio/2011/storyboarding/control"/>
+  </ds:schemaRefs>
+</ds:datastoreItem>
+</file>
+
+<file path=customXml/itemProps28.xml><?xml version="1.0" encoding="utf-8"?>
+<ds:datastoreItem xmlns:ds="http://schemas.openxmlformats.org/officeDocument/2006/customXml" ds:itemID="{3C954CC5-1CAC-4EC3-9791-8630483065B9}">
+  <ds:schemaRefs>
+    <ds:schemaRef ds:uri="http://schemas.microsoft.com/VisualStudio/2011/storyboarding/control"/>
+  </ds:schemaRefs>
+</ds:datastoreItem>
+</file>
+
+<file path=customXml/itemProps29.xml><?xml version="1.0" encoding="utf-8"?>
+<ds:datastoreItem xmlns:ds="http://schemas.openxmlformats.org/officeDocument/2006/customXml" ds:itemID="{366CA990-F93D-4100-9654-65D9E30F4E1C}">
+  <ds:schemaRefs>
+    <ds:schemaRef ds:uri="http://schemas.microsoft.com/VisualStudio/2011/storyboarding/control"/>
+  </ds:schemaRefs>
+</ds:datastoreItem>
+</file>
+
+<file path=customXml/itemProps3.xml><?xml version="1.0" encoding="utf-8"?>
 <ds:datastoreItem xmlns:ds="http://schemas.openxmlformats.org/officeDocument/2006/customXml" ds:itemID="{11F98F69-7518-4AE2-AE7B-E037DC9DDC97}">
   <ds:schemaRefs>
     <ds:schemaRef ds:uri="http://schemas.microsoft.com/office/2006/metadata/contentType"/>
@@ -50391,31 +50481,15 @@
 </ds:datastoreItem>
 </file>
 
-<file path=customXml/itemProps22.xml><?xml version="1.0" encoding="utf-8"?>
-<ds:datastoreItem xmlns:ds="http://schemas.openxmlformats.org/officeDocument/2006/customXml" ds:itemID="{3DC6CABD-46E1-4C27-A0B3-616DC56F8E5C}">
+<file path=customXml/itemProps30.xml><?xml version="1.0" encoding="utf-8"?>
+<ds:datastoreItem xmlns:ds="http://schemas.openxmlformats.org/officeDocument/2006/customXml" ds:itemID="{D6FEE829-2115-45B4-8110-670FD454542B}">
   <ds:schemaRefs>
     <ds:schemaRef ds:uri="http://schemas.microsoft.com/VisualStudio/2011/storyboarding/control"/>
   </ds:schemaRefs>
 </ds:datastoreItem>
 </file>
 
-<file path=customXml/itemProps23.xml><?xml version="1.0" encoding="utf-8"?>
-<ds:datastoreItem xmlns:ds="http://schemas.openxmlformats.org/officeDocument/2006/customXml" ds:itemID="{4E8278DB-3CDD-48A7-992E-A7596AD335B9}">
-  <ds:schemaRefs>
-    <ds:schemaRef ds:uri="http://schemas.microsoft.com/VisualStudio/2011/storyboarding/control"/>
-  </ds:schemaRefs>
-</ds:datastoreItem>
-</file>
-
-<file path=customXml/itemProps24.xml><?xml version="1.0" encoding="utf-8"?>
-<ds:datastoreItem xmlns:ds="http://schemas.openxmlformats.org/officeDocument/2006/customXml" ds:itemID="{8BD595CA-AC5E-43B9-B966-E468A16E8322}">
-  <ds:schemaRefs>
-    <ds:schemaRef ds:uri="http://schemas.microsoft.com/VisualStudio/2011/storyboarding/control"/>
-  </ds:schemaRefs>
-</ds:datastoreItem>
-</file>
-
-<file path=customXml/itemProps25.xml><?xml version="1.0" encoding="utf-8"?>
+<file path=customXml/itemProps31.xml><?xml version="1.0" encoding="utf-8"?>
 <ds:datastoreItem xmlns:ds="http://schemas.openxmlformats.org/officeDocument/2006/customXml" ds:itemID="{FE651ABA-5DC1-4ABD-A06E-055AE54B337B}">
   <ds:schemaRefs>
     <ds:schemaRef ds:uri="http://schemas.microsoft.com/VisualStudio/2011/storyboarding/control"/>
@@ -50423,31 +50497,55 @@
 </ds:datastoreItem>
 </file>
 
-<file path=customXml/itemProps26.xml><?xml version="1.0" encoding="utf-8"?>
-<ds:datastoreItem xmlns:ds="http://schemas.openxmlformats.org/officeDocument/2006/customXml" ds:itemID="{4C1B3C27-4803-4D72-A3F8-6668A3F0A24B}">
+<file path=customXml/itemProps32.xml><?xml version="1.0" encoding="utf-8"?>
+<ds:datastoreItem xmlns:ds="http://schemas.openxmlformats.org/officeDocument/2006/customXml" ds:itemID="{82DB428A-B8F8-483F-8276-095629A8ECDB}">
   <ds:schemaRefs>
     <ds:schemaRef ds:uri="http://schemas.microsoft.com/VisualStudio/2011/storyboarding/control"/>
   </ds:schemaRefs>
 </ds:datastoreItem>
 </file>
 
-<file path=customXml/itemProps27.xml><?xml version="1.0" encoding="utf-8"?>
-<ds:datastoreItem xmlns:ds="http://schemas.openxmlformats.org/officeDocument/2006/customXml" ds:itemID="{42D603BF-B513-4201-A599-21BA0F4FFC40}">
+<file path=customXml/itemProps33.xml><?xml version="1.0" encoding="utf-8"?>
+<ds:datastoreItem xmlns:ds="http://schemas.openxmlformats.org/officeDocument/2006/customXml" ds:itemID="{D4B5F268-5930-44CD-BDF1-D0A04D4BBC1C}">
   <ds:schemaRefs>
     <ds:schemaRef ds:uri="http://schemas.microsoft.com/VisualStudio/2011/storyboarding/control"/>
   </ds:schemaRefs>
 </ds:datastoreItem>
 </file>
 
-<file path=customXml/itemProps28.xml><?xml version="1.0" encoding="utf-8"?>
-<ds:datastoreItem xmlns:ds="http://schemas.openxmlformats.org/officeDocument/2006/customXml" ds:itemID="{8257D6BC-B71E-4D95-81E4-A1D4A8174168}">
+<file path=customXml/itemProps4.xml><?xml version="1.0" encoding="utf-8"?>
+<ds:datastoreItem xmlns:ds="http://schemas.openxmlformats.org/officeDocument/2006/customXml" ds:itemID="{F68D8396-E21C-4AFF-8FDD-70D00673D0EE}">
   <ds:schemaRefs>
     <ds:schemaRef ds:uri="http://schemas.microsoft.com/VisualStudio/2011/storyboarding/control"/>
   </ds:schemaRefs>
 </ds:datastoreItem>
 </file>
 
-<file path=customXml/itemProps29.xml><?xml version="1.0" encoding="utf-8"?>
+<file path=customXml/itemProps5.xml><?xml version="1.0" encoding="utf-8"?>
+<ds:datastoreItem xmlns:ds="http://schemas.openxmlformats.org/officeDocument/2006/customXml" ds:itemID="{432851C6-BC05-4673-B853-6D08AB80CDC4}">
+  <ds:schemaRefs>
+    <ds:schemaRef ds:uri="http://schemas.microsoft.com/VisualStudio/2011/storyboarding/control"/>
+  </ds:schemaRefs>
+</ds:datastoreItem>
+</file>
+
+<file path=customXml/itemProps6.xml><?xml version="1.0" encoding="utf-8"?>
+<ds:datastoreItem xmlns:ds="http://schemas.openxmlformats.org/officeDocument/2006/customXml" ds:itemID="{758FDAC0-319D-4A54-8D8E-1D42CB1F8004}">
+  <ds:schemaRefs>
+    <ds:schemaRef ds:uri="http://schemas.microsoft.com/sharepoint/v3/contenttype/forms"/>
+  </ds:schemaRefs>
+</ds:datastoreItem>
+</file>
+
+<file path=customXml/itemProps7.xml><?xml version="1.0" encoding="utf-8"?>
+<ds:datastoreItem xmlns:ds="http://schemas.openxmlformats.org/officeDocument/2006/customXml" ds:itemID="{C63AC2F0-1DEB-4E91-A88A-7A014A172F4F}">
+  <ds:schemaRefs>
+    <ds:schemaRef ds:uri="http://schemas.microsoft.com/VisualStudio/2011/storyboarding/control"/>
+  </ds:schemaRefs>
+</ds:datastoreItem>
+</file>
+
+<file path=customXml/itemProps8.xml><?xml version="1.0" encoding="utf-8"?>
 <ds:datastoreItem xmlns:ds="http://schemas.openxmlformats.org/officeDocument/2006/customXml" ds:itemID="{4E805D65-1532-4BB0-8F41-8013167C0009}">
   <ds:schemaRefs>
     <ds:schemaRef ds:uri="http://schemas.microsoft.com/VisualStudio/2011/storyboarding/control"/>
@@ -50455,96 +50553,8 @@
 </ds:datastoreItem>
 </file>
 
-<file path=customXml/itemProps3.xml><?xml version="1.0" encoding="utf-8"?>
-<ds:datastoreItem xmlns:ds="http://schemas.openxmlformats.org/officeDocument/2006/customXml" ds:itemID="{3C954CC5-1CAC-4EC3-9791-8630483065B9}">
-  <ds:schemaRefs>
-    <ds:schemaRef ds:uri="http://schemas.microsoft.com/VisualStudio/2011/storyboarding/control"/>
-  </ds:schemaRefs>
-</ds:datastoreItem>
-</file>
-
-<file path=customXml/itemProps30.xml><?xml version="1.0" encoding="utf-8"?>
-<ds:datastoreItem xmlns:ds="http://schemas.openxmlformats.org/officeDocument/2006/customXml" ds:itemID="{8893E80D-6D0C-4E0F-AA22-E5615BB87E5B}">
-  <ds:schemaRefs>
-    <ds:schemaRef ds:uri="http://schemas.microsoft.com/VisualStudio/2011/storyboarding/control"/>
-  </ds:schemaRefs>
-</ds:datastoreItem>
-</file>
-
-<file path=customXml/itemProps31.xml><?xml version="1.0" encoding="utf-8"?>
-<ds:datastoreItem xmlns:ds="http://schemas.openxmlformats.org/officeDocument/2006/customXml" ds:itemID="{7959CC6A-F423-4783-B968-3BCC86A7394E}">
-  <ds:schemaRefs>
-    <ds:schemaRef ds:uri="http://schemas.microsoft.com/VisualStudio/2011/storyboarding/control"/>
-  </ds:schemaRefs>
-</ds:datastoreItem>
-</file>
-
-<file path=customXml/itemProps32.xml><?xml version="1.0" encoding="utf-8"?>
-<ds:datastoreItem xmlns:ds="http://schemas.openxmlformats.org/officeDocument/2006/customXml" ds:itemID="{F990F116-B58F-4255-B05B-DA3808E0E5C6}">
-  <ds:schemaRefs>
-    <ds:schemaRef ds:uri="http://purl.org/dc/terms/"/>
-    <ds:schemaRef ds:uri="http://schemas.openxmlformats.org/package/2006/metadata/core-properties"/>
-    <ds:schemaRef ds:uri="http://purl.org/dc/dcmitype/"/>
-    <ds:schemaRef ds:uri="http://schemas.microsoft.com/office/infopath/2007/PartnerControls"/>
-    <ds:schemaRef ds:uri="http://schemas.microsoft.com/office/2006/documentManagement/types"/>
-    <ds:schemaRef ds:uri="http://purl.org/dc/elements/1.1/"/>
-    <ds:schemaRef ds:uri="http://schemas.microsoft.com/office/2006/metadata/properties"/>
-    <ds:schemaRef ds:uri="83cd2334-221a-48c3-9034-bfd1542dfe28"/>
-    <ds:schemaRef ds:uri="http://www.w3.org/XML/1998/namespace"/>
-  </ds:schemaRefs>
-</ds:datastoreItem>
-</file>
-
-<file path=customXml/itemProps33.xml><?xml version="1.0" encoding="utf-8"?>
-<ds:datastoreItem xmlns:ds="http://schemas.openxmlformats.org/officeDocument/2006/customXml" ds:itemID="{82DB428A-B8F8-483F-8276-095629A8ECDB}">
-  <ds:schemaRefs>
-    <ds:schemaRef ds:uri="http://schemas.microsoft.com/VisualStudio/2011/storyboarding/control"/>
-  </ds:schemaRefs>
-</ds:datastoreItem>
-</file>
-
-<file path=customXml/itemProps4.xml><?xml version="1.0" encoding="utf-8"?>
-<ds:datastoreItem xmlns:ds="http://schemas.openxmlformats.org/officeDocument/2006/customXml" ds:itemID="{0B54C583-7BAB-4080-8093-C5F84F5A225A}">
-  <ds:schemaRefs>
-    <ds:schemaRef ds:uri="http://schemas.microsoft.com/VisualStudio/2011/storyboarding/control"/>
-  </ds:schemaRefs>
-</ds:datastoreItem>
-</file>
-
-<file path=customXml/itemProps5.xml><?xml version="1.0" encoding="utf-8"?>
-<ds:datastoreItem xmlns:ds="http://schemas.openxmlformats.org/officeDocument/2006/customXml" ds:itemID="{ED350DFE-2319-4AB0-BC96-1D36D125365A}">
-  <ds:schemaRefs>
-    <ds:schemaRef ds:uri="http://schemas.microsoft.com/VisualStudio/2011/storyboarding/control"/>
-  </ds:schemaRefs>
-</ds:datastoreItem>
-</file>
-
-<file path=customXml/itemProps6.xml><?xml version="1.0" encoding="utf-8"?>
-<ds:datastoreItem xmlns:ds="http://schemas.openxmlformats.org/officeDocument/2006/customXml" ds:itemID="{C0F92A87-A216-45A9-B9C0-0515663D35BF}">
-  <ds:schemaRefs>
-    <ds:schemaRef ds:uri="http://schemas.microsoft.com/VisualStudio/2011/storyboarding/control"/>
-  </ds:schemaRefs>
-</ds:datastoreItem>
-</file>
-
-<file path=customXml/itemProps7.xml><?xml version="1.0" encoding="utf-8"?>
-<ds:datastoreItem xmlns:ds="http://schemas.openxmlformats.org/officeDocument/2006/customXml" ds:itemID="{F68D8396-E21C-4AFF-8FDD-70D00673D0EE}">
-  <ds:schemaRefs>
-    <ds:schemaRef ds:uri="http://schemas.microsoft.com/VisualStudio/2011/storyboarding/control"/>
-  </ds:schemaRefs>
-</ds:datastoreItem>
-</file>
-
-<file path=customXml/itemProps8.xml><?xml version="1.0" encoding="utf-8"?>
-<ds:datastoreItem xmlns:ds="http://schemas.openxmlformats.org/officeDocument/2006/customXml" ds:itemID="{0282FB20-2D4C-459D-8468-77D1D3C6925D}">
-  <ds:schemaRefs>
-    <ds:schemaRef ds:uri="http://schemas.microsoft.com/VisualStudio/2011/storyboarding/control"/>
-  </ds:schemaRefs>
-</ds:datastoreItem>
-</file>
-
 <file path=customXml/itemProps9.xml><?xml version="1.0" encoding="utf-8"?>
-<ds:datastoreItem xmlns:ds="http://schemas.openxmlformats.org/officeDocument/2006/customXml" ds:itemID="{21F6B647-976A-41D0-B760-9DF9DFC6AE3C}">
+<ds:datastoreItem xmlns:ds="http://schemas.openxmlformats.org/officeDocument/2006/customXml" ds:itemID="{08C4EE12-DF69-4FFC-9E40-C7991F3490A6}">
   <ds:schemaRefs>
     <ds:schemaRef ds:uri="http://schemas.microsoft.com/VisualStudio/2011/storyboarding/control"/>
   </ds:schemaRefs>

--- a/Slides/3 - Natural Language Processing and LUIS.pptx
+++ b/Slides/3 - Natural Language Processing and LUIS.pptx
@@ -5,10 +5,10 @@
     <p:sldMasterId id="2147484082" r:id="rId34"/>
   </p:sldMasterIdLst>
   <p:notesMasterIdLst>
-    <p:notesMasterId r:id="rId59"/>
+    <p:notesMasterId r:id="rId64"/>
   </p:notesMasterIdLst>
   <p:handoutMasterIdLst>
-    <p:handoutMasterId r:id="rId60"/>
+    <p:handoutMasterId r:id="rId65"/>
   </p:handoutMasterIdLst>
   <p:sldIdLst>
     <p:sldId id="283" r:id="rId35"/>
@@ -22,19 +22,24 @@
     <p:sldId id="298" r:id="rId43"/>
     <p:sldId id="303" r:id="rId44"/>
     <p:sldId id="304" r:id="rId45"/>
-    <p:sldId id="305" r:id="rId46"/>
-    <p:sldId id="306" r:id="rId47"/>
-    <p:sldId id="307" r:id="rId48"/>
-    <p:sldId id="308" r:id="rId49"/>
-    <p:sldId id="309" r:id="rId50"/>
-    <p:sldId id="310" r:id="rId51"/>
-    <p:sldId id="299" r:id="rId52"/>
-    <p:sldId id="300" r:id="rId53"/>
-    <p:sldId id="301" r:id="rId54"/>
-    <p:sldId id="302" r:id="rId55"/>
-    <p:sldId id="312" r:id="rId56"/>
-    <p:sldId id="311" r:id="rId57"/>
-    <p:sldId id="257" r:id="rId58"/>
+    <p:sldId id="314" r:id="rId46"/>
+    <p:sldId id="317" r:id="rId47"/>
+    <p:sldId id="313" r:id="rId48"/>
+    <p:sldId id="315" r:id="rId49"/>
+    <p:sldId id="316" r:id="rId50"/>
+    <p:sldId id="305" r:id="rId51"/>
+    <p:sldId id="306" r:id="rId52"/>
+    <p:sldId id="307" r:id="rId53"/>
+    <p:sldId id="308" r:id="rId54"/>
+    <p:sldId id="309" r:id="rId55"/>
+    <p:sldId id="310" r:id="rId56"/>
+    <p:sldId id="299" r:id="rId57"/>
+    <p:sldId id="300" r:id="rId58"/>
+    <p:sldId id="301" r:id="rId59"/>
+    <p:sldId id="302" r:id="rId60"/>
+    <p:sldId id="312" r:id="rId61"/>
+    <p:sldId id="311" r:id="rId62"/>
+    <p:sldId id="257" r:id="rId63"/>
   </p:sldIdLst>
   <p:sldSz cx="12436475" cy="6994525"/>
   <p:notesSz cx="6858000" cy="9144000"/>
@@ -149,6 +154,11 @@
             <p14:sldId id="298"/>
             <p14:sldId id="303"/>
             <p14:sldId id="304"/>
+            <p14:sldId id="314"/>
+            <p14:sldId id="317"/>
+            <p14:sldId id="313"/>
+            <p14:sldId id="315"/>
+            <p14:sldId id="316"/>
             <p14:sldId id="305"/>
             <p14:sldId id="306"/>
             <p14:sldId id="307"/>
@@ -301,7 +311,7 @@
               <a:rPr lang="en-US" smtClean="0">
                 <a:latin typeface="Segoe UI" pitchFamily="34" charset="0"/>
               </a:rPr>
-              <a:t>6/13/2017 8:15 AM</a:t>
+              <a:t>6/13/2017 5:41 PM</a:t>
             </a:fld>
             <a:endParaRPr lang="en-US" dirty="0">
               <a:latin typeface="Segoe UI" pitchFamily="34" charset="0"/>
@@ -1485,7 +1495,7 @@
           <a:p>
             <a:fld id="{38EEC551-8CDA-4EB6-89BB-2A86C9F091C8}" type="datetime8">
               <a:rPr lang="en-US" smtClean="0"/>
-              <a:t>6/13/2017 8:15 AM</a:t>
+              <a:t>6/13/2017 5:41 PM</a:t>
             </a:fld>
             <a:endParaRPr lang="en-US" dirty="0"/>
           </a:p>
@@ -1819,7 +1829,7 @@
           <a:p>
             <a:fld id="{6108602D-D426-4C00-B215-BFA18C076426}" type="datetime8">
               <a:rPr lang="en-US" smtClean="0"/>
-              <a:t>6/13/2017 8:15 AM</a:t>
+              <a:t>6/13/2017 5:41 PM</a:t>
             </a:fld>
             <a:endParaRPr lang="en-US" dirty="0"/>
           </a:p>
@@ -2155,7 +2165,7 @@
                 <a:tabLst/>
                 <a:defRPr/>
               </a:pPr>
-              <a:t>6/13/2017 8:15 AM</a:t>
+              <a:t>6/13/2017 5:41 PM</a:t>
             </a:fld>
             <a:endParaRPr kumimoji="0" lang="en-US" sz="1200" b="0" i="0" u="none" strike="noStrike" kern="1200" cap="none" spc="0" normalizeH="0" baseline="0" noProof="0" dirty="0">
               <a:ln>
@@ -2432,7 +2442,7 @@
           <a:p>
             <a:fld id="{38EEC551-8CDA-4EB6-89BB-2A86C9F091C8}" type="datetime8">
               <a:rPr lang="en-US" smtClean="0"/>
-              <a:t>6/13/2017 8:15 AM</a:t>
+              <a:t>6/13/2017 5:41 PM</a:t>
             </a:fld>
             <a:endParaRPr lang="en-US" dirty="0"/>
           </a:p>
@@ -2587,7 +2597,7 @@
                 <a:tabLst/>
                 <a:defRPr/>
               </a:pPr>
-              <a:t>12</a:t>
+              <a:t>17</a:t>
             </a:fld>
             <a:endParaRPr kumimoji="0" lang="en-US" sz="1200" b="0" i="0" u="none" strike="noStrike" kern="1200" cap="none" spc="0" normalizeH="0" baseline="0" noProof="0" dirty="0">
               <a:ln>
@@ -2670,7 +2680,7 @@
                 <a:tabLst/>
                 <a:defRPr/>
               </a:pPr>
-              <a:t>6/13/2017 8:15 AM</a:t>
+              <a:t>6/13/2017 5:41 PM</a:t>
             </a:fld>
             <a:endParaRPr kumimoji="0" lang="en-US" sz="1200" b="0" i="0" u="none" strike="noStrike" kern="1200" cap="none" spc="0" normalizeH="0" baseline="0" noProof="0" dirty="0">
               <a:ln>
@@ -2957,7 +2967,7 @@
           <a:p>
             <a:fld id="{38EEC551-8CDA-4EB6-89BB-2A86C9F091C8}" type="datetime8">
               <a:rPr lang="en-US" smtClean="0"/>
-              <a:t>6/13/2017 8:15 AM</a:t>
+              <a:t>6/13/2017 5:41 PM</a:t>
             </a:fld>
             <a:endParaRPr lang="en-US" dirty="0"/>
           </a:p>
@@ -2981,7 +2991,7 @@
             <a:fld id="{B4008EB6-D09E-4580-8CD6-DDB14511944F}" type="slidenum">
               <a:rPr lang="en-US" smtClean="0"/>
               <a:pPr/>
-              <a:t>13</a:t>
+              <a:t>18</a:t>
             </a:fld>
             <a:endParaRPr lang="en-US" dirty="0"/>
           </a:p>
@@ -3131,7 +3141,7 @@
                 </a:solidFill>
               </a:rPr>
               <a:pPr/>
-              <a:t>6/13/2017 8:15 AM</a:t>
+              <a:t>6/13/2017 5:41 PM</a:t>
             </a:fld>
             <a:endParaRPr lang="en-US" dirty="0">
               <a:solidFill>
@@ -3163,7 +3173,7 @@
                 </a:solidFill>
               </a:rPr>
               <a:pPr/>
-              <a:t>18</a:t>
+              <a:t>23</a:t>
             </a:fld>
             <a:endParaRPr lang="en-US" dirty="0">
               <a:solidFill>
@@ -42272,6 +42282,565 @@
       </p:grpSpPr>
       <p:sp>
         <p:nvSpPr>
+          <p:cNvPr id="4" name="Title 3"/>
+          <p:cNvSpPr>
+            <a:spLocks noGrp="1"/>
+          </p:cNvSpPr>
+          <p:nvPr>
+            <p:ph type="title"/>
+          </p:nvPr>
+        </p:nvSpPr>
+        <p:spPr>
+          <a:xfrm>
+            <a:off x="365759" y="1097280"/>
+            <a:ext cx="9510078" cy="1181862"/>
+          </a:xfrm>
+        </p:spPr>
+        <p:txBody>
+          <a:bodyPr/>
+          <a:lstStyle/>
+          <a:p>
+            <a:r>
+              <a:rPr lang="en-US" dirty="0"/>
+              <a:t>Improving LUIS</a:t>
+            </a:r>
+          </a:p>
+        </p:txBody>
+      </p:sp>
+    </p:spTree>
+    <p:extLst>
+      <p:ext uri="{BB962C8B-B14F-4D97-AF65-F5344CB8AC3E}">
+        <p14:creationId xmlns:p14="http://schemas.microsoft.com/office/powerpoint/2010/main" val="1244242109"/>
+      </p:ext>
+    </p:extLst>
+  </p:cSld>
+  <p:clrMapOvr>
+    <a:masterClrMapping/>
+  </p:clrMapOvr>
+  <p:transition>
+    <p:fade/>
+  </p:transition>
+</p:sld>
+</file>
+
+<file path=ppt/slides/slide13.xml><?xml version="1.0" encoding="utf-8"?>
+<p:sld xmlns:a="http://schemas.openxmlformats.org/drawingml/2006/main" xmlns:r="http://schemas.openxmlformats.org/officeDocument/2006/relationships" xmlns:p="http://schemas.openxmlformats.org/presentationml/2006/main">
+  <p:cSld>
+    <p:spTree>
+      <p:nvGrpSpPr>
+        <p:cNvPr id="1" name=""/>
+        <p:cNvGrpSpPr/>
+        <p:nvPr/>
+      </p:nvGrpSpPr>
+      <p:grpSpPr>
+        <a:xfrm>
+          <a:off x="0" y="0"/>
+          <a:ext cx="0" cy="0"/>
+          <a:chOff x="0" y="0"/>
+          <a:chExt cx="0" cy="0"/>
+        </a:xfrm>
+      </p:grpSpPr>
+      <p:sp>
+        <p:nvSpPr>
+          <p:cNvPr id="4" name="Title 3"/>
+          <p:cNvSpPr>
+            <a:spLocks noGrp="1"/>
+          </p:cNvSpPr>
+          <p:nvPr>
+            <p:ph type="title"/>
+          </p:nvPr>
+        </p:nvSpPr>
+        <p:spPr/>
+        <p:txBody>
+          <a:bodyPr/>
+          <a:lstStyle/>
+          <a:p>
+            <a:r>
+              <a:rPr lang="en-US" dirty="0"/>
+              <a:t>Programming LUIS</a:t>
+            </a:r>
+          </a:p>
+        </p:txBody>
+      </p:sp>
+      <p:sp>
+        <p:nvSpPr>
+          <p:cNvPr id="5" name="Text Placeholder 4"/>
+          <p:cNvSpPr>
+            <a:spLocks noGrp="1"/>
+          </p:cNvSpPr>
+          <p:nvPr>
+            <p:ph type="body" sz="quarter" idx="10"/>
+          </p:nvPr>
+        </p:nvSpPr>
+        <p:spPr>
+          <a:xfrm>
+            <a:off x="365760" y="1371600"/>
+            <a:ext cx="11704320" cy="2917722"/>
+          </a:xfrm>
+        </p:spPr>
+        <p:txBody>
+          <a:bodyPr/>
+          <a:lstStyle/>
+          <a:p>
+            <a:r>
+              <a:rPr lang="en-US" dirty="0"/>
+              <a:t>Consuming LUIS</a:t>
+            </a:r>
+          </a:p>
+          <a:p>
+            <a:pPr lvl="1"/>
+            <a:r>
+              <a:rPr lang="en-US" dirty="0"/>
+              <a:t>C#</a:t>
+            </a:r>
+          </a:p>
+          <a:p>
+            <a:pPr lvl="2"/>
+            <a:r>
+              <a:rPr lang="en-US" dirty="0"/>
+              <a:t>Add attribute to dialog</a:t>
+            </a:r>
+          </a:p>
+          <a:p>
+            <a:pPr lvl="1"/>
+            <a:r>
+              <a:rPr lang="en-US" dirty="0"/>
+              <a:t>Node.js</a:t>
+            </a:r>
+          </a:p>
+          <a:p>
+            <a:pPr lvl="2"/>
+            <a:r>
+              <a:rPr lang="en-US" dirty="0"/>
+              <a:t>Add LUIS recognizer</a:t>
+            </a:r>
+          </a:p>
+          <a:p>
+            <a:r>
+              <a:rPr lang="en-US" dirty="0"/>
+              <a:t>Updating LUIS</a:t>
+            </a:r>
+          </a:p>
+          <a:p>
+            <a:pPr lvl="1"/>
+            <a:r>
+              <a:rPr lang="en-US" dirty="0">
+                <a:hlinkClick r:id="rId2"/>
+              </a:rPr>
+              <a:t>Full API available</a:t>
+            </a:r>
+            <a:endParaRPr lang="en-US" dirty="0"/>
+          </a:p>
+        </p:txBody>
+      </p:sp>
+    </p:spTree>
+    <p:extLst>
+      <p:ext uri="{BB962C8B-B14F-4D97-AF65-F5344CB8AC3E}">
+        <p14:creationId xmlns:p14="http://schemas.microsoft.com/office/powerpoint/2010/main" val="404229592"/>
+      </p:ext>
+    </p:extLst>
+  </p:cSld>
+  <p:clrMapOvr>
+    <a:masterClrMapping/>
+  </p:clrMapOvr>
+  <p:transition>
+    <p:fade/>
+  </p:transition>
+</p:sld>
+</file>
+
+<file path=ppt/slides/slide14.xml><?xml version="1.0" encoding="utf-8"?>
+<p:sld xmlns:a="http://schemas.openxmlformats.org/drawingml/2006/main" xmlns:r="http://schemas.openxmlformats.org/officeDocument/2006/relationships" xmlns:p="http://schemas.openxmlformats.org/presentationml/2006/main">
+  <p:cSld>
+    <p:spTree>
+      <p:nvGrpSpPr>
+        <p:cNvPr id="1" name=""/>
+        <p:cNvGrpSpPr/>
+        <p:nvPr/>
+      </p:nvGrpSpPr>
+      <p:grpSpPr>
+        <a:xfrm>
+          <a:off x="0" y="0"/>
+          <a:ext cx="0" cy="0"/>
+          <a:chOff x="0" y="0"/>
+          <a:chExt cx="0" cy="0"/>
+        </a:xfrm>
+      </p:grpSpPr>
+      <p:sp>
+        <p:nvSpPr>
+          <p:cNvPr id="2" name="Title 1"/>
+          <p:cNvSpPr>
+            <a:spLocks noGrp="1"/>
+          </p:cNvSpPr>
+          <p:nvPr>
+            <p:ph type="title"/>
+          </p:nvPr>
+        </p:nvSpPr>
+        <p:spPr/>
+        <p:txBody>
+          <a:bodyPr/>
+          <a:lstStyle/>
+          <a:p>
+            <a:r>
+              <a:rPr lang="en-US" dirty="0"/>
+              <a:t>Adding Entities</a:t>
+            </a:r>
+          </a:p>
+        </p:txBody>
+      </p:sp>
+      <p:sp>
+        <p:nvSpPr>
+          <p:cNvPr id="3" name="Text Placeholder 2"/>
+          <p:cNvSpPr>
+            <a:spLocks noGrp="1"/>
+          </p:cNvSpPr>
+          <p:nvPr>
+            <p:ph type="body" sz="quarter" idx="10"/>
+          </p:nvPr>
+        </p:nvSpPr>
+        <p:spPr>
+          <a:xfrm>
+            <a:off x="365760" y="1371600"/>
+            <a:ext cx="11704320" cy="5727722"/>
+          </a:xfrm>
+        </p:spPr>
+        <p:txBody>
+          <a:bodyPr/>
+          <a:lstStyle/>
+          <a:p>
+            <a:r>
+              <a:rPr lang="en-US" dirty="0"/>
+              <a:t>Prebuilt</a:t>
+            </a:r>
+          </a:p>
+          <a:p>
+            <a:pPr lvl="1"/>
+            <a:r>
+              <a:rPr lang="en-US" dirty="0"/>
+              <a:t>Time, encyclopedia, etc.</a:t>
+            </a:r>
+          </a:p>
+          <a:p>
+            <a:r>
+              <a:rPr lang="en-US" dirty="0"/>
+              <a:t>List</a:t>
+            </a:r>
+          </a:p>
+          <a:p>
+            <a:pPr lvl="1"/>
+            <a:r>
+              <a:rPr lang="en-US" dirty="0"/>
+              <a:t>"Closed list"</a:t>
+            </a:r>
+          </a:p>
+          <a:p>
+            <a:pPr lvl="1"/>
+            <a:r>
+              <a:rPr lang="en-US" dirty="0"/>
+              <a:t>No fuzzy logic</a:t>
+            </a:r>
+          </a:p>
+          <a:p>
+            <a:pPr lvl="1"/>
+            <a:r>
+              <a:rPr lang="en-US" dirty="0"/>
+              <a:t>No learning</a:t>
+            </a:r>
+          </a:p>
+          <a:p>
+            <a:pPr lvl="1"/>
+            <a:r>
+              <a:rPr lang="en-US" b="1" dirty="0"/>
+              <a:t>Always</a:t>
+            </a:r>
+            <a:r>
+              <a:rPr lang="en-US" dirty="0"/>
+              <a:t> matches</a:t>
+            </a:r>
+          </a:p>
+          <a:p>
+            <a:r>
+              <a:rPr lang="en-US" dirty="0"/>
+              <a:t>Simple</a:t>
+            </a:r>
+          </a:p>
+          <a:p>
+            <a:pPr lvl="1"/>
+            <a:r>
+              <a:rPr lang="en-US" dirty="0"/>
+              <a:t>Learned entities</a:t>
+            </a:r>
+          </a:p>
+          <a:p>
+            <a:r>
+              <a:rPr lang="en-US" dirty="0"/>
+              <a:t>Hierarchical</a:t>
+            </a:r>
+          </a:p>
+          <a:p>
+            <a:pPr lvl="1"/>
+            <a:r>
+              <a:rPr lang="en-US" dirty="0"/>
+              <a:t>Parents and subtypes</a:t>
+            </a:r>
+          </a:p>
+          <a:p>
+            <a:pPr lvl="2"/>
+            <a:r>
+              <a:rPr lang="en-US" dirty="0"/>
+              <a:t>Employee &gt; </a:t>
+            </a:r>
+            <a:r>
+              <a:rPr lang="en-US" dirty="0" err="1"/>
+              <a:t>PartTime</a:t>
+            </a:r>
+            <a:r>
+              <a:rPr lang="en-US" dirty="0"/>
+              <a:t>, </a:t>
+            </a:r>
+            <a:r>
+              <a:rPr lang="en-US" dirty="0" err="1"/>
+              <a:t>FullTime</a:t>
+            </a:r>
+            <a:endParaRPr lang="en-US" dirty="0"/>
+          </a:p>
+          <a:p>
+            <a:r>
+              <a:rPr lang="en-US" dirty="0"/>
+              <a:t>Composite</a:t>
+            </a:r>
+          </a:p>
+          <a:p>
+            <a:pPr lvl="1"/>
+            <a:r>
+              <a:rPr lang="en-US" dirty="0"/>
+              <a:t>Made up of other entities</a:t>
+            </a:r>
+          </a:p>
+        </p:txBody>
+      </p:sp>
+    </p:spTree>
+    <p:extLst>
+      <p:ext uri="{BB962C8B-B14F-4D97-AF65-F5344CB8AC3E}">
+        <p14:creationId xmlns:p14="http://schemas.microsoft.com/office/powerpoint/2010/main" val="2343283856"/>
+      </p:ext>
+    </p:extLst>
+  </p:cSld>
+  <p:clrMapOvr>
+    <a:masterClrMapping/>
+  </p:clrMapOvr>
+  <p:transition>
+    <p:fade/>
+  </p:transition>
+</p:sld>
+</file>
+
+<file path=ppt/slides/slide15.xml><?xml version="1.0" encoding="utf-8"?>
+<p:sld xmlns:a="http://schemas.openxmlformats.org/drawingml/2006/main" xmlns:r="http://schemas.openxmlformats.org/officeDocument/2006/relationships" xmlns:p="http://schemas.openxmlformats.org/presentationml/2006/main">
+  <p:cSld>
+    <p:spTree>
+      <p:nvGrpSpPr>
+        <p:cNvPr id="1" name=""/>
+        <p:cNvGrpSpPr/>
+        <p:nvPr/>
+      </p:nvGrpSpPr>
+      <p:grpSpPr>
+        <a:xfrm>
+          <a:off x="0" y="0"/>
+          <a:ext cx="0" cy="0"/>
+          <a:chOff x="0" y="0"/>
+          <a:chExt cx="0" cy="0"/>
+        </a:xfrm>
+      </p:grpSpPr>
+      <p:sp>
+        <p:nvSpPr>
+          <p:cNvPr id="2" name="Title 1"/>
+          <p:cNvSpPr>
+            <a:spLocks noGrp="1"/>
+          </p:cNvSpPr>
+          <p:nvPr>
+            <p:ph type="title"/>
+          </p:nvPr>
+        </p:nvSpPr>
+        <p:spPr/>
+        <p:txBody>
+          <a:bodyPr/>
+          <a:lstStyle/>
+          <a:p>
+            <a:r>
+              <a:rPr lang="en-US" dirty="0"/>
+              <a:t>Features</a:t>
+            </a:r>
+          </a:p>
+        </p:txBody>
+      </p:sp>
+      <p:sp>
+        <p:nvSpPr>
+          <p:cNvPr id="3" name="Text Placeholder 2"/>
+          <p:cNvSpPr>
+            <a:spLocks noGrp="1"/>
+          </p:cNvSpPr>
+          <p:nvPr>
+            <p:ph type="body" sz="quarter" idx="10"/>
+          </p:nvPr>
+        </p:nvSpPr>
+        <p:spPr>
+          <a:xfrm>
+            <a:off x="365760" y="1371600"/>
+            <a:ext cx="11704320" cy="2806922"/>
+          </a:xfrm>
+        </p:spPr>
+        <p:txBody>
+          <a:bodyPr/>
+          <a:lstStyle/>
+          <a:p>
+            <a:r>
+              <a:rPr lang="en-US" dirty="0"/>
+              <a:t>Phrase lists</a:t>
+            </a:r>
+          </a:p>
+          <a:p>
+            <a:pPr lvl="1"/>
+            <a:r>
+              <a:rPr lang="en-US" dirty="0"/>
+              <a:t>Unlike closed lists, these involve learning</a:t>
+            </a:r>
+          </a:p>
+          <a:p>
+            <a:pPr lvl="1"/>
+            <a:r>
+              <a:rPr lang="en-US" dirty="0"/>
+              <a:t>Seed LUIS to teach it possible values in advance</a:t>
+            </a:r>
+          </a:p>
+          <a:p>
+            <a:pPr lvl="1"/>
+            <a:r>
+              <a:rPr lang="en-US" dirty="0"/>
+              <a:t>Useful for technical terms or words outside of the domain</a:t>
+            </a:r>
+          </a:p>
+          <a:p>
+            <a:r>
+              <a:rPr lang="en-US" dirty="0"/>
+              <a:t>Pattern features</a:t>
+            </a:r>
+          </a:p>
+          <a:p>
+            <a:pPr lvl="1"/>
+            <a:r>
+              <a:rPr lang="en-US" dirty="0"/>
+              <a:t>Teach LUIS what things look like</a:t>
+            </a:r>
+          </a:p>
+          <a:p>
+            <a:pPr lvl="1"/>
+            <a:r>
+              <a:rPr lang="en-US" dirty="0"/>
+              <a:t>SKUs, invoice numbers, etc.</a:t>
+            </a:r>
+          </a:p>
+        </p:txBody>
+      </p:sp>
+    </p:spTree>
+    <p:extLst>
+      <p:ext uri="{BB962C8B-B14F-4D97-AF65-F5344CB8AC3E}">
+        <p14:creationId xmlns:p14="http://schemas.microsoft.com/office/powerpoint/2010/main" val="3423271045"/>
+      </p:ext>
+    </p:extLst>
+  </p:cSld>
+  <p:clrMapOvr>
+    <a:masterClrMapping/>
+  </p:clrMapOvr>
+  <p:transition>
+    <p:fade/>
+  </p:transition>
+</p:sld>
+</file>
+
+<file path=ppt/slides/slide16.xml><?xml version="1.0" encoding="utf-8"?>
+<p:sld xmlns:a="http://schemas.openxmlformats.org/drawingml/2006/main" xmlns:r="http://schemas.openxmlformats.org/officeDocument/2006/relationships" xmlns:p="http://schemas.openxmlformats.org/presentationml/2006/main">
+  <p:cSld>
+    <p:spTree>
+      <p:nvGrpSpPr>
+        <p:cNvPr id="1" name=""/>
+        <p:cNvGrpSpPr/>
+        <p:nvPr/>
+      </p:nvGrpSpPr>
+      <p:grpSpPr>
+        <a:xfrm>
+          <a:off x="0" y="0"/>
+          <a:ext cx="0" cy="0"/>
+          <a:chOff x="0" y="0"/>
+          <a:chExt cx="0" cy="0"/>
+        </a:xfrm>
+      </p:grpSpPr>
+      <p:sp>
+        <p:nvSpPr>
+          <p:cNvPr id="4" name="Title 3"/>
+          <p:cNvSpPr>
+            <a:spLocks noGrp="1"/>
+          </p:cNvSpPr>
+          <p:nvPr>
+            <p:ph type="title"/>
+          </p:nvPr>
+        </p:nvSpPr>
+        <p:spPr/>
+        <p:txBody>
+          <a:bodyPr/>
+          <a:lstStyle/>
+          <a:p>
+            <a:r>
+              <a:rPr lang="en-US" dirty="0"/>
+              <a:t>Enhancing a model</a:t>
+            </a:r>
+          </a:p>
+        </p:txBody>
+      </p:sp>
+    </p:spTree>
+    <p:extLst>
+      <p:ext uri="{BB962C8B-B14F-4D97-AF65-F5344CB8AC3E}">
+        <p14:creationId xmlns:p14="http://schemas.microsoft.com/office/powerpoint/2010/main" val="3214562891"/>
+      </p:ext>
+    </p:extLst>
+  </p:cSld>
+  <p:clrMapOvr>
+    <a:masterClrMapping/>
+  </p:clrMapOvr>
+  <mc:AlternateContent xmlns:mc="http://schemas.openxmlformats.org/markup-compatibility/2006" xmlns:p14="http://schemas.microsoft.com/office/powerpoint/2010/main">
+    <mc:Choice Requires="p14">
+      <p:transition spd="slow" p14:dur="3400">
+        <p14:reveal/>
+      </p:transition>
+    </mc:Choice>
+    <mc:Fallback xmlns="">
+      <p:transition spd="slow">
+        <p:fade/>
+      </p:transition>
+    </mc:Fallback>
+  </mc:AlternateContent>
+</p:sld>
+</file>
+
+<file path=ppt/slides/slide17.xml><?xml version="1.0" encoding="utf-8"?>
+<p:sld xmlns:a="http://schemas.openxmlformats.org/drawingml/2006/main" xmlns:r="http://schemas.openxmlformats.org/officeDocument/2006/relationships" xmlns:p="http://schemas.openxmlformats.org/presentationml/2006/main">
+  <p:cSld>
+    <p:spTree>
+      <p:nvGrpSpPr>
+        <p:cNvPr id="1" name=""/>
+        <p:cNvGrpSpPr/>
+        <p:nvPr/>
+      </p:nvGrpSpPr>
+      <p:grpSpPr>
+        <a:xfrm>
+          <a:off x="0" y="0"/>
+          <a:ext cx="0" cy="0"/>
+          <a:chOff x="0" y="0"/>
+          <a:chExt cx="0" cy="0"/>
+        </a:xfrm>
+      </p:grpSpPr>
+      <p:sp>
+        <p:nvSpPr>
           <p:cNvPr id="7" name="Title 16"/>
           <p:cNvSpPr>
             <a:spLocks noGrp="1"/>
@@ -43018,7 +43587,7 @@
 </p:sld>
 </file>
 
-<file path=ppt/slides/slide13.xml><?xml version="1.0" encoding="utf-8"?>
+<file path=ppt/slides/slide18.xml><?xml version="1.0" encoding="utf-8"?>
 <p:sld xmlns:a="http://schemas.openxmlformats.org/drawingml/2006/main" xmlns:r="http://schemas.openxmlformats.org/officeDocument/2006/relationships" xmlns:p="http://schemas.openxmlformats.org/presentationml/2006/main">
   <p:cSld>
     <p:spTree>
@@ -43228,7 +43797,7 @@
 </p:sld>
 </file>
 
-<file path=ppt/slides/slide14.xml><?xml version="1.0" encoding="utf-8"?>
+<file path=ppt/slides/slide19.xml><?xml version="1.0" encoding="utf-8"?>
 <p:sld xmlns:a="http://schemas.openxmlformats.org/drawingml/2006/main" xmlns:r="http://schemas.openxmlformats.org/officeDocument/2006/relationships" xmlns:p="http://schemas.openxmlformats.org/presentationml/2006/main">
   <p:cSld>
     <p:spTree>
@@ -43869,876 +44438,6 @@
       <p:bldP spid="5" grpId="0" build="p"/>
     </p:bldLst>
   </p:timing>
-</p:sld>
-</file>
-
-<file path=ppt/slides/slide15.xml><?xml version="1.0" encoding="utf-8"?>
-<p:sld xmlns:a="http://schemas.openxmlformats.org/drawingml/2006/main" xmlns:r="http://schemas.openxmlformats.org/officeDocument/2006/relationships" xmlns:p="http://schemas.openxmlformats.org/presentationml/2006/main">
-  <p:cSld>
-    <p:spTree>
-      <p:nvGrpSpPr>
-        <p:cNvPr id="1" name=""/>
-        <p:cNvGrpSpPr/>
-        <p:nvPr/>
-      </p:nvGrpSpPr>
-      <p:grpSpPr>
-        <a:xfrm>
-          <a:off x="0" y="0"/>
-          <a:ext cx="0" cy="0"/>
-          <a:chOff x="0" y="0"/>
-          <a:chExt cx="0" cy="0"/>
-        </a:xfrm>
-      </p:grpSpPr>
-      <p:sp>
-        <p:nvSpPr>
-          <p:cNvPr id="2" name="Title 1"/>
-          <p:cNvSpPr>
-            <a:spLocks noGrp="1"/>
-          </p:cNvSpPr>
-          <p:nvPr>
-            <p:ph type="title"/>
-          </p:nvPr>
-        </p:nvSpPr>
-        <p:spPr/>
-        <p:txBody>
-          <a:bodyPr/>
-          <a:lstStyle/>
-          <a:p>
-            <a:r>
-              <a:rPr lang="en-US" dirty="0"/>
-              <a:t>LUIS training best practices</a:t>
-            </a:r>
-          </a:p>
-        </p:txBody>
-      </p:sp>
-      <p:sp>
-        <p:nvSpPr>
-          <p:cNvPr id="3" name="Text Placeholder 2"/>
-          <p:cNvSpPr>
-            <a:spLocks noGrp="1"/>
-          </p:cNvSpPr>
-          <p:nvPr>
-            <p:ph type="body" sz="quarter" idx="10"/>
-          </p:nvPr>
-        </p:nvSpPr>
-        <p:spPr>
-          <a:xfrm>
-            <a:off x="365760" y="1371600"/>
-            <a:ext cx="11704320" cy="3028521"/>
-          </a:xfrm>
-        </p:spPr>
-        <p:txBody>
-          <a:bodyPr/>
-          <a:lstStyle/>
-          <a:p>
-            <a:r>
-              <a:rPr lang="en-US" dirty="0"/>
-              <a:t>More utterances the better</a:t>
-            </a:r>
-          </a:p>
-          <a:p>
-            <a:r>
-              <a:rPr lang="en-US" dirty="0"/>
-              <a:t>Treat it like a closed universe</a:t>
-            </a:r>
-          </a:p>
-          <a:p>
-            <a:pPr lvl="1"/>
-            <a:r>
-              <a:rPr lang="en-US" dirty="0"/>
-              <a:t>Don't use LUIS to allow the user to type anything</a:t>
-            </a:r>
-          </a:p>
-          <a:p>
-            <a:r>
-              <a:rPr lang="en-US" dirty="0"/>
-              <a:t>Train up the </a:t>
-            </a:r>
-            <a:r>
-              <a:rPr lang="en-US" b="1" dirty="0"/>
-              <a:t>none</a:t>
-            </a:r>
-            <a:r>
-              <a:rPr lang="en-US" dirty="0"/>
-              <a:t> intent</a:t>
-            </a:r>
-          </a:p>
-          <a:p>
-            <a:r>
-              <a:rPr lang="en-US" dirty="0"/>
-              <a:t>Use caution with Scorables and </a:t>
-            </a:r>
-            <a:r>
-              <a:rPr lang="en-US" dirty="0" err="1"/>
-              <a:t>triggerAction</a:t>
-            </a:r>
-            <a:endParaRPr lang="en-US" dirty="0"/>
-          </a:p>
-          <a:p>
-            <a:pPr lvl="1"/>
-            <a:r>
-              <a:rPr lang="en-US" dirty="0"/>
-              <a:t>LUIS can accidentally redirect the user</a:t>
-            </a:r>
-          </a:p>
-          <a:p>
-            <a:pPr lvl="1"/>
-            <a:r>
-              <a:rPr lang="en-US" dirty="0"/>
-              <a:t>All calls are sent to LUIS</a:t>
-            </a:r>
-          </a:p>
-        </p:txBody>
-      </p:sp>
-    </p:spTree>
-    <p:extLst>
-      <p:ext uri="{BB962C8B-B14F-4D97-AF65-F5344CB8AC3E}">
-        <p14:creationId xmlns:p14="http://schemas.microsoft.com/office/powerpoint/2010/main" val="2728529139"/>
-      </p:ext>
-    </p:extLst>
-  </p:cSld>
-  <p:clrMapOvr>
-    <a:masterClrMapping/>
-  </p:clrMapOvr>
-  <p:transition>
-    <p:fade/>
-  </p:transition>
-  <p:timing>
-    <p:tnLst>
-      <p:par>
-        <p:cTn id="1" dur="indefinite" restart="never" nodeType="tmRoot">
-          <p:childTnLst>
-            <p:seq concurrent="1" nextAc="seek">
-              <p:cTn id="2" dur="indefinite" nodeType="mainSeq">
-                <p:childTnLst>
-                  <p:par>
-                    <p:cTn id="3" fill="hold">
-                      <p:stCondLst>
-                        <p:cond delay="indefinite"/>
-                      </p:stCondLst>
-                      <p:childTnLst>
-                        <p:par>
-                          <p:cTn id="4" fill="hold">
-                            <p:stCondLst>
-                              <p:cond delay="0"/>
-                            </p:stCondLst>
-                            <p:childTnLst>
-                              <p:par>
-                                <p:cTn id="5" presetID="10" presetClass="entr" presetSubtype="0" fill="hold" grpId="0" nodeType="clickEffect">
-                                  <p:stCondLst>
-                                    <p:cond delay="0"/>
-                                  </p:stCondLst>
-                                  <p:childTnLst>
-                                    <p:set>
-                                      <p:cBhvr>
-                                        <p:cTn id="6" dur="1" fill="hold">
-                                          <p:stCondLst>
-                                            <p:cond delay="0"/>
-                                          </p:stCondLst>
-                                        </p:cTn>
-                                        <p:tgtEl>
-                                          <p:spTgt spid="3">
-                                            <p:txEl>
-                                              <p:pRg st="0" end="0"/>
-                                            </p:txEl>
-                                          </p:spTgt>
-                                        </p:tgtEl>
-                                        <p:attrNameLst>
-                                          <p:attrName>style.visibility</p:attrName>
-                                        </p:attrNameLst>
-                                      </p:cBhvr>
-                                      <p:to>
-                                        <p:strVal val="visible"/>
-                                      </p:to>
-                                    </p:set>
-                                    <p:animEffect transition="in" filter="fade">
-                                      <p:cBhvr>
-                                        <p:cTn id="7" dur="500"/>
-                                        <p:tgtEl>
-                                          <p:spTgt spid="3">
-                                            <p:txEl>
-                                              <p:pRg st="0" end="0"/>
-                                            </p:txEl>
-                                          </p:spTgt>
-                                        </p:tgtEl>
-                                      </p:cBhvr>
-                                    </p:animEffect>
-                                  </p:childTnLst>
-                                </p:cTn>
-                              </p:par>
-                            </p:childTnLst>
-                          </p:cTn>
-                        </p:par>
-                      </p:childTnLst>
-                    </p:cTn>
-                  </p:par>
-                  <p:par>
-                    <p:cTn id="8" fill="hold">
-                      <p:stCondLst>
-                        <p:cond delay="indefinite"/>
-                      </p:stCondLst>
-                      <p:childTnLst>
-                        <p:par>
-                          <p:cTn id="9" fill="hold">
-                            <p:stCondLst>
-                              <p:cond delay="0"/>
-                            </p:stCondLst>
-                            <p:childTnLst>
-                              <p:par>
-                                <p:cTn id="10" presetID="10" presetClass="entr" presetSubtype="0" fill="hold" grpId="0" nodeType="clickEffect">
-                                  <p:stCondLst>
-                                    <p:cond delay="0"/>
-                                  </p:stCondLst>
-                                  <p:childTnLst>
-                                    <p:set>
-                                      <p:cBhvr>
-                                        <p:cTn id="11" dur="1" fill="hold">
-                                          <p:stCondLst>
-                                            <p:cond delay="0"/>
-                                          </p:stCondLst>
-                                        </p:cTn>
-                                        <p:tgtEl>
-                                          <p:spTgt spid="3">
-                                            <p:txEl>
-                                              <p:pRg st="1" end="1"/>
-                                            </p:txEl>
-                                          </p:spTgt>
-                                        </p:tgtEl>
-                                        <p:attrNameLst>
-                                          <p:attrName>style.visibility</p:attrName>
-                                        </p:attrNameLst>
-                                      </p:cBhvr>
-                                      <p:to>
-                                        <p:strVal val="visible"/>
-                                      </p:to>
-                                    </p:set>
-                                    <p:animEffect transition="in" filter="fade">
-                                      <p:cBhvr>
-                                        <p:cTn id="12" dur="500"/>
-                                        <p:tgtEl>
-                                          <p:spTgt spid="3">
-                                            <p:txEl>
-                                              <p:pRg st="1" end="1"/>
-                                            </p:txEl>
-                                          </p:spTgt>
-                                        </p:tgtEl>
-                                      </p:cBhvr>
-                                    </p:animEffect>
-                                  </p:childTnLst>
-                                </p:cTn>
-                              </p:par>
-                              <p:par>
-                                <p:cTn id="13" presetID="10" presetClass="entr" presetSubtype="0" fill="hold" grpId="0" nodeType="withEffect">
-                                  <p:stCondLst>
-                                    <p:cond delay="0"/>
-                                  </p:stCondLst>
-                                  <p:childTnLst>
-                                    <p:set>
-                                      <p:cBhvr>
-                                        <p:cTn id="14" dur="1" fill="hold">
-                                          <p:stCondLst>
-                                            <p:cond delay="0"/>
-                                          </p:stCondLst>
-                                        </p:cTn>
-                                        <p:tgtEl>
-                                          <p:spTgt spid="3">
-                                            <p:txEl>
-                                              <p:pRg st="2" end="2"/>
-                                            </p:txEl>
-                                          </p:spTgt>
-                                        </p:tgtEl>
-                                        <p:attrNameLst>
-                                          <p:attrName>style.visibility</p:attrName>
-                                        </p:attrNameLst>
-                                      </p:cBhvr>
-                                      <p:to>
-                                        <p:strVal val="visible"/>
-                                      </p:to>
-                                    </p:set>
-                                    <p:animEffect transition="in" filter="fade">
-                                      <p:cBhvr>
-                                        <p:cTn id="15" dur="500"/>
-                                        <p:tgtEl>
-                                          <p:spTgt spid="3">
-                                            <p:txEl>
-                                              <p:pRg st="2" end="2"/>
-                                            </p:txEl>
-                                          </p:spTgt>
-                                        </p:tgtEl>
-                                      </p:cBhvr>
-                                    </p:animEffect>
-                                  </p:childTnLst>
-                                </p:cTn>
-                              </p:par>
-                            </p:childTnLst>
-                          </p:cTn>
-                        </p:par>
-                      </p:childTnLst>
-                    </p:cTn>
-                  </p:par>
-                  <p:par>
-                    <p:cTn id="16" fill="hold">
-                      <p:stCondLst>
-                        <p:cond delay="indefinite"/>
-                      </p:stCondLst>
-                      <p:childTnLst>
-                        <p:par>
-                          <p:cTn id="17" fill="hold">
-                            <p:stCondLst>
-                              <p:cond delay="0"/>
-                            </p:stCondLst>
-                            <p:childTnLst>
-                              <p:par>
-                                <p:cTn id="18" presetID="10" presetClass="entr" presetSubtype="0" fill="hold" grpId="0" nodeType="clickEffect">
-                                  <p:stCondLst>
-                                    <p:cond delay="0"/>
-                                  </p:stCondLst>
-                                  <p:childTnLst>
-                                    <p:set>
-                                      <p:cBhvr>
-                                        <p:cTn id="19" dur="1" fill="hold">
-                                          <p:stCondLst>
-                                            <p:cond delay="0"/>
-                                          </p:stCondLst>
-                                        </p:cTn>
-                                        <p:tgtEl>
-                                          <p:spTgt spid="3">
-                                            <p:txEl>
-                                              <p:pRg st="3" end="3"/>
-                                            </p:txEl>
-                                          </p:spTgt>
-                                        </p:tgtEl>
-                                        <p:attrNameLst>
-                                          <p:attrName>style.visibility</p:attrName>
-                                        </p:attrNameLst>
-                                      </p:cBhvr>
-                                      <p:to>
-                                        <p:strVal val="visible"/>
-                                      </p:to>
-                                    </p:set>
-                                    <p:animEffect transition="in" filter="fade">
-                                      <p:cBhvr>
-                                        <p:cTn id="20" dur="500"/>
-                                        <p:tgtEl>
-                                          <p:spTgt spid="3">
-                                            <p:txEl>
-                                              <p:pRg st="3" end="3"/>
-                                            </p:txEl>
-                                          </p:spTgt>
-                                        </p:tgtEl>
-                                      </p:cBhvr>
-                                    </p:animEffect>
-                                  </p:childTnLst>
-                                </p:cTn>
-                              </p:par>
-                            </p:childTnLst>
-                          </p:cTn>
-                        </p:par>
-                      </p:childTnLst>
-                    </p:cTn>
-                  </p:par>
-                  <p:par>
-                    <p:cTn id="21" fill="hold">
-                      <p:stCondLst>
-                        <p:cond delay="indefinite"/>
-                      </p:stCondLst>
-                      <p:childTnLst>
-                        <p:par>
-                          <p:cTn id="22" fill="hold">
-                            <p:stCondLst>
-                              <p:cond delay="0"/>
-                            </p:stCondLst>
-                            <p:childTnLst>
-                              <p:par>
-                                <p:cTn id="23" presetID="10" presetClass="entr" presetSubtype="0" fill="hold" grpId="0" nodeType="clickEffect">
-                                  <p:stCondLst>
-                                    <p:cond delay="0"/>
-                                  </p:stCondLst>
-                                  <p:childTnLst>
-                                    <p:set>
-                                      <p:cBhvr>
-                                        <p:cTn id="24" dur="1" fill="hold">
-                                          <p:stCondLst>
-                                            <p:cond delay="0"/>
-                                          </p:stCondLst>
-                                        </p:cTn>
-                                        <p:tgtEl>
-                                          <p:spTgt spid="3">
-                                            <p:txEl>
-                                              <p:pRg st="4" end="4"/>
-                                            </p:txEl>
-                                          </p:spTgt>
-                                        </p:tgtEl>
-                                        <p:attrNameLst>
-                                          <p:attrName>style.visibility</p:attrName>
-                                        </p:attrNameLst>
-                                      </p:cBhvr>
-                                      <p:to>
-                                        <p:strVal val="visible"/>
-                                      </p:to>
-                                    </p:set>
-                                    <p:animEffect transition="in" filter="fade">
-                                      <p:cBhvr>
-                                        <p:cTn id="25" dur="500"/>
-                                        <p:tgtEl>
-                                          <p:spTgt spid="3">
-                                            <p:txEl>
-                                              <p:pRg st="4" end="4"/>
-                                            </p:txEl>
-                                          </p:spTgt>
-                                        </p:tgtEl>
-                                      </p:cBhvr>
-                                    </p:animEffect>
-                                  </p:childTnLst>
-                                </p:cTn>
-                              </p:par>
-                              <p:par>
-                                <p:cTn id="26" presetID="10" presetClass="entr" presetSubtype="0" fill="hold" grpId="0" nodeType="withEffect">
-                                  <p:stCondLst>
-                                    <p:cond delay="0"/>
-                                  </p:stCondLst>
-                                  <p:childTnLst>
-                                    <p:set>
-                                      <p:cBhvr>
-                                        <p:cTn id="27" dur="1" fill="hold">
-                                          <p:stCondLst>
-                                            <p:cond delay="0"/>
-                                          </p:stCondLst>
-                                        </p:cTn>
-                                        <p:tgtEl>
-                                          <p:spTgt spid="3">
-                                            <p:txEl>
-                                              <p:pRg st="5" end="5"/>
-                                            </p:txEl>
-                                          </p:spTgt>
-                                        </p:tgtEl>
-                                        <p:attrNameLst>
-                                          <p:attrName>style.visibility</p:attrName>
-                                        </p:attrNameLst>
-                                      </p:cBhvr>
-                                      <p:to>
-                                        <p:strVal val="visible"/>
-                                      </p:to>
-                                    </p:set>
-                                    <p:animEffect transition="in" filter="fade">
-                                      <p:cBhvr>
-                                        <p:cTn id="28" dur="500"/>
-                                        <p:tgtEl>
-                                          <p:spTgt spid="3">
-                                            <p:txEl>
-                                              <p:pRg st="5" end="5"/>
-                                            </p:txEl>
-                                          </p:spTgt>
-                                        </p:tgtEl>
-                                      </p:cBhvr>
-                                    </p:animEffect>
-                                  </p:childTnLst>
-                                </p:cTn>
-                              </p:par>
-                              <p:par>
-                                <p:cTn id="29" presetID="10" presetClass="entr" presetSubtype="0" fill="hold" grpId="0" nodeType="withEffect">
-                                  <p:stCondLst>
-                                    <p:cond delay="0"/>
-                                  </p:stCondLst>
-                                  <p:childTnLst>
-                                    <p:set>
-                                      <p:cBhvr>
-                                        <p:cTn id="30" dur="1" fill="hold">
-                                          <p:stCondLst>
-                                            <p:cond delay="0"/>
-                                          </p:stCondLst>
-                                        </p:cTn>
-                                        <p:tgtEl>
-                                          <p:spTgt spid="3">
-                                            <p:txEl>
-                                              <p:pRg st="6" end="6"/>
-                                            </p:txEl>
-                                          </p:spTgt>
-                                        </p:tgtEl>
-                                        <p:attrNameLst>
-                                          <p:attrName>style.visibility</p:attrName>
-                                        </p:attrNameLst>
-                                      </p:cBhvr>
-                                      <p:to>
-                                        <p:strVal val="visible"/>
-                                      </p:to>
-                                    </p:set>
-                                    <p:animEffect transition="in" filter="fade">
-                                      <p:cBhvr>
-                                        <p:cTn id="31" dur="500"/>
-                                        <p:tgtEl>
-                                          <p:spTgt spid="3">
-                                            <p:txEl>
-                                              <p:pRg st="6" end="6"/>
-                                            </p:txEl>
-                                          </p:spTgt>
-                                        </p:tgtEl>
-                                      </p:cBhvr>
-                                    </p:animEffect>
-                                  </p:childTnLst>
-                                </p:cTn>
-                              </p:par>
-                            </p:childTnLst>
-                          </p:cTn>
-                        </p:par>
-                      </p:childTnLst>
-                    </p:cTn>
-                  </p:par>
-                </p:childTnLst>
-              </p:cTn>
-              <p:prevCondLst>
-                <p:cond evt="onPrev" delay="0">
-                  <p:tgtEl>
-                    <p:sldTgt/>
-                  </p:tgtEl>
-                </p:cond>
-              </p:prevCondLst>
-              <p:nextCondLst>
-                <p:cond evt="onNext" delay="0">
-                  <p:tgtEl>
-                    <p:sldTgt/>
-                  </p:tgtEl>
-                </p:cond>
-              </p:nextCondLst>
-            </p:seq>
-          </p:childTnLst>
-        </p:cTn>
-      </p:par>
-    </p:tnLst>
-    <p:bldLst>
-      <p:bldP spid="3" grpId="0" build="p"/>
-    </p:bldLst>
-  </p:timing>
-</p:sld>
-</file>
-
-<file path=ppt/slides/slide16.xml><?xml version="1.0" encoding="utf-8"?>
-<p:sld xmlns:a="http://schemas.openxmlformats.org/drawingml/2006/main" xmlns:r="http://schemas.openxmlformats.org/officeDocument/2006/relationships" xmlns:p="http://schemas.openxmlformats.org/presentationml/2006/main">
-  <p:cSld>
-    <p:spTree>
-      <p:nvGrpSpPr>
-        <p:cNvPr id="1" name=""/>
-        <p:cNvGrpSpPr/>
-        <p:nvPr/>
-      </p:nvGrpSpPr>
-      <p:grpSpPr>
-        <a:xfrm>
-          <a:off x="0" y="0"/>
-          <a:ext cx="0" cy="0"/>
-          <a:chOff x="0" y="0"/>
-          <a:chExt cx="0" cy="0"/>
-        </a:xfrm>
-      </p:grpSpPr>
-      <p:sp>
-        <p:nvSpPr>
-          <p:cNvPr id="4" name="Title 3"/>
-          <p:cNvSpPr>
-            <a:spLocks noGrp="1"/>
-          </p:cNvSpPr>
-          <p:nvPr>
-            <p:ph type="title"/>
-          </p:nvPr>
-        </p:nvSpPr>
-        <p:spPr/>
-        <p:txBody>
-          <a:bodyPr/>
-          <a:lstStyle/>
-          <a:p>
-            <a:r>
-              <a:rPr lang="en-US" dirty="0"/>
-              <a:t>Ensuring success with LUIS</a:t>
-            </a:r>
-          </a:p>
-        </p:txBody>
-      </p:sp>
-    </p:spTree>
-    <p:extLst>
-      <p:ext uri="{BB962C8B-B14F-4D97-AF65-F5344CB8AC3E}">
-        <p14:creationId xmlns:p14="http://schemas.microsoft.com/office/powerpoint/2010/main" val="181408220"/>
-      </p:ext>
-    </p:extLst>
-  </p:cSld>
-  <p:clrMapOvr>
-    <a:masterClrMapping/>
-  </p:clrMapOvr>
-  <mc:AlternateContent xmlns:mc="http://schemas.openxmlformats.org/markup-compatibility/2006" xmlns:p14="http://schemas.microsoft.com/office/powerpoint/2010/main">
-    <mc:Choice Requires="p14">
-      <p:transition spd="slow" p14:dur="3400">
-        <p14:reveal/>
-      </p:transition>
-    </mc:Choice>
-    <mc:Fallback xmlns="">
-      <p:transition spd="slow">
-        <p:fade/>
-      </p:transition>
-    </mc:Fallback>
-  </mc:AlternateContent>
-</p:sld>
-</file>
-
-<file path=ppt/slides/slide17.xml><?xml version="1.0" encoding="utf-8"?>
-<p:sld xmlns:a="http://schemas.openxmlformats.org/drawingml/2006/main" xmlns:r="http://schemas.openxmlformats.org/officeDocument/2006/relationships" xmlns:p="http://schemas.openxmlformats.org/presentationml/2006/main">
-  <p:cSld>
-    <p:spTree>
-      <p:nvGrpSpPr>
-        <p:cNvPr id="1" name=""/>
-        <p:cNvGrpSpPr/>
-        <p:nvPr/>
-      </p:nvGrpSpPr>
-      <p:grpSpPr>
-        <a:xfrm>
-          <a:off x="0" y="0"/>
-          <a:ext cx="0" cy="0"/>
-          <a:chOff x="0" y="0"/>
-          <a:chExt cx="0" cy="0"/>
-        </a:xfrm>
-      </p:grpSpPr>
-      <p:sp>
-        <p:nvSpPr>
-          <p:cNvPr id="4" name="Title 3"/>
-          <p:cNvSpPr>
-            <a:spLocks noGrp="1"/>
-          </p:cNvSpPr>
-          <p:nvPr>
-            <p:ph type="title"/>
-          </p:nvPr>
-        </p:nvSpPr>
-        <p:spPr>
-          <a:xfrm>
-            <a:off x="1493837" y="2506662"/>
-            <a:ext cx="9448800" cy="1066800"/>
-          </a:xfrm>
-        </p:spPr>
-        <p:txBody>
-          <a:bodyPr/>
-          <a:lstStyle/>
-          <a:p>
-            <a:r>
-              <a:rPr lang="en-US" dirty="0"/>
-              <a:t>But what about speech?</a:t>
-            </a:r>
-          </a:p>
-        </p:txBody>
-      </p:sp>
-    </p:spTree>
-    <p:extLst>
-      <p:ext uri="{BB962C8B-B14F-4D97-AF65-F5344CB8AC3E}">
-        <p14:creationId xmlns:p14="http://schemas.microsoft.com/office/powerpoint/2010/main" val="2077095043"/>
-      </p:ext>
-    </p:extLst>
-  </p:cSld>
-  <p:clrMapOvr>
-    <a:masterClrMapping/>
-  </p:clrMapOvr>
-  <p:transition>
-    <p:fade/>
-  </p:transition>
-</p:sld>
-</file>
-
-<file path=ppt/slides/slide18.xml><?xml version="1.0" encoding="utf-8"?>
-<p:sld xmlns:a="http://schemas.openxmlformats.org/drawingml/2006/main" xmlns:r="http://schemas.openxmlformats.org/officeDocument/2006/relationships" xmlns:p="http://schemas.openxmlformats.org/presentationml/2006/main">
-  <p:cSld>
-    <p:bg>
-      <p:bgPr>
-        <a:solidFill>
-          <a:srgbClr val="002060"/>
-        </a:solidFill>
-        <a:effectLst/>
-      </p:bgPr>
-    </p:bg>
-    <p:spTree>
-      <p:nvGrpSpPr>
-        <p:cNvPr id="1" name=""/>
-        <p:cNvGrpSpPr/>
-        <p:nvPr/>
-      </p:nvGrpSpPr>
-      <p:grpSpPr>
-        <a:xfrm>
-          <a:off x="0" y="0"/>
-          <a:ext cx="0" cy="0"/>
-          <a:chOff x="0" y="0"/>
-          <a:chExt cx="0" cy="0"/>
-        </a:xfrm>
-      </p:grpSpPr>
-      <p:sp>
-        <p:nvSpPr>
-          <p:cNvPr id="2" name="Title 1"/>
-          <p:cNvSpPr>
-            <a:spLocks noGrp="1"/>
-          </p:cNvSpPr>
-          <p:nvPr>
-            <p:ph type="title"/>
-          </p:nvPr>
-        </p:nvSpPr>
-        <p:spPr>
-          <a:xfrm>
-            <a:off x="274639" y="2740132"/>
-            <a:ext cx="4892040" cy="1514261"/>
-          </a:xfrm>
-        </p:spPr>
-        <p:txBody>
-          <a:bodyPr/>
-          <a:lstStyle/>
-          <a:p>
-            <a:r>
-              <a:rPr lang="en-US" dirty="0">
-                <a:solidFill>
-                  <a:schemeClr val="bg1"/>
-                </a:solidFill>
-              </a:rPr>
-              <a:t>Do you really need speech support?</a:t>
-            </a:r>
-          </a:p>
-        </p:txBody>
-      </p:sp>
-      <p:pic>
-        <p:nvPicPr>
-          <p:cNvPr id="4" name="Picture 3" descr="The Persecution and Assassination of Jonathan Chait as Performed by ..."/>
-          <p:cNvPicPr>
-            <a:picLocks noChangeAspect="1"/>
-          </p:cNvPicPr>
-          <p:nvPr/>
-        </p:nvPicPr>
-        <p:blipFill>
-          <a:blip r:embed="rId3">
-            <a:extLst>
-              <a:ext uri="{BEBA8EAE-BF5A-486C-A8C5-ECC9F3942E4B}">
-                <a14:imgProps xmlns:a14="http://schemas.microsoft.com/office/drawing/2010/main">
-                  <a14:imgLayer r:embed="rId4">
-                    <a14:imgEffect>
-                      <a14:artisticTexturizer/>
-                    </a14:imgEffect>
-                  </a14:imgLayer>
-                </a14:imgProps>
-              </a:ext>
-            </a:extLst>
-          </a:blip>
-          <a:stretch>
-            <a:fillRect/>
-          </a:stretch>
-        </p:blipFill>
-        <p:spPr>
-          <a:xfrm>
-            <a:off x="5380036" y="0"/>
-            <a:ext cx="9967993" cy="6994207"/>
-          </a:xfrm>
-          <a:prstGeom prst="rect">
-            <a:avLst/>
-          </a:prstGeom>
-        </p:spPr>
-      </p:pic>
-    </p:spTree>
-    <p:extLst>
-      <p:ext uri="{BB962C8B-B14F-4D97-AF65-F5344CB8AC3E}">
-        <p14:creationId xmlns:p14="http://schemas.microsoft.com/office/powerpoint/2010/main" val="3319564519"/>
-      </p:ext>
-    </p:extLst>
-  </p:cSld>
-  <p:clrMapOvr>
-    <a:masterClrMapping/>
-  </p:clrMapOvr>
-  <mc:AlternateContent xmlns:mc="http://schemas.openxmlformats.org/markup-compatibility/2006" xmlns:p14="http://schemas.microsoft.com/office/powerpoint/2010/main">
-    <mc:Choice Requires="p14">
-      <p:transition spd="med" p14:dur="700">
-        <p:fade/>
-      </p:transition>
-    </mc:Choice>
-    <mc:Fallback xmlns="">
-      <p:transition spd="med">
-        <p:fade/>
-      </p:transition>
-    </mc:Fallback>
-  </mc:AlternateContent>
-</p:sld>
-</file>
-
-<file path=ppt/slides/slide19.xml><?xml version="1.0" encoding="utf-8"?>
-<p:sld xmlns:a="http://schemas.openxmlformats.org/drawingml/2006/main" xmlns:r="http://schemas.openxmlformats.org/officeDocument/2006/relationships" xmlns:p="http://schemas.openxmlformats.org/presentationml/2006/main">
-  <p:cSld>
-    <p:spTree>
-      <p:nvGrpSpPr>
-        <p:cNvPr id="1" name=""/>
-        <p:cNvGrpSpPr/>
-        <p:nvPr/>
-      </p:nvGrpSpPr>
-      <p:grpSpPr>
-        <a:xfrm>
-          <a:off x="0" y="0"/>
-          <a:ext cx="0" cy="0"/>
-          <a:chOff x="0" y="0"/>
-          <a:chExt cx="0" cy="0"/>
-        </a:xfrm>
-      </p:grpSpPr>
-      <p:sp>
-        <p:nvSpPr>
-          <p:cNvPr id="3" name="Title 2"/>
-          <p:cNvSpPr>
-            <a:spLocks noGrp="1"/>
-          </p:cNvSpPr>
-          <p:nvPr>
-            <p:ph type="title"/>
-          </p:nvPr>
-        </p:nvSpPr>
-        <p:spPr/>
-        <p:txBody>
-          <a:bodyPr/>
-          <a:lstStyle/>
-          <a:p>
-            <a:r>
-              <a:rPr lang="en-US" dirty="0"/>
-              <a:t>Speech isn't good for all scenarios</a:t>
-            </a:r>
-          </a:p>
-        </p:txBody>
-      </p:sp>
-      <p:sp>
-        <p:nvSpPr>
-          <p:cNvPr id="4" name="Text Placeholder 3"/>
-          <p:cNvSpPr>
-            <a:spLocks noGrp="1"/>
-          </p:cNvSpPr>
-          <p:nvPr>
-            <p:ph type="body" sz="quarter" idx="10"/>
-          </p:nvPr>
-        </p:nvSpPr>
-        <p:spPr/>
-        <p:txBody>
-          <a:bodyPr/>
-          <a:lstStyle/>
-          <a:p>
-            <a:r>
-              <a:rPr lang="en-US" dirty="0"/>
-              <a:t>Audio quality</a:t>
-            </a:r>
-          </a:p>
-          <a:p>
-            <a:r>
-              <a:rPr lang="en-US" dirty="0"/>
-              <a:t>Location</a:t>
-            </a:r>
-          </a:p>
-          <a:p>
-            <a:r>
-              <a:rPr lang="en-US" dirty="0"/>
-              <a:t>User experience</a:t>
-            </a:r>
-          </a:p>
-        </p:txBody>
-      </p:sp>
-    </p:spTree>
-    <p:extLst>
-      <p:ext uri="{BB962C8B-B14F-4D97-AF65-F5344CB8AC3E}">
-        <p14:creationId xmlns:p14="http://schemas.microsoft.com/office/powerpoint/2010/main" val="1874504812"/>
-      </p:ext>
-    </p:extLst>
-  </p:cSld>
-  <p:clrMapOvr>
-    <a:masterClrMapping/>
-  </p:clrMapOvr>
-  <p:transition>
-    <p:fade/>
-  </p:transition>
 </p:sld>
 </file>
 
@@ -45635,6 +45334,876 @@
           <a:p>
             <a:r>
               <a:rPr lang="en-US" dirty="0"/>
+              <a:t>LUIS training best practices</a:t>
+            </a:r>
+          </a:p>
+        </p:txBody>
+      </p:sp>
+      <p:sp>
+        <p:nvSpPr>
+          <p:cNvPr id="3" name="Text Placeholder 2"/>
+          <p:cNvSpPr>
+            <a:spLocks noGrp="1"/>
+          </p:cNvSpPr>
+          <p:nvPr>
+            <p:ph type="body" sz="quarter" idx="10"/>
+          </p:nvPr>
+        </p:nvSpPr>
+        <p:spPr>
+          <a:xfrm>
+            <a:off x="365760" y="1371600"/>
+            <a:ext cx="11704320" cy="3028521"/>
+          </a:xfrm>
+        </p:spPr>
+        <p:txBody>
+          <a:bodyPr/>
+          <a:lstStyle/>
+          <a:p>
+            <a:r>
+              <a:rPr lang="en-US" dirty="0"/>
+              <a:t>More utterances the better</a:t>
+            </a:r>
+          </a:p>
+          <a:p>
+            <a:r>
+              <a:rPr lang="en-US" dirty="0"/>
+              <a:t>Treat it like a closed universe</a:t>
+            </a:r>
+          </a:p>
+          <a:p>
+            <a:pPr lvl="1"/>
+            <a:r>
+              <a:rPr lang="en-US" dirty="0"/>
+              <a:t>Don't use LUIS to allow the user to type anything</a:t>
+            </a:r>
+          </a:p>
+          <a:p>
+            <a:r>
+              <a:rPr lang="en-US" dirty="0"/>
+              <a:t>Train up the </a:t>
+            </a:r>
+            <a:r>
+              <a:rPr lang="en-US" b="1" dirty="0"/>
+              <a:t>none</a:t>
+            </a:r>
+            <a:r>
+              <a:rPr lang="en-US" dirty="0"/>
+              <a:t> intent</a:t>
+            </a:r>
+          </a:p>
+          <a:p>
+            <a:r>
+              <a:rPr lang="en-US" dirty="0"/>
+              <a:t>Use caution with Scorables and </a:t>
+            </a:r>
+            <a:r>
+              <a:rPr lang="en-US" dirty="0" err="1"/>
+              <a:t>triggerAction</a:t>
+            </a:r>
+            <a:endParaRPr lang="en-US" dirty="0"/>
+          </a:p>
+          <a:p>
+            <a:pPr lvl="1"/>
+            <a:r>
+              <a:rPr lang="en-US" dirty="0"/>
+              <a:t>LUIS can accidentally redirect the user</a:t>
+            </a:r>
+          </a:p>
+          <a:p>
+            <a:pPr lvl="1"/>
+            <a:r>
+              <a:rPr lang="en-US" dirty="0"/>
+              <a:t>All calls are sent to LUIS</a:t>
+            </a:r>
+          </a:p>
+        </p:txBody>
+      </p:sp>
+    </p:spTree>
+    <p:extLst>
+      <p:ext uri="{BB962C8B-B14F-4D97-AF65-F5344CB8AC3E}">
+        <p14:creationId xmlns:p14="http://schemas.microsoft.com/office/powerpoint/2010/main" val="2728529139"/>
+      </p:ext>
+    </p:extLst>
+  </p:cSld>
+  <p:clrMapOvr>
+    <a:masterClrMapping/>
+  </p:clrMapOvr>
+  <p:transition>
+    <p:fade/>
+  </p:transition>
+  <p:timing>
+    <p:tnLst>
+      <p:par>
+        <p:cTn id="1" dur="indefinite" restart="never" nodeType="tmRoot">
+          <p:childTnLst>
+            <p:seq concurrent="1" nextAc="seek">
+              <p:cTn id="2" dur="indefinite" nodeType="mainSeq">
+                <p:childTnLst>
+                  <p:par>
+                    <p:cTn id="3" fill="hold">
+                      <p:stCondLst>
+                        <p:cond delay="indefinite"/>
+                      </p:stCondLst>
+                      <p:childTnLst>
+                        <p:par>
+                          <p:cTn id="4" fill="hold">
+                            <p:stCondLst>
+                              <p:cond delay="0"/>
+                            </p:stCondLst>
+                            <p:childTnLst>
+                              <p:par>
+                                <p:cTn id="5" presetID="10" presetClass="entr" presetSubtype="0" fill="hold" grpId="0" nodeType="clickEffect">
+                                  <p:stCondLst>
+                                    <p:cond delay="0"/>
+                                  </p:stCondLst>
+                                  <p:childTnLst>
+                                    <p:set>
+                                      <p:cBhvr>
+                                        <p:cTn id="6" dur="1" fill="hold">
+                                          <p:stCondLst>
+                                            <p:cond delay="0"/>
+                                          </p:stCondLst>
+                                        </p:cTn>
+                                        <p:tgtEl>
+                                          <p:spTgt spid="3">
+                                            <p:txEl>
+                                              <p:pRg st="0" end="0"/>
+                                            </p:txEl>
+                                          </p:spTgt>
+                                        </p:tgtEl>
+                                        <p:attrNameLst>
+                                          <p:attrName>style.visibility</p:attrName>
+                                        </p:attrNameLst>
+                                      </p:cBhvr>
+                                      <p:to>
+                                        <p:strVal val="visible"/>
+                                      </p:to>
+                                    </p:set>
+                                    <p:animEffect transition="in" filter="fade">
+                                      <p:cBhvr>
+                                        <p:cTn id="7" dur="500"/>
+                                        <p:tgtEl>
+                                          <p:spTgt spid="3">
+                                            <p:txEl>
+                                              <p:pRg st="0" end="0"/>
+                                            </p:txEl>
+                                          </p:spTgt>
+                                        </p:tgtEl>
+                                      </p:cBhvr>
+                                    </p:animEffect>
+                                  </p:childTnLst>
+                                </p:cTn>
+                              </p:par>
+                            </p:childTnLst>
+                          </p:cTn>
+                        </p:par>
+                      </p:childTnLst>
+                    </p:cTn>
+                  </p:par>
+                  <p:par>
+                    <p:cTn id="8" fill="hold">
+                      <p:stCondLst>
+                        <p:cond delay="indefinite"/>
+                      </p:stCondLst>
+                      <p:childTnLst>
+                        <p:par>
+                          <p:cTn id="9" fill="hold">
+                            <p:stCondLst>
+                              <p:cond delay="0"/>
+                            </p:stCondLst>
+                            <p:childTnLst>
+                              <p:par>
+                                <p:cTn id="10" presetID="10" presetClass="entr" presetSubtype="0" fill="hold" grpId="0" nodeType="clickEffect">
+                                  <p:stCondLst>
+                                    <p:cond delay="0"/>
+                                  </p:stCondLst>
+                                  <p:childTnLst>
+                                    <p:set>
+                                      <p:cBhvr>
+                                        <p:cTn id="11" dur="1" fill="hold">
+                                          <p:stCondLst>
+                                            <p:cond delay="0"/>
+                                          </p:stCondLst>
+                                        </p:cTn>
+                                        <p:tgtEl>
+                                          <p:spTgt spid="3">
+                                            <p:txEl>
+                                              <p:pRg st="1" end="1"/>
+                                            </p:txEl>
+                                          </p:spTgt>
+                                        </p:tgtEl>
+                                        <p:attrNameLst>
+                                          <p:attrName>style.visibility</p:attrName>
+                                        </p:attrNameLst>
+                                      </p:cBhvr>
+                                      <p:to>
+                                        <p:strVal val="visible"/>
+                                      </p:to>
+                                    </p:set>
+                                    <p:animEffect transition="in" filter="fade">
+                                      <p:cBhvr>
+                                        <p:cTn id="12" dur="500"/>
+                                        <p:tgtEl>
+                                          <p:spTgt spid="3">
+                                            <p:txEl>
+                                              <p:pRg st="1" end="1"/>
+                                            </p:txEl>
+                                          </p:spTgt>
+                                        </p:tgtEl>
+                                      </p:cBhvr>
+                                    </p:animEffect>
+                                  </p:childTnLst>
+                                </p:cTn>
+                              </p:par>
+                              <p:par>
+                                <p:cTn id="13" presetID="10" presetClass="entr" presetSubtype="0" fill="hold" grpId="0" nodeType="withEffect">
+                                  <p:stCondLst>
+                                    <p:cond delay="0"/>
+                                  </p:stCondLst>
+                                  <p:childTnLst>
+                                    <p:set>
+                                      <p:cBhvr>
+                                        <p:cTn id="14" dur="1" fill="hold">
+                                          <p:stCondLst>
+                                            <p:cond delay="0"/>
+                                          </p:stCondLst>
+                                        </p:cTn>
+                                        <p:tgtEl>
+                                          <p:spTgt spid="3">
+                                            <p:txEl>
+                                              <p:pRg st="2" end="2"/>
+                                            </p:txEl>
+                                          </p:spTgt>
+                                        </p:tgtEl>
+                                        <p:attrNameLst>
+                                          <p:attrName>style.visibility</p:attrName>
+                                        </p:attrNameLst>
+                                      </p:cBhvr>
+                                      <p:to>
+                                        <p:strVal val="visible"/>
+                                      </p:to>
+                                    </p:set>
+                                    <p:animEffect transition="in" filter="fade">
+                                      <p:cBhvr>
+                                        <p:cTn id="15" dur="500"/>
+                                        <p:tgtEl>
+                                          <p:spTgt spid="3">
+                                            <p:txEl>
+                                              <p:pRg st="2" end="2"/>
+                                            </p:txEl>
+                                          </p:spTgt>
+                                        </p:tgtEl>
+                                      </p:cBhvr>
+                                    </p:animEffect>
+                                  </p:childTnLst>
+                                </p:cTn>
+                              </p:par>
+                            </p:childTnLst>
+                          </p:cTn>
+                        </p:par>
+                      </p:childTnLst>
+                    </p:cTn>
+                  </p:par>
+                  <p:par>
+                    <p:cTn id="16" fill="hold">
+                      <p:stCondLst>
+                        <p:cond delay="indefinite"/>
+                      </p:stCondLst>
+                      <p:childTnLst>
+                        <p:par>
+                          <p:cTn id="17" fill="hold">
+                            <p:stCondLst>
+                              <p:cond delay="0"/>
+                            </p:stCondLst>
+                            <p:childTnLst>
+                              <p:par>
+                                <p:cTn id="18" presetID="10" presetClass="entr" presetSubtype="0" fill="hold" grpId="0" nodeType="clickEffect">
+                                  <p:stCondLst>
+                                    <p:cond delay="0"/>
+                                  </p:stCondLst>
+                                  <p:childTnLst>
+                                    <p:set>
+                                      <p:cBhvr>
+                                        <p:cTn id="19" dur="1" fill="hold">
+                                          <p:stCondLst>
+                                            <p:cond delay="0"/>
+                                          </p:stCondLst>
+                                        </p:cTn>
+                                        <p:tgtEl>
+                                          <p:spTgt spid="3">
+                                            <p:txEl>
+                                              <p:pRg st="3" end="3"/>
+                                            </p:txEl>
+                                          </p:spTgt>
+                                        </p:tgtEl>
+                                        <p:attrNameLst>
+                                          <p:attrName>style.visibility</p:attrName>
+                                        </p:attrNameLst>
+                                      </p:cBhvr>
+                                      <p:to>
+                                        <p:strVal val="visible"/>
+                                      </p:to>
+                                    </p:set>
+                                    <p:animEffect transition="in" filter="fade">
+                                      <p:cBhvr>
+                                        <p:cTn id="20" dur="500"/>
+                                        <p:tgtEl>
+                                          <p:spTgt spid="3">
+                                            <p:txEl>
+                                              <p:pRg st="3" end="3"/>
+                                            </p:txEl>
+                                          </p:spTgt>
+                                        </p:tgtEl>
+                                      </p:cBhvr>
+                                    </p:animEffect>
+                                  </p:childTnLst>
+                                </p:cTn>
+                              </p:par>
+                            </p:childTnLst>
+                          </p:cTn>
+                        </p:par>
+                      </p:childTnLst>
+                    </p:cTn>
+                  </p:par>
+                  <p:par>
+                    <p:cTn id="21" fill="hold">
+                      <p:stCondLst>
+                        <p:cond delay="indefinite"/>
+                      </p:stCondLst>
+                      <p:childTnLst>
+                        <p:par>
+                          <p:cTn id="22" fill="hold">
+                            <p:stCondLst>
+                              <p:cond delay="0"/>
+                            </p:stCondLst>
+                            <p:childTnLst>
+                              <p:par>
+                                <p:cTn id="23" presetID="10" presetClass="entr" presetSubtype="0" fill="hold" grpId="0" nodeType="clickEffect">
+                                  <p:stCondLst>
+                                    <p:cond delay="0"/>
+                                  </p:stCondLst>
+                                  <p:childTnLst>
+                                    <p:set>
+                                      <p:cBhvr>
+                                        <p:cTn id="24" dur="1" fill="hold">
+                                          <p:stCondLst>
+                                            <p:cond delay="0"/>
+                                          </p:stCondLst>
+                                        </p:cTn>
+                                        <p:tgtEl>
+                                          <p:spTgt spid="3">
+                                            <p:txEl>
+                                              <p:pRg st="4" end="4"/>
+                                            </p:txEl>
+                                          </p:spTgt>
+                                        </p:tgtEl>
+                                        <p:attrNameLst>
+                                          <p:attrName>style.visibility</p:attrName>
+                                        </p:attrNameLst>
+                                      </p:cBhvr>
+                                      <p:to>
+                                        <p:strVal val="visible"/>
+                                      </p:to>
+                                    </p:set>
+                                    <p:animEffect transition="in" filter="fade">
+                                      <p:cBhvr>
+                                        <p:cTn id="25" dur="500"/>
+                                        <p:tgtEl>
+                                          <p:spTgt spid="3">
+                                            <p:txEl>
+                                              <p:pRg st="4" end="4"/>
+                                            </p:txEl>
+                                          </p:spTgt>
+                                        </p:tgtEl>
+                                      </p:cBhvr>
+                                    </p:animEffect>
+                                  </p:childTnLst>
+                                </p:cTn>
+                              </p:par>
+                              <p:par>
+                                <p:cTn id="26" presetID="10" presetClass="entr" presetSubtype="0" fill="hold" grpId="0" nodeType="withEffect">
+                                  <p:stCondLst>
+                                    <p:cond delay="0"/>
+                                  </p:stCondLst>
+                                  <p:childTnLst>
+                                    <p:set>
+                                      <p:cBhvr>
+                                        <p:cTn id="27" dur="1" fill="hold">
+                                          <p:stCondLst>
+                                            <p:cond delay="0"/>
+                                          </p:stCondLst>
+                                        </p:cTn>
+                                        <p:tgtEl>
+                                          <p:spTgt spid="3">
+                                            <p:txEl>
+                                              <p:pRg st="5" end="5"/>
+                                            </p:txEl>
+                                          </p:spTgt>
+                                        </p:tgtEl>
+                                        <p:attrNameLst>
+                                          <p:attrName>style.visibility</p:attrName>
+                                        </p:attrNameLst>
+                                      </p:cBhvr>
+                                      <p:to>
+                                        <p:strVal val="visible"/>
+                                      </p:to>
+                                    </p:set>
+                                    <p:animEffect transition="in" filter="fade">
+                                      <p:cBhvr>
+                                        <p:cTn id="28" dur="500"/>
+                                        <p:tgtEl>
+                                          <p:spTgt spid="3">
+                                            <p:txEl>
+                                              <p:pRg st="5" end="5"/>
+                                            </p:txEl>
+                                          </p:spTgt>
+                                        </p:tgtEl>
+                                      </p:cBhvr>
+                                    </p:animEffect>
+                                  </p:childTnLst>
+                                </p:cTn>
+                              </p:par>
+                              <p:par>
+                                <p:cTn id="29" presetID="10" presetClass="entr" presetSubtype="0" fill="hold" grpId="0" nodeType="withEffect">
+                                  <p:stCondLst>
+                                    <p:cond delay="0"/>
+                                  </p:stCondLst>
+                                  <p:childTnLst>
+                                    <p:set>
+                                      <p:cBhvr>
+                                        <p:cTn id="30" dur="1" fill="hold">
+                                          <p:stCondLst>
+                                            <p:cond delay="0"/>
+                                          </p:stCondLst>
+                                        </p:cTn>
+                                        <p:tgtEl>
+                                          <p:spTgt spid="3">
+                                            <p:txEl>
+                                              <p:pRg st="6" end="6"/>
+                                            </p:txEl>
+                                          </p:spTgt>
+                                        </p:tgtEl>
+                                        <p:attrNameLst>
+                                          <p:attrName>style.visibility</p:attrName>
+                                        </p:attrNameLst>
+                                      </p:cBhvr>
+                                      <p:to>
+                                        <p:strVal val="visible"/>
+                                      </p:to>
+                                    </p:set>
+                                    <p:animEffect transition="in" filter="fade">
+                                      <p:cBhvr>
+                                        <p:cTn id="31" dur="500"/>
+                                        <p:tgtEl>
+                                          <p:spTgt spid="3">
+                                            <p:txEl>
+                                              <p:pRg st="6" end="6"/>
+                                            </p:txEl>
+                                          </p:spTgt>
+                                        </p:tgtEl>
+                                      </p:cBhvr>
+                                    </p:animEffect>
+                                  </p:childTnLst>
+                                </p:cTn>
+                              </p:par>
+                            </p:childTnLst>
+                          </p:cTn>
+                        </p:par>
+                      </p:childTnLst>
+                    </p:cTn>
+                  </p:par>
+                </p:childTnLst>
+              </p:cTn>
+              <p:prevCondLst>
+                <p:cond evt="onPrev" delay="0">
+                  <p:tgtEl>
+                    <p:sldTgt/>
+                  </p:tgtEl>
+                </p:cond>
+              </p:prevCondLst>
+              <p:nextCondLst>
+                <p:cond evt="onNext" delay="0">
+                  <p:tgtEl>
+                    <p:sldTgt/>
+                  </p:tgtEl>
+                </p:cond>
+              </p:nextCondLst>
+            </p:seq>
+          </p:childTnLst>
+        </p:cTn>
+      </p:par>
+    </p:tnLst>
+    <p:bldLst>
+      <p:bldP spid="3" grpId="0" build="p"/>
+    </p:bldLst>
+  </p:timing>
+</p:sld>
+</file>
+
+<file path=ppt/slides/slide21.xml><?xml version="1.0" encoding="utf-8"?>
+<p:sld xmlns:a="http://schemas.openxmlformats.org/drawingml/2006/main" xmlns:r="http://schemas.openxmlformats.org/officeDocument/2006/relationships" xmlns:p="http://schemas.openxmlformats.org/presentationml/2006/main">
+  <p:cSld>
+    <p:spTree>
+      <p:nvGrpSpPr>
+        <p:cNvPr id="1" name=""/>
+        <p:cNvGrpSpPr/>
+        <p:nvPr/>
+      </p:nvGrpSpPr>
+      <p:grpSpPr>
+        <a:xfrm>
+          <a:off x="0" y="0"/>
+          <a:ext cx="0" cy="0"/>
+          <a:chOff x="0" y="0"/>
+          <a:chExt cx="0" cy="0"/>
+        </a:xfrm>
+      </p:grpSpPr>
+      <p:sp>
+        <p:nvSpPr>
+          <p:cNvPr id="4" name="Title 3"/>
+          <p:cNvSpPr>
+            <a:spLocks noGrp="1"/>
+          </p:cNvSpPr>
+          <p:nvPr>
+            <p:ph type="title"/>
+          </p:nvPr>
+        </p:nvSpPr>
+        <p:spPr/>
+        <p:txBody>
+          <a:bodyPr/>
+          <a:lstStyle/>
+          <a:p>
+            <a:r>
+              <a:rPr lang="en-US" dirty="0"/>
+              <a:t>Ensuring success with LUIS</a:t>
+            </a:r>
+          </a:p>
+        </p:txBody>
+      </p:sp>
+    </p:spTree>
+    <p:extLst>
+      <p:ext uri="{BB962C8B-B14F-4D97-AF65-F5344CB8AC3E}">
+        <p14:creationId xmlns:p14="http://schemas.microsoft.com/office/powerpoint/2010/main" val="181408220"/>
+      </p:ext>
+    </p:extLst>
+  </p:cSld>
+  <p:clrMapOvr>
+    <a:masterClrMapping/>
+  </p:clrMapOvr>
+  <mc:AlternateContent xmlns:mc="http://schemas.openxmlformats.org/markup-compatibility/2006" xmlns:p14="http://schemas.microsoft.com/office/powerpoint/2010/main">
+    <mc:Choice Requires="p14">
+      <p:transition spd="slow" p14:dur="3400">
+        <p14:reveal/>
+      </p:transition>
+    </mc:Choice>
+    <mc:Fallback xmlns="">
+      <p:transition spd="slow">
+        <p:fade/>
+      </p:transition>
+    </mc:Fallback>
+  </mc:AlternateContent>
+</p:sld>
+</file>
+
+<file path=ppt/slides/slide22.xml><?xml version="1.0" encoding="utf-8"?>
+<p:sld xmlns:a="http://schemas.openxmlformats.org/drawingml/2006/main" xmlns:r="http://schemas.openxmlformats.org/officeDocument/2006/relationships" xmlns:p="http://schemas.openxmlformats.org/presentationml/2006/main">
+  <p:cSld>
+    <p:spTree>
+      <p:nvGrpSpPr>
+        <p:cNvPr id="1" name=""/>
+        <p:cNvGrpSpPr/>
+        <p:nvPr/>
+      </p:nvGrpSpPr>
+      <p:grpSpPr>
+        <a:xfrm>
+          <a:off x="0" y="0"/>
+          <a:ext cx="0" cy="0"/>
+          <a:chOff x="0" y="0"/>
+          <a:chExt cx="0" cy="0"/>
+        </a:xfrm>
+      </p:grpSpPr>
+      <p:sp>
+        <p:nvSpPr>
+          <p:cNvPr id="4" name="Title 3"/>
+          <p:cNvSpPr>
+            <a:spLocks noGrp="1"/>
+          </p:cNvSpPr>
+          <p:nvPr>
+            <p:ph type="title"/>
+          </p:nvPr>
+        </p:nvSpPr>
+        <p:spPr>
+          <a:xfrm>
+            <a:off x="1493837" y="2506662"/>
+            <a:ext cx="9448800" cy="1066800"/>
+          </a:xfrm>
+        </p:spPr>
+        <p:txBody>
+          <a:bodyPr/>
+          <a:lstStyle/>
+          <a:p>
+            <a:r>
+              <a:rPr lang="en-US" dirty="0"/>
+              <a:t>But what about speech?</a:t>
+            </a:r>
+          </a:p>
+        </p:txBody>
+      </p:sp>
+    </p:spTree>
+    <p:extLst>
+      <p:ext uri="{BB962C8B-B14F-4D97-AF65-F5344CB8AC3E}">
+        <p14:creationId xmlns:p14="http://schemas.microsoft.com/office/powerpoint/2010/main" val="2077095043"/>
+      </p:ext>
+    </p:extLst>
+  </p:cSld>
+  <p:clrMapOvr>
+    <a:masterClrMapping/>
+  </p:clrMapOvr>
+  <p:transition>
+    <p:fade/>
+  </p:transition>
+</p:sld>
+</file>
+
+<file path=ppt/slides/slide23.xml><?xml version="1.0" encoding="utf-8"?>
+<p:sld xmlns:a="http://schemas.openxmlformats.org/drawingml/2006/main" xmlns:r="http://schemas.openxmlformats.org/officeDocument/2006/relationships" xmlns:p="http://schemas.openxmlformats.org/presentationml/2006/main">
+  <p:cSld>
+    <p:bg>
+      <p:bgPr>
+        <a:solidFill>
+          <a:srgbClr val="002060"/>
+        </a:solidFill>
+        <a:effectLst/>
+      </p:bgPr>
+    </p:bg>
+    <p:spTree>
+      <p:nvGrpSpPr>
+        <p:cNvPr id="1" name=""/>
+        <p:cNvGrpSpPr/>
+        <p:nvPr/>
+      </p:nvGrpSpPr>
+      <p:grpSpPr>
+        <a:xfrm>
+          <a:off x="0" y="0"/>
+          <a:ext cx="0" cy="0"/>
+          <a:chOff x="0" y="0"/>
+          <a:chExt cx="0" cy="0"/>
+        </a:xfrm>
+      </p:grpSpPr>
+      <p:sp>
+        <p:nvSpPr>
+          <p:cNvPr id="2" name="Title 1"/>
+          <p:cNvSpPr>
+            <a:spLocks noGrp="1"/>
+          </p:cNvSpPr>
+          <p:nvPr>
+            <p:ph type="title"/>
+          </p:nvPr>
+        </p:nvSpPr>
+        <p:spPr>
+          <a:xfrm>
+            <a:off x="274639" y="2740132"/>
+            <a:ext cx="4892040" cy="1514261"/>
+          </a:xfrm>
+        </p:spPr>
+        <p:txBody>
+          <a:bodyPr/>
+          <a:lstStyle/>
+          <a:p>
+            <a:r>
+              <a:rPr lang="en-US" dirty="0">
+                <a:solidFill>
+                  <a:schemeClr val="bg1"/>
+                </a:solidFill>
+              </a:rPr>
+              <a:t>Do you really need speech support?</a:t>
+            </a:r>
+          </a:p>
+        </p:txBody>
+      </p:sp>
+      <p:pic>
+        <p:nvPicPr>
+          <p:cNvPr id="4" name="Picture 3" descr="The Persecution and Assassination of Jonathan Chait as Performed by ..."/>
+          <p:cNvPicPr>
+            <a:picLocks noChangeAspect="1"/>
+          </p:cNvPicPr>
+          <p:nvPr/>
+        </p:nvPicPr>
+        <p:blipFill>
+          <a:blip r:embed="rId3">
+            <a:extLst>
+              <a:ext uri="{BEBA8EAE-BF5A-486C-A8C5-ECC9F3942E4B}">
+                <a14:imgProps xmlns:a14="http://schemas.microsoft.com/office/drawing/2010/main">
+                  <a14:imgLayer r:embed="rId4">
+                    <a14:imgEffect>
+                      <a14:artisticTexturizer/>
+                    </a14:imgEffect>
+                  </a14:imgLayer>
+                </a14:imgProps>
+              </a:ext>
+            </a:extLst>
+          </a:blip>
+          <a:stretch>
+            <a:fillRect/>
+          </a:stretch>
+        </p:blipFill>
+        <p:spPr>
+          <a:xfrm>
+            <a:off x="5380036" y="0"/>
+            <a:ext cx="9967993" cy="6994207"/>
+          </a:xfrm>
+          <a:prstGeom prst="rect">
+            <a:avLst/>
+          </a:prstGeom>
+        </p:spPr>
+      </p:pic>
+    </p:spTree>
+    <p:extLst>
+      <p:ext uri="{BB962C8B-B14F-4D97-AF65-F5344CB8AC3E}">
+        <p14:creationId xmlns:p14="http://schemas.microsoft.com/office/powerpoint/2010/main" val="3319564519"/>
+      </p:ext>
+    </p:extLst>
+  </p:cSld>
+  <p:clrMapOvr>
+    <a:masterClrMapping/>
+  </p:clrMapOvr>
+  <mc:AlternateContent xmlns:mc="http://schemas.openxmlformats.org/markup-compatibility/2006" xmlns:p14="http://schemas.microsoft.com/office/powerpoint/2010/main">
+    <mc:Choice Requires="p14">
+      <p:transition spd="med" p14:dur="700">
+        <p:fade/>
+      </p:transition>
+    </mc:Choice>
+    <mc:Fallback xmlns="">
+      <p:transition spd="med">
+        <p:fade/>
+      </p:transition>
+    </mc:Fallback>
+  </mc:AlternateContent>
+</p:sld>
+</file>
+
+<file path=ppt/slides/slide24.xml><?xml version="1.0" encoding="utf-8"?>
+<p:sld xmlns:a="http://schemas.openxmlformats.org/drawingml/2006/main" xmlns:r="http://schemas.openxmlformats.org/officeDocument/2006/relationships" xmlns:p="http://schemas.openxmlformats.org/presentationml/2006/main">
+  <p:cSld>
+    <p:spTree>
+      <p:nvGrpSpPr>
+        <p:cNvPr id="1" name=""/>
+        <p:cNvGrpSpPr/>
+        <p:nvPr/>
+      </p:nvGrpSpPr>
+      <p:grpSpPr>
+        <a:xfrm>
+          <a:off x="0" y="0"/>
+          <a:ext cx="0" cy="0"/>
+          <a:chOff x="0" y="0"/>
+          <a:chExt cx="0" cy="0"/>
+        </a:xfrm>
+      </p:grpSpPr>
+      <p:sp>
+        <p:nvSpPr>
+          <p:cNvPr id="3" name="Title 2"/>
+          <p:cNvSpPr>
+            <a:spLocks noGrp="1"/>
+          </p:cNvSpPr>
+          <p:nvPr>
+            <p:ph type="title"/>
+          </p:nvPr>
+        </p:nvSpPr>
+        <p:spPr/>
+        <p:txBody>
+          <a:bodyPr/>
+          <a:lstStyle/>
+          <a:p>
+            <a:r>
+              <a:rPr lang="en-US" dirty="0"/>
+              <a:t>Speech isn't good for all scenarios</a:t>
+            </a:r>
+          </a:p>
+        </p:txBody>
+      </p:sp>
+      <p:sp>
+        <p:nvSpPr>
+          <p:cNvPr id="4" name="Text Placeholder 3"/>
+          <p:cNvSpPr>
+            <a:spLocks noGrp="1"/>
+          </p:cNvSpPr>
+          <p:nvPr>
+            <p:ph type="body" sz="quarter" idx="10"/>
+          </p:nvPr>
+        </p:nvSpPr>
+        <p:spPr/>
+        <p:txBody>
+          <a:bodyPr/>
+          <a:lstStyle/>
+          <a:p>
+            <a:r>
+              <a:rPr lang="en-US" dirty="0"/>
+              <a:t>Audio quality</a:t>
+            </a:r>
+          </a:p>
+          <a:p>
+            <a:r>
+              <a:rPr lang="en-US" dirty="0"/>
+              <a:t>Location</a:t>
+            </a:r>
+          </a:p>
+          <a:p>
+            <a:r>
+              <a:rPr lang="en-US" dirty="0"/>
+              <a:t>User experience</a:t>
+            </a:r>
+          </a:p>
+        </p:txBody>
+      </p:sp>
+    </p:spTree>
+    <p:extLst>
+      <p:ext uri="{BB962C8B-B14F-4D97-AF65-F5344CB8AC3E}">
+        <p14:creationId xmlns:p14="http://schemas.microsoft.com/office/powerpoint/2010/main" val="1874504812"/>
+      </p:ext>
+    </p:extLst>
+  </p:cSld>
+  <p:clrMapOvr>
+    <a:masterClrMapping/>
+  </p:clrMapOvr>
+  <p:transition>
+    <p:fade/>
+  </p:transition>
+</p:sld>
+</file>
+
+<file path=ppt/slides/slide25.xml><?xml version="1.0" encoding="utf-8"?>
+<p:sld xmlns:a="http://schemas.openxmlformats.org/drawingml/2006/main" xmlns:r="http://schemas.openxmlformats.org/officeDocument/2006/relationships" xmlns:p="http://schemas.openxmlformats.org/presentationml/2006/main">
+  <p:cSld>
+    <p:spTree>
+      <p:nvGrpSpPr>
+        <p:cNvPr id="1" name=""/>
+        <p:cNvGrpSpPr/>
+        <p:nvPr/>
+      </p:nvGrpSpPr>
+      <p:grpSpPr>
+        <a:xfrm>
+          <a:off x="0" y="0"/>
+          <a:ext cx="0" cy="0"/>
+          <a:chOff x="0" y="0"/>
+          <a:chExt cx="0" cy="0"/>
+        </a:xfrm>
+      </p:grpSpPr>
+      <p:sp>
+        <p:nvSpPr>
+          <p:cNvPr id="2" name="Title 1"/>
+          <p:cNvSpPr>
+            <a:spLocks noGrp="1"/>
+          </p:cNvSpPr>
+          <p:nvPr>
+            <p:ph type="title"/>
+          </p:nvPr>
+        </p:nvSpPr>
+        <p:spPr/>
+        <p:txBody>
+          <a:bodyPr/>
+          <a:lstStyle/>
+          <a:p>
+            <a:r>
+              <a:rPr lang="en-US" dirty="0"/>
               <a:t>Bing Speech</a:t>
             </a:r>
           </a:p>
@@ -45787,7 +46356,7 @@
 </p:sld>
 </file>
 
-<file path=ppt/slides/slide21.xml><?xml version="1.0" encoding="utf-8"?>
+<file path=ppt/slides/slide26.xml><?xml version="1.0" encoding="utf-8"?>
 <p:sld xmlns:a="http://schemas.openxmlformats.org/drawingml/2006/main" xmlns:r="http://schemas.openxmlformats.org/officeDocument/2006/relationships" xmlns:p="http://schemas.openxmlformats.org/presentationml/2006/main">
   <p:cSld>
     <p:spTree>
@@ -45876,7 +46445,7 @@
 </p:sld>
 </file>
 
-<file path=ppt/slides/slide22.xml><?xml version="1.0" encoding="utf-8"?>
+<file path=ppt/slides/slide27.xml><?xml version="1.0" encoding="utf-8"?>
 <p:sld xmlns:a="http://schemas.openxmlformats.org/drawingml/2006/main" xmlns:r="http://schemas.openxmlformats.org/officeDocument/2006/relationships" xmlns:p="http://schemas.openxmlformats.org/presentationml/2006/main">
   <p:cSld>
     <p:spTree>
@@ -45958,7 +46527,7 @@
 </p:sld>
 </file>
 
-<file path=ppt/slides/slide23.xml><?xml version="1.0" encoding="utf-8"?>
+<file path=ppt/slides/slide28.xml><?xml version="1.0" encoding="utf-8"?>
 <p:sld xmlns:a="http://schemas.openxmlformats.org/drawingml/2006/main" xmlns:r="http://schemas.openxmlformats.org/officeDocument/2006/relationships" xmlns:p="http://schemas.openxmlformats.org/presentationml/2006/main">
   <p:cSld>
     <p:spTree>
@@ -46054,7 +46623,7 @@
 </p:sld>
 </file>
 
-<file path=ppt/slides/slide24.xml><?xml version="1.0" encoding="utf-8"?>
+<file path=ppt/slides/slide29.xml><?xml version="1.0" encoding="utf-8"?>
 <p:sld xmlns:a="http://schemas.openxmlformats.org/drawingml/2006/main" xmlns:r="http://schemas.openxmlformats.org/officeDocument/2006/relationships" xmlns:p="http://schemas.openxmlformats.org/presentationml/2006/main">
   <p:cSld>
     <p:spTree>
@@ -49920,14 +50489,17 @@
 
 <file path=customXml/item1.xml><?xml version="1.0" encoding="utf-8"?>
 <Control xmlns="http://schemas.microsoft.com/VisualStudio/2011/storyboarding/control">
-  <Id Name="a2191c86-fc50-4add-948c-129f6b5a88d8" Revision="1" Stencil="7276b9ef-3953-4dce-a89b-ed85f20b8b93" StencilVersion="1.0"/>
+  <Id Name="fb22c541-ded0-47fa-8877-83a4c2d16227" Revision="1" Stencil="7276b9ef-3953-4dce-a89b-ed85f20b8b93" StencilVersion="1.0"/>
 </Control>
 </file>
 
 <file path=customXml/item10.xml><?xml version="1.0" encoding="utf-8"?>
-<Control xmlns="http://schemas.microsoft.com/VisualStudio/2011/storyboarding/control">
-  <Id Name="d69996e1-3d61-4686-9b63-f1b855c596ab" Revision="1" Stencil="7276b9ef-3953-4dce-a89b-ed85f20b8b93" StencilVersion="1.0"/>
-</Control>
+<?mso-contentType ?>
+<FormTemplates xmlns="http://schemas.microsoft.com/sharepoint/v3/contenttype/forms">
+  <Display>DocumentLibraryForm</Display>
+  <Edit>DocumentLibraryForm</Edit>
+  <New>DocumentLibraryForm</New>
+</FormTemplates>
 </file>
 
 <file path=customXml/item11.xml><?xml version="1.0" encoding="utf-8"?>
@@ -49938,37 +50510,19 @@
 
 <file path=customXml/item12.xml><?xml version="1.0" encoding="utf-8"?>
 <Control xmlns="http://schemas.microsoft.com/VisualStudio/2011/storyboarding/control">
-  <Id Name="a2191c86-fc50-4add-948c-129f6b5a88d8" Revision="1" Stencil="7276b9ef-3953-4dce-a89b-ed85f20b8b93" StencilVersion="1.0"/>
+  <Id Name="d69996e1-3d61-4686-9b63-f1b855c596ab" Revision="1" Stencil="7276b9ef-3953-4dce-a89b-ed85f20b8b93" StencilVersion="1.0"/>
 </Control>
 </file>
 
 <file path=customXml/item13.xml><?xml version="1.0" encoding="utf-8"?>
-<p:properties xmlns:p="http://schemas.microsoft.com/office/2006/metadata/properties" xmlns:xsi="http://www.w3.org/2001/XMLSchema-instance" xmlns:pc="http://schemas.microsoft.com/office/infopath/2007/PartnerControls">
-  <documentManagement>
-    <SharedWithUsers xmlns="83cd2334-221a-48c3-9034-bfd1542dfe28">
-      <UserInfo>
-        <DisplayName>Gilad Turbahn</DisplayName>
-        <AccountId>511</AccountId>
-        <AccountType/>
-      </UserInfo>
-      <UserInfo>
-        <DisplayName>Keith Boyd</DisplayName>
-        <AccountId>993</AccountId>
-        <AccountType/>
-      </UserInfo>
-      <UserInfo>
-        <DisplayName>Christopher Harrison</DisplayName>
-        <AccountId>1176</AccountId>
-        <AccountType/>
-      </UserInfo>
-    </SharedWithUsers>
-  </documentManagement>
-</p:properties>
+<Control xmlns="http://schemas.microsoft.com/VisualStudio/2011/storyboarding/control">
+  <Id Name="369f9055-6b6c-48b9-9320-5df2d46c430a" Revision="1" Stencil="7276b9ef-3953-4dce-a89b-ed85f20b8b93" StencilVersion="1.0"/>
+</Control>
 </file>
 
 <file path=customXml/item14.xml><?xml version="1.0" encoding="utf-8"?>
 <Control xmlns="http://schemas.microsoft.com/VisualStudio/2011/storyboarding/control">
-  <Id Name="a53d73d2-368b-429e-b817-1324eec1382c" Revision="1" Stencil="7276b9ef-3953-4dce-a89b-ed85f20b8b93" StencilVersion="1.0"/>
+  <Id Name="fb22c541-ded0-47fa-8877-83a4c2d16227" Revision="1" Stencil="7276b9ef-3953-4dce-a89b-ed85f20b8b93" StencilVersion="1.0"/>
 </Control>
 </file>
 
@@ -49980,7 +50534,7 @@
 
 <file path=customXml/item16.xml><?xml version="1.0" encoding="utf-8"?>
 <Control xmlns="http://schemas.microsoft.com/VisualStudio/2011/storyboarding/control">
-  <Id Name="fb22c541-ded0-47fa-8877-83a4c2d16227" Revision="1" Stencil="7276b9ef-3953-4dce-a89b-ed85f20b8b93" StencilVersion="1.0"/>
+  <Id Name="a53d73d2-368b-429e-b817-1324eec1382c" Revision="1" Stencil="7276b9ef-3953-4dce-a89b-ed85f20b8b93" StencilVersion="1.0"/>
 </Control>
 </file>
 
@@ -49992,7 +50546,7 @@
 
 <file path=customXml/item18.xml><?xml version="1.0" encoding="utf-8"?>
 <Control xmlns="http://schemas.microsoft.com/VisualStudio/2011/storyboarding/control">
-  <Id Name="fb22c541-ded0-47fa-8877-83a4c2d16227" Revision="1" Stencil="7276b9ef-3953-4dce-a89b-ed85f20b8b93" StencilVersion="1.0"/>
+  <Id Name="d69996e1-3d61-4686-9b63-f1b855c596ab" Revision="1" Stencil="7276b9ef-3953-4dce-a89b-ed85f20b8b93" StencilVersion="1.0"/>
 </Control>
 </file>
 
@@ -50004,7 +50558,7 @@
 
 <file path=customXml/item2.xml><?xml version="1.0" encoding="utf-8"?>
 <Control xmlns="http://schemas.microsoft.com/VisualStudio/2011/storyboarding/control">
-  <Id Name="fb22c541-ded0-47fa-8877-83a4c2d16227" Revision="1" Stencil="7276b9ef-3953-4dce-a89b-ed85f20b8b93" StencilVersion="1.0"/>
+  <Id Name="a53d73d2-368b-429e-b817-1324eec1382c" Revision="1" Stencil="7276b9ef-3953-4dce-a89b-ed85f20b8b93" StencilVersion="1.0"/>
 </Control>
 </file>
 
@@ -50016,13 +50570,13 @@
 
 <file path=customXml/item21.xml><?xml version="1.0" encoding="utf-8"?>
 <Control xmlns="http://schemas.microsoft.com/VisualStudio/2011/storyboarding/control">
-  <Id Name="a2191c86-fc50-4add-948c-129f6b5a88d8" Revision="1" Stencil="7276b9ef-3953-4dce-a89b-ed85f20b8b93" StencilVersion="1.0"/>
+  <Id Name="a53d73d2-368b-429e-b817-1324eec1382c" Revision="1" Stencil="7276b9ef-3953-4dce-a89b-ed85f20b8b93" StencilVersion="1.0"/>
 </Control>
 </file>
 
 <file path=customXml/item22.xml><?xml version="1.0" encoding="utf-8"?>
 <Control xmlns="http://schemas.microsoft.com/VisualStudio/2011/storyboarding/control">
-  <Id Name="a53d73d2-368b-429e-b817-1324eec1382c" Revision="1" Stencil="7276b9ef-3953-4dce-a89b-ed85f20b8b93" StencilVersion="1.0"/>
+  <Id Name="369f9055-6b6c-48b9-9320-5df2d46c430a" Revision="1" Stencil="7276b9ef-3953-4dce-a89b-ed85f20b8b93" StencilVersion="1.0"/>
 </Control>
 </file>
 
@@ -50034,41 +50588,29 @@
 
 <file path=customXml/item24.xml><?xml version="1.0" encoding="utf-8"?>
 <Control xmlns="http://schemas.microsoft.com/VisualStudio/2011/storyboarding/control">
-  <Id Name="d69996e1-3d61-4686-9b63-f1b855c596ab" Revision="1" Stencil="7276b9ef-3953-4dce-a89b-ed85f20b8b93" StencilVersion="1.0"/>
+  <Id Name="a53d73d2-368b-429e-b817-1324eec1382c" Revision="1" Stencil="7276b9ef-3953-4dce-a89b-ed85f20b8b93" StencilVersion="1.0"/>
 </Control>
 </file>
 
 <file path=customXml/item25.xml><?xml version="1.0" encoding="utf-8"?>
 <Control xmlns="http://schemas.microsoft.com/VisualStudio/2011/storyboarding/control">
-  <Id Name="369f9055-6b6c-48b9-9320-5df2d46c430a" Revision="1" Stencil="7276b9ef-3953-4dce-a89b-ed85f20b8b93" StencilVersion="1.0"/>
+  <Id Name="d69996e1-3d61-4686-9b63-f1b855c596ab" Revision="1" Stencil="7276b9ef-3953-4dce-a89b-ed85f20b8b93" StencilVersion="1.0"/>
 </Control>
 </file>
 
 <file path=customXml/item26.xml><?xml version="1.0" encoding="utf-8"?>
 <Control xmlns="http://schemas.microsoft.com/VisualStudio/2011/storyboarding/control">
-  <Id Name="a53d73d2-368b-429e-b817-1324eec1382c" Revision="1" Stencil="7276b9ef-3953-4dce-a89b-ed85f20b8b93" StencilVersion="1.0"/>
+  <Id Name="fb22c541-ded0-47fa-8877-83a4c2d16227" Revision="1" Stencil="7276b9ef-3953-4dce-a89b-ed85f20b8b93" StencilVersion="1.0"/>
 </Control>
 </file>
 
 <file path=customXml/item27.xml><?xml version="1.0" encoding="utf-8"?>
 <Control xmlns="http://schemas.microsoft.com/VisualStudio/2011/storyboarding/control">
-  <Id Name="d69996e1-3d61-4686-9b63-f1b855c596ab" Revision="1" Stencil="7276b9ef-3953-4dce-a89b-ed85f20b8b93" StencilVersion="1.0"/>
+  <Id Name="a53d73d2-368b-429e-b817-1324eec1382c" Revision="1" Stencil="7276b9ef-3953-4dce-a89b-ed85f20b8b93" StencilVersion="1.0"/>
 </Control>
 </file>
 
 <file path=customXml/item28.xml><?xml version="1.0" encoding="utf-8"?>
-<Control xmlns="http://schemas.microsoft.com/VisualStudio/2011/storyboarding/control">
-  <Id Name="a2191c86-fc50-4add-948c-129f6b5a88d8" Revision="1" Stencil="7276b9ef-3953-4dce-a89b-ed85f20b8b93" StencilVersion="1.0"/>
-</Control>
-</file>
-
-<file path=customXml/item29.xml><?xml version="1.0" encoding="utf-8"?>
-<Control xmlns="http://schemas.microsoft.com/VisualStudio/2011/storyboarding/control">
-  <Id Name="d69996e1-3d61-4686-9b63-f1b855c596ab" Revision="1" Stencil="7276b9ef-3953-4dce-a89b-ed85f20b8b93" StencilVersion="1.0"/>
-</Control>
-</file>
-
-<file path=customXml/item3.xml><?xml version="1.0" encoding="utf-8"?>
 <ct:contentTypeSchema xmlns:ct="http://schemas.microsoft.com/office/2006/metadata/contentType" xmlns:ma="http://schemas.microsoft.com/office/2006/metadata/properties/metaAttributes" ct:_="" ma:_="" ma:contentTypeName="Document" ma:contentTypeID="0x010100674EDBEC711BD14FBA6FF5C10FEFEAC7" ma:contentTypeVersion="2" ma:contentTypeDescription="Create a new document." ma:contentTypeScope="" ma:versionID="2439c5e21841780d4f192983b535a097">
   <xsd:schema xmlns:xsd="http://www.w3.org/2001/XMLSchema" xmlns:xs="http://www.w3.org/2001/XMLSchema" xmlns:p="http://schemas.microsoft.com/office/2006/metadata/properties" xmlns:ns2="83cd2334-221a-48c3-9034-bfd1542dfe28" targetNamespace="http://schemas.microsoft.com/office/2006/metadata/properties" ma:root="true" ma:fieldsID="2bca9163d8d0b233c3086236a9289b04" ns2:_="">
     <xsd:import namespace="83cd2334-221a-48c3-9034-bfd1542dfe28"/>
@@ -50216,9 +50758,21 @@
 </ct:contentTypeSchema>
 </file>
 
+<file path=customXml/item29.xml><?xml version="1.0" encoding="utf-8"?>
+<Control xmlns="http://schemas.microsoft.com/VisualStudio/2011/storyboarding/control">
+  <Id Name="a2191c86-fc50-4add-948c-129f6b5a88d8" Revision="1" Stencil="7276b9ef-3953-4dce-a89b-ed85f20b8b93" StencilVersion="1.0"/>
+</Control>
+</file>
+
+<file path=customXml/item3.xml><?xml version="1.0" encoding="utf-8"?>
+<Control xmlns="http://schemas.microsoft.com/VisualStudio/2011/storyboarding/control">
+  <Id Name="a2191c86-fc50-4add-948c-129f6b5a88d8" Revision="1" Stencil="7276b9ef-3953-4dce-a89b-ed85f20b8b93" StencilVersion="1.0"/>
+</Control>
+</file>
+
 <file path=customXml/item30.xml><?xml version="1.0" encoding="utf-8"?>
 <Control xmlns="http://schemas.microsoft.com/VisualStudio/2011/storyboarding/control">
-  <Id Name="fb22c541-ded0-47fa-8877-83a4c2d16227" Revision="1" Stencil="7276b9ef-3953-4dce-a89b-ed85f20b8b93" StencilVersion="1.0"/>
+  <Id Name="a2191c86-fc50-4add-948c-129f6b5a88d8" Revision="1" Stencil="7276b9ef-3953-4dce-a89b-ed85f20b8b93" StencilVersion="1.0"/>
 </Control>
 </file>
 
@@ -50230,19 +50784,37 @@
 
 <file path=customXml/item32.xml><?xml version="1.0" encoding="utf-8"?>
 <Control xmlns="http://schemas.microsoft.com/VisualStudio/2011/storyboarding/control">
-  <Id Name="369f9055-6b6c-48b9-9320-5df2d46c430a" Revision="1" Stencil="7276b9ef-3953-4dce-a89b-ed85f20b8b93" StencilVersion="1.0"/>
+  <Id Name="a2191c86-fc50-4add-948c-129f6b5a88d8" Revision="1" Stencil="7276b9ef-3953-4dce-a89b-ed85f20b8b93" StencilVersion="1.0"/>
 </Control>
 </file>
 
 <file path=customXml/item33.xml><?xml version="1.0" encoding="utf-8"?>
-<Control xmlns="http://schemas.microsoft.com/VisualStudio/2011/storyboarding/control">
-  <Id Name="a2191c86-fc50-4add-948c-129f6b5a88d8" Revision="1" Stencil="7276b9ef-3953-4dce-a89b-ed85f20b8b93" StencilVersion="1.0"/>
-</Control>
+<p:properties xmlns:p="http://schemas.microsoft.com/office/2006/metadata/properties" xmlns:xsi="http://www.w3.org/2001/XMLSchema-instance" xmlns:pc="http://schemas.microsoft.com/office/infopath/2007/PartnerControls">
+  <documentManagement>
+    <SharedWithUsers xmlns="83cd2334-221a-48c3-9034-bfd1542dfe28">
+      <UserInfo>
+        <DisplayName>Gilad Turbahn</DisplayName>
+        <AccountId>511</AccountId>
+        <AccountType/>
+      </UserInfo>
+      <UserInfo>
+        <DisplayName>Keith Boyd</DisplayName>
+        <AccountId>993</AccountId>
+        <AccountType/>
+      </UserInfo>
+      <UserInfo>
+        <DisplayName>Christopher Harrison</DisplayName>
+        <AccountId>1176</AccountId>
+        <AccountType/>
+      </UserInfo>
+    </SharedWithUsers>
+  </documentManagement>
+</p:properties>
 </file>
 
 <file path=customXml/item4.xml><?xml version="1.0" encoding="utf-8"?>
 <Control xmlns="http://schemas.microsoft.com/VisualStudio/2011/storyboarding/control">
-  <Id Name="a53d73d2-368b-429e-b817-1324eec1382c" Revision="1" Stencil="7276b9ef-3953-4dce-a89b-ed85f20b8b93" StencilVersion="1.0"/>
+  <Id Name="d69996e1-3d61-4686-9b63-f1b855c596ab" Revision="1" Stencil="7276b9ef-3953-4dce-a89b-ed85f20b8b93" StencilVersion="1.0"/>
 </Control>
 </file>
 
@@ -50253,34 +50825,31 @@
 </file>
 
 <file path=customXml/item6.xml><?xml version="1.0" encoding="utf-8"?>
-<?mso-contentType ?>
-<FormTemplates xmlns="http://schemas.microsoft.com/sharepoint/v3/contenttype/forms">
-  <Display>DocumentLibraryForm</Display>
-  <Edit>DocumentLibraryForm</Edit>
-  <New>DocumentLibraryForm</New>
-</FormTemplates>
+<Control xmlns="http://schemas.microsoft.com/VisualStudio/2011/storyboarding/control">
+  <Id Name="fb22c541-ded0-47fa-8877-83a4c2d16227" Revision="1" Stencil="7276b9ef-3953-4dce-a89b-ed85f20b8b93" StencilVersion="1.0"/>
+</Control>
 </file>
 
 <file path=customXml/item7.xml><?xml version="1.0" encoding="utf-8"?>
+<Control xmlns="http://schemas.microsoft.com/VisualStudio/2011/storyboarding/control">
+  <Id Name="369f9055-6b6c-48b9-9320-5df2d46c430a" Revision="1" Stencil="7276b9ef-3953-4dce-a89b-ed85f20b8b93" StencilVersion="1.0"/>
+</Control>
+</file>
+
+<file path=customXml/item8.xml><?xml version="1.0" encoding="utf-8"?>
 <Control xmlns="http://schemas.microsoft.com/VisualStudio/2011/storyboarding/control">
   <Id Name="d69996e1-3d61-4686-9b63-f1b855c596ab" Revision="1" Stencil="7276b9ef-3953-4dce-a89b-ed85f20b8b93" StencilVersion="1.0"/>
 </Control>
 </file>
 
-<file path=customXml/item8.xml><?xml version="1.0" encoding="utf-8"?>
-<Control xmlns="http://schemas.microsoft.com/VisualStudio/2011/storyboarding/control">
-  <Id Name="a53d73d2-368b-429e-b817-1324eec1382c" Revision="1" Stencil="7276b9ef-3953-4dce-a89b-ed85f20b8b93" StencilVersion="1.0"/>
-</Control>
-</file>
-
 <file path=customXml/item9.xml><?xml version="1.0" encoding="utf-8"?>
 <Control xmlns="http://schemas.microsoft.com/VisualStudio/2011/storyboarding/control">
-  <Id Name="369f9055-6b6c-48b9-9320-5df2d46c430a" Revision="1" Stencil="7276b9ef-3953-4dce-a89b-ed85f20b8b93" StencilVersion="1.0"/>
+  <Id Name="a2191c86-fc50-4add-948c-129f6b5a88d8" Revision="1" Stencil="7276b9ef-3953-4dce-a89b-ed85f20b8b93" StencilVersion="1.0"/>
 </Control>
 </file>
 
 <file path=customXml/itemProps1.xml><?xml version="1.0" encoding="utf-8"?>
-<ds:datastoreItem xmlns:ds="http://schemas.openxmlformats.org/officeDocument/2006/customXml" ds:itemID="{4B16F4FE-7C26-4443-B426-81998D23ED87}">
+<ds:datastoreItem xmlns:ds="http://schemas.openxmlformats.org/officeDocument/2006/customXml" ds:itemID="{376216F9-AF6B-4844-AE8C-B9F953F916AB}">
   <ds:schemaRefs>
     <ds:schemaRef ds:uri="http://schemas.microsoft.com/VisualStudio/2011/storyboarding/control"/>
   </ds:schemaRefs>
@@ -50288,9 +50857,9 @@
 </file>
 
 <file path=customXml/itemProps10.xml><?xml version="1.0" encoding="utf-8"?>
-<ds:datastoreItem xmlns:ds="http://schemas.openxmlformats.org/officeDocument/2006/customXml" ds:itemID="{C0F92A87-A216-45A9-B9C0-0515663D35BF}">
+<ds:datastoreItem xmlns:ds="http://schemas.openxmlformats.org/officeDocument/2006/customXml" ds:itemID="{758FDAC0-319D-4A54-8D8E-1D42CB1F8004}">
   <ds:schemaRefs>
-    <ds:schemaRef ds:uri="http://schemas.microsoft.com/VisualStudio/2011/storyboarding/control"/>
+    <ds:schemaRef ds:uri="http://schemas.microsoft.com/sharepoint/v3/contenttype/forms"/>
   </ds:schemaRefs>
 </ds:datastoreItem>
 </file>
@@ -50304,7 +50873,7 @@
 </file>
 
 <file path=customXml/itemProps12.xml><?xml version="1.0" encoding="utf-8"?>
-<ds:datastoreItem xmlns:ds="http://schemas.openxmlformats.org/officeDocument/2006/customXml" ds:itemID="{8BD595CA-AC5E-43B9-B966-E468A16E8322}">
+<ds:datastoreItem xmlns:ds="http://schemas.openxmlformats.org/officeDocument/2006/customXml" ds:itemID="{3DC6CABD-46E1-4C27-A0B3-616DC56F8E5C}">
   <ds:schemaRefs>
     <ds:schemaRef ds:uri="http://schemas.microsoft.com/VisualStudio/2011/storyboarding/control"/>
   </ds:schemaRefs>
@@ -50312,23 +50881,15 @@
 </file>
 
 <file path=customXml/itemProps13.xml><?xml version="1.0" encoding="utf-8"?>
-<ds:datastoreItem xmlns:ds="http://schemas.openxmlformats.org/officeDocument/2006/customXml" ds:itemID="{F990F116-B58F-4255-B05B-DA3808E0E5C6}">
+<ds:datastoreItem xmlns:ds="http://schemas.openxmlformats.org/officeDocument/2006/customXml" ds:itemID="{82DB428A-B8F8-483F-8276-095629A8ECDB}">
   <ds:schemaRefs>
-    <ds:schemaRef ds:uri="http://purl.org/dc/terms/"/>
-    <ds:schemaRef ds:uri="http://schemas.openxmlformats.org/package/2006/metadata/core-properties"/>
-    <ds:schemaRef ds:uri="http://purl.org/dc/dcmitype/"/>
-    <ds:schemaRef ds:uri="http://schemas.microsoft.com/office/infopath/2007/PartnerControls"/>
-    <ds:schemaRef ds:uri="http://schemas.microsoft.com/office/2006/documentManagement/types"/>
-    <ds:schemaRef ds:uri="http://purl.org/dc/elements/1.1/"/>
-    <ds:schemaRef ds:uri="http://schemas.microsoft.com/office/2006/metadata/properties"/>
-    <ds:schemaRef ds:uri="83cd2334-221a-48c3-9034-bfd1542dfe28"/>
-    <ds:schemaRef ds:uri="http://www.w3.org/XML/1998/namespace"/>
+    <ds:schemaRef ds:uri="http://schemas.microsoft.com/VisualStudio/2011/storyboarding/control"/>
   </ds:schemaRefs>
 </ds:datastoreItem>
 </file>
 
 <file path=customXml/itemProps14.xml><?xml version="1.0" encoding="utf-8"?>
-<ds:datastoreItem xmlns:ds="http://schemas.openxmlformats.org/officeDocument/2006/customXml" ds:itemID="{ED350DFE-2319-4AB0-BC96-1D36D125365A}">
+<ds:datastoreItem xmlns:ds="http://schemas.openxmlformats.org/officeDocument/2006/customXml" ds:itemID="{432851C6-BC05-4673-B853-6D08AB80CDC4}">
   <ds:schemaRefs>
     <ds:schemaRef ds:uri="http://schemas.microsoft.com/VisualStudio/2011/storyboarding/control"/>
   </ds:schemaRefs>
@@ -50344,7 +50905,7 @@
 </file>
 
 <file path=customXml/itemProps16.xml><?xml version="1.0" encoding="utf-8"?>
-<ds:datastoreItem xmlns:ds="http://schemas.openxmlformats.org/officeDocument/2006/customXml" ds:itemID="{4E8278DB-3CDD-48A7-992E-A7596AD335B9}">
+<ds:datastoreItem xmlns:ds="http://schemas.openxmlformats.org/officeDocument/2006/customXml" ds:itemID="{6FB9D450-4C47-4A44-8C0D-C78D8A54C46F}">
   <ds:schemaRefs>
     <ds:schemaRef ds:uri="http://schemas.microsoft.com/VisualStudio/2011/storyboarding/control"/>
   </ds:schemaRefs>
@@ -50352,7 +50913,7 @@
 </file>
 
 <file path=customXml/itemProps17.xml><?xml version="1.0" encoding="utf-8"?>
-<ds:datastoreItem xmlns:ds="http://schemas.openxmlformats.org/officeDocument/2006/customXml" ds:itemID="{8257D6BC-B71E-4D95-81E4-A1D4A8174168}">
+<ds:datastoreItem xmlns:ds="http://schemas.openxmlformats.org/officeDocument/2006/customXml" ds:itemID="{3C954CC5-1CAC-4EC3-9791-8630483065B9}">
   <ds:schemaRefs>
     <ds:schemaRef ds:uri="http://schemas.microsoft.com/VisualStudio/2011/storyboarding/control"/>
   </ds:schemaRefs>
@@ -50360,7 +50921,7 @@
 </file>
 
 <file path=customXml/itemProps18.xml><?xml version="1.0" encoding="utf-8"?>
-<ds:datastoreItem xmlns:ds="http://schemas.openxmlformats.org/officeDocument/2006/customXml" ds:itemID="{376216F9-AF6B-4844-AE8C-B9F953F916AB}">
+<ds:datastoreItem xmlns:ds="http://schemas.openxmlformats.org/officeDocument/2006/customXml" ds:itemID="{C0F92A87-A216-45A9-B9C0-0515663D35BF}">
   <ds:schemaRefs>
     <ds:schemaRef ds:uri="http://schemas.microsoft.com/VisualStudio/2011/storyboarding/control"/>
   </ds:schemaRefs>
@@ -50376,7 +50937,7 @@
 </file>
 
 <file path=customXml/itemProps2.xml><?xml version="1.0" encoding="utf-8"?>
-<ds:datastoreItem xmlns:ds="http://schemas.openxmlformats.org/officeDocument/2006/customXml" ds:itemID="{4C1B3C27-4803-4D72-A3F8-6668A3F0A24B}">
+<ds:datastoreItem xmlns:ds="http://schemas.openxmlformats.org/officeDocument/2006/customXml" ds:itemID="{8893E80D-6D0C-4E0F-AA22-E5615BB87E5B}">
   <ds:schemaRefs>
     <ds:schemaRef ds:uri="http://schemas.microsoft.com/VisualStudio/2011/storyboarding/control"/>
   </ds:schemaRefs>
@@ -50384,7 +50945,7 @@
 </file>
 
 <file path=customXml/itemProps20.xml><?xml version="1.0" encoding="utf-8"?>
-<ds:datastoreItem xmlns:ds="http://schemas.openxmlformats.org/officeDocument/2006/customXml" ds:itemID="{7959CC6A-F423-4783-B968-3BCC86A7394E}">
+<ds:datastoreItem xmlns:ds="http://schemas.openxmlformats.org/officeDocument/2006/customXml" ds:itemID="{FE651ABA-5DC1-4ABD-A06E-055AE54B337B}">
   <ds:schemaRefs>
     <ds:schemaRef ds:uri="http://schemas.microsoft.com/VisualStudio/2011/storyboarding/control"/>
   </ds:schemaRefs>
@@ -50392,7 +50953,7 @@
 </file>
 
 <file path=customXml/itemProps21.xml><?xml version="1.0" encoding="utf-8"?>
-<ds:datastoreItem xmlns:ds="http://schemas.openxmlformats.org/officeDocument/2006/customXml" ds:itemID="{0B54C583-7BAB-4080-8093-C5F84F5A225A}">
+<ds:datastoreItem xmlns:ds="http://schemas.openxmlformats.org/officeDocument/2006/customXml" ds:itemID="{F68D8396-E21C-4AFF-8FDD-70D00673D0EE}">
   <ds:schemaRefs>
     <ds:schemaRef ds:uri="http://schemas.microsoft.com/VisualStudio/2011/storyboarding/control"/>
   </ds:schemaRefs>
@@ -50400,6 +50961,22 @@
 </file>
 
 <file path=customXml/itemProps22.xml><?xml version="1.0" encoding="utf-8"?>
+<ds:datastoreItem xmlns:ds="http://schemas.openxmlformats.org/officeDocument/2006/customXml" ds:itemID="{08C4EE12-DF69-4FFC-9E40-C7991F3490A6}">
+  <ds:schemaRefs>
+    <ds:schemaRef ds:uri="http://schemas.microsoft.com/VisualStudio/2011/storyboarding/control"/>
+  </ds:schemaRefs>
+</ds:datastoreItem>
+</file>
+
+<file path=customXml/itemProps23.xml><?xml version="1.0" encoding="utf-8"?>
+<ds:datastoreItem xmlns:ds="http://schemas.openxmlformats.org/officeDocument/2006/customXml" ds:itemID="{ED350DFE-2319-4AB0-BC96-1D36D125365A}">
+  <ds:schemaRefs>
+    <ds:schemaRef ds:uri="http://schemas.microsoft.com/VisualStudio/2011/storyboarding/control"/>
+  </ds:schemaRefs>
+</ds:datastoreItem>
+</file>
+
+<file path=customXml/itemProps24.xml><?xml version="1.0" encoding="utf-8"?>
 <ds:datastoreItem xmlns:ds="http://schemas.openxmlformats.org/officeDocument/2006/customXml" ds:itemID="{21F6B647-976A-41D0-B760-9DF9DFC6AE3C}">
   <ds:schemaRefs>
     <ds:schemaRef ds:uri="http://schemas.microsoft.com/VisualStudio/2011/storyboarding/control"/>
@@ -50407,24 +50984,8 @@
 </ds:datastoreItem>
 </file>
 
-<file path=customXml/itemProps23.xml><?xml version="1.0" encoding="utf-8"?>
-<ds:datastoreItem xmlns:ds="http://schemas.openxmlformats.org/officeDocument/2006/customXml" ds:itemID="{6FB9D450-4C47-4A44-8C0D-C78D8A54C46F}">
-  <ds:schemaRefs>
-    <ds:schemaRef ds:uri="http://schemas.microsoft.com/VisualStudio/2011/storyboarding/control"/>
-  </ds:schemaRefs>
-</ds:datastoreItem>
-</file>
-
-<file path=customXml/itemProps24.xml><?xml version="1.0" encoding="utf-8"?>
-<ds:datastoreItem xmlns:ds="http://schemas.openxmlformats.org/officeDocument/2006/customXml" ds:itemID="{3DC6CABD-46E1-4C27-A0B3-616DC56F8E5C}">
-  <ds:schemaRefs>
-    <ds:schemaRef ds:uri="http://schemas.microsoft.com/VisualStudio/2011/storyboarding/control"/>
-  </ds:schemaRefs>
-</ds:datastoreItem>
-</file>
-
 <file path=customXml/itemProps25.xml><?xml version="1.0" encoding="utf-8"?>
-<ds:datastoreItem xmlns:ds="http://schemas.openxmlformats.org/officeDocument/2006/customXml" ds:itemID="{42D603BF-B513-4201-A599-21BA0F4FFC40}">
+<ds:datastoreItem xmlns:ds="http://schemas.openxmlformats.org/officeDocument/2006/customXml" ds:itemID="{0282FB20-2D4C-459D-8468-77D1D3C6925D}">
   <ds:schemaRefs>
     <ds:schemaRef ds:uri="http://schemas.microsoft.com/VisualStudio/2011/storyboarding/control"/>
   </ds:schemaRefs>
@@ -50432,7 +50993,7 @@
 </file>
 
 <file path=customXml/itemProps26.xml><?xml version="1.0" encoding="utf-8"?>
-<ds:datastoreItem xmlns:ds="http://schemas.openxmlformats.org/officeDocument/2006/customXml" ds:itemID="{8893E80D-6D0C-4E0F-AA22-E5615BB87E5B}">
+<ds:datastoreItem xmlns:ds="http://schemas.openxmlformats.org/officeDocument/2006/customXml" ds:itemID="{D6FEE829-2115-45B4-8110-670FD454542B}">
   <ds:schemaRefs>
     <ds:schemaRef ds:uri="http://schemas.microsoft.com/VisualStudio/2011/storyboarding/control"/>
   </ds:schemaRefs>
@@ -50440,7 +51001,7 @@
 </file>
 
 <file path=customXml/itemProps27.xml><?xml version="1.0" encoding="utf-8"?>
-<ds:datastoreItem xmlns:ds="http://schemas.openxmlformats.org/officeDocument/2006/customXml" ds:itemID="{0282FB20-2D4C-459D-8468-77D1D3C6925D}">
+<ds:datastoreItem xmlns:ds="http://schemas.openxmlformats.org/officeDocument/2006/customXml" ds:itemID="{4E805D65-1532-4BB0-8F41-8013167C0009}">
   <ds:schemaRefs>
     <ds:schemaRef ds:uri="http://schemas.microsoft.com/VisualStudio/2011/storyboarding/control"/>
   </ds:schemaRefs>
@@ -50448,22 +51009,6 @@
 </file>
 
 <file path=customXml/itemProps28.xml><?xml version="1.0" encoding="utf-8"?>
-<ds:datastoreItem xmlns:ds="http://schemas.openxmlformats.org/officeDocument/2006/customXml" ds:itemID="{3C954CC5-1CAC-4EC3-9791-8630483065B9}">
-  <ds:schemaRefs>
-    <ds:schemaRef ds:uri="http://schemas.microsoft.com/VisualStudio/2011/storyboarding/control"/>
-  </ds:schemaRefs>
-</ds:datastoreItem>
-</file>
-
-<file path=customXml/itemProps29.xml><?xml version="1.0" encoding="utf-8"?>
-<ds:datastoreItem xmlns:ds="http://schemas.openxmlformats.org/officeDocument/2006/customXml" ds:itemID="{366CA990-F93D-4100-9654-65D9E30F4E1C}">
-  <ds:schemaRefs>
-    <ds:schemaRef ds:uri="http://schemas.microsoft.com/VisualStudio/2011/storyboarding/control"/>
-  </ds:schemaRefs>
-</ds:datastoreItem>
-</file>
-
-<file path=customXml/itemProps3.xml><?xml version="1.0" encoding="utf-8"?>
 <ds:datastoreItem xmlns:ds="http://schemas.openxmlformats.org/officeDocument/2006/customXml" ds:itemID="{11F98F69-7518-4AE2-AE7B-E037DC9DDC97}">
   <ds:schemaRefs>
     <ds:schemaRef ds:uri="http://schemas.microsoft.com/office/2006/metadata/contentType"/>
@@ -50481,8 +51026,24 @@
 </ds:datastoreItem>
 </file>
 
+<file path=customXml/itemProps29.xml><?xml version="1.0" encoding="utf-8"?>
+<ds:datastoreItem xmlns:ds="http://schemas.openxmlformats.org/officeDocument/2006/customXml" ds:itemID="{8BD595CA-AC5E-43B9-B966-E468A16E8322}">
+  <ds:schemaRefs>
+    <ds:schemaRef ds:uri="http://schemas.microsoft.com/VisualStudio/2011/storyboarding/control"/>
+  </ds:schemaRefs>
+</ds:datastoreItem>
+</file>
+
+<file path=customXml/itemProps3.xml><?xml version="1.0" encoding="utf-8"?>
+<ds:datastoreItem xmlns:ds="http://schemas.openxmlformats.org/officeDocument/2006/customXml" ds:itemID="{0B54C583-7BAB-4080-8093-C5F84F5A225A}">
+  <ds:schemaRefs>
+    <ds:schemaRef ds:uri="http://schemas.microsoft.com/VisualStudio/2011/storyboarding/control"/>
+  </ds:schemaRefs>
+</ds:datastoreItem>
+</file>
+
 <file path=customXml/itemProps30.xml><?xml version="1.0" encoding="utf-8"?>
-<ds:datastoreItem xmlns:ds="http://schemas.openxmlformats.org/officeDocument/2006/customXml" ds:itemID="{D6FEE829-2115-45B4-8110-670FD454542B}">
+<ds:datastoreItem xmlns:ds="http://schemas.openxmlformats.org/officeDocument/2006/customXml" ds:itemID="{8257D6BC-B71E-4D95-81E4-A1D4A8174168}">
   <ds:schemaRefs>
     <ds:schemaRef ds:uri="http://schemas.microsoft.com/VisualStudio/2011/storyboarding/control"/>
   </ds:schemaRefs>
@@ -50490,7 +51051,7 @@
 </file>
 
 <file path=customXml/itemProps31.xml><?xml version="1.0" encoding="utf-8"?>
-<ds:datastoreItem xmlns:ds="http://schemas.openxmlformats.org/officeDocument/2006/customXml" ds:itemID="{FE651ABA-5DC1-4ABD-A06E-055AE54B337B}">
+<ds:datastoreItem xmlns:ds="http://schemas.openxmlformats.org/officeDocument/2006/customXml" ds:itemID="{42D603BF-B513-4201-A599-21BA0F4FFC40}">
   <ds:schemaRefs>
     <ds:schemaRef ds:uri="http://schemas.microsoft.com/VisualStudio/2011/storyboarding/control"/>
   </ds:schemaRefs>
@@ -50498,7 +51059,7 @@
 </file>
 
 <file path=customXml/itemProps32.xml><?xml version="1.0" encoding="utf-8"?>
-<ds:datastoreItem xmlns:ds="http://schemas.openxmlformats.org/officeDocument/2006/customXml" ds:itemID="{82DB428A-B8F8-483F-8276-095629A8ECDB}">
+<ds:datastoreItem xmlns:ds="http://schemas.openxmlformats.org/officeDocument/2006/customXml" ds:itemID="{D4B5F268-5930-44CD-BDF1-D0A04D4BBC1C}">
   <ds:schemaRefs>
     <ds:schemaRef ds:uri="http://schemas.microsoft.com/VisualStudio/2011/storyboarding/control"/>
   </ds:schemaRefs>
@@ -50506,15 +51067,23 @@
 </file>
 
 <file path=customXml/itemProps33.xml><?xml version="1.0" encoding="utf-8"?>
-<ds:datastoreItem xmlns:ds="http://schemas.openxmlformats.org/officeDocument/2006/customXml" ds:itemID="{D4B5F268-5930-44CD-BDF1-D0A04D4BBC1C}">
+<ds:datastoreItem xmlns:ds="http://schemas.openxmlformats.org/officeDocument/2006/customXml" ds:itemID="{F990F116-B58F-4255-B05B-DA3808E0E5C6}">
   <ds:schemaRefs>
-    <ds:schemaRef ds:uri="http://schemas.microsoft.com/VisualStudio/2011/storyboarding/control"/>
+    <ds:schemaRef ds:uri="http://purl.org/dc/terms/"/>
+    <ds:schemaRef ds:uri="http://schemas.openxmlformats.org/package/2006/metadata/core-properties"/>
+    <ds:schemaRef ds:uri="http://purl.org/dc/dcmitype/"/>
+    <ds:schemaRef ds:uri="http://schemas.microsoft.com/office/infopath/2007/PartnerControls"/>
+    <ds:schemaRef ds:uri="http://schemas.microsoft.com/office/2006/documentManagement/types"/>
+    <ds:schemaRef ds:uri="http://purl.org/dc/elements/1.1/"/>
+    <ds:schemaRef ds:uri="http://schemas.microsoft.com/office/2006/metadata/properties"/>
+    <ds:schemaRef ds:uri="83cd2334-221a-48c3-9034-bfd1542dfe28"/>
+    <ds:schemaRef ds:uri="http://www.w3.org/XML/1998/namespace"/>
   </ds:schemaRefs>
 </ds:datastoreItem>
 </file>
 
 <file path=customXml/itemProps4.xml><?xml version="1.0" encoding="utf-8"?>
-<ds:datastoreItem xmlns:ds="http://schemas.openxmlformats.org/officeDocument/2006/customXml" ds:itemID="{F68D8396-E21C-4AFF-8FDD-70D00673D0EE}">
+<ds:datastoreItem xmlns:ds="http://schemas.openxmlformats.org/officeDocument/2006/customXml" ds:itemID="{C63AC2F0-1DEB-4E91-A88A-7A014A172F4F}">
   <ds:schemaRefs>
     <ds:schemaRef ds:uri="http://schemas.microsoft.com/VisualStudio/2011/storyboarding/control"/>
   </ds:schemaRefs>
@@ -50522,7 +51091,7 @@
 </file>
 
 <file path=customXml/itemProps5.xml><?xml version="1.0" encoding="utf-8"?>
-<ds:datastoreItem xmlns:ds="http://schemas.openxmlformats.org/officeDocument/2006/customXml" ds:itemID="{432851C6-BC05-4673-B853-6D08AB80CDC4}">
+<ds:datastoreItem xmlns:ds="http://schemas.openxmlformats.org/officeDocument/2006/customXml" ds:itemID="{4C1B3C27-4803-4D72-A3F8-6668A3F0A24B}">
   <ds:schemaRefs>
     <ds:schemaRef ds:uri="http://schemas.microsoft.com/VisualStudio/2011/storyboarding/control"/>
   </ds:schemaRefs>
@@ -50530,15 +51099,15 @@
 </file>
 
 <file path=customXml/itemProps6.xml><?xml version="1.0" encoding="utf-8"?>
-<ds:datastoreItem xmlns:ds="http://schemas.openxmlformats.org/officeDocument/2006/customXml" ds:itemID="{758FDAC0-319D-4A54-8D8E-1D42CB1F8004}">
+<ds:datastoreItem xmlns:ds="http://schemas.openxmlformats.org/officeDocument/2006/customXml" ds:itemID="{4E8278DB-3CDD-48A7-992E-A7596AD335B9}">
   <ds:schemaRefs>
-    <ds:schemaRef ds:uri="http://schemas.microsoft.com/sharepoint/v3/contenttype/forms"/>
+    <ds:schemaRef ds:uri="http://schemas.microsoft.com/VisualStudio/2011/storyboarding/control"/>
   </ds:schemaRefs>
 </ds:datastoreItem>
 </file>
 
 <file path=customXml/itemProps7.xml><?xml version="1.0" encoding="utf-8"?>
-<ds:datastoreItem xmlns:ds="http://schemas.openxmlformats.org/officeDocument/2006/customXml" ds:itemID="{C63AC2F0-1DEB-4E91-A88A-7A014A172F4F}">
+<ds:datastoreItem xmlns:ds="http://schemas.openxmlformats.org/officeDocument/2006/customXml" ds:itemID="{7959CC6A-F423-4783-B968-3BCC86A7394E}">
   <ds:schemaRefs>
     <ds:schemaRef ds:uri="http://schemas.microsoft.com/VisualStudio/2011/storyboarding/control"/>
   </ds:schemaRefs>
@@ -50546,7 +51115,7 @@
 </file>
 
 <file path=customXml/itemProps8.xml><?xml version="1.0" encoding="utf-8"?>
-<ds:datastoreItem xmlns:ds="http://schemas.openxmlformats.org/officeDocument/2006/customXml" ds:itemID="{4E805D65-1532-4BB0-8F41-8013167C0009}">
+<ds:datastoreItem xmlns:ds="http://schemas.openxmlformats.org/officeDocument/2006/customXml" ds:itemID="{366CA990-F93D-4100-9654-65D9E30F4E1C}">
   <ds:schemaRefs>
     <ds:schemaRef ds:uri="http://schemas.microsoft.com/VisualStudio/2011/storyboarding/control"/>
   </ds:schemaRefs>
@@ -50554,7 +51123,7 @@
 </file>
 
 <file path=customXml/itemProps9.xml><?xml version="1.0" encoding="utf-8"?>
-<ds:datastoreItem xmlns:ds="http://schemas.openxmlformats.org/officeDocument/2006/customXml" ds:itemID="{08C4EE12-DF69-4FFC-9E40-C7991F3490A6}">
+<ds:datastoreItem xmlns:ds="http://schemas.openxmlformats.org/officeDocument/2006/customXml" ds:itemID="{4B16F4FE-7C26-4443-B426-81998D23ED87}">
   <ds:schemaRefs>
     <ds:schemaRef ds:uri="http://schemas.microsoft.com/VisualStudio/2011/storyboarding/control"/>
   </ds:schemaRefs>
